--- a/因主的名.pptx
+++ b/因主的名.pptx
@@ -5,12 +5,12 @@
     <p:sldMasterId id="2147483672" r:id="rId1"/>
   </p:sldMasterIdLst>
   <p:sldIdLst>
-    <p:sldId id="256" r:id="rId2"/>
-    <p:sldId id="257" r:id="rId3"/>
-    <p:sldId id="258" r:id="rId4"/>
-    <p:sldId id="259" r:id="rId5"/>
-    <p:sldId id="260" r:id="rId6"/>
-    <p:sldId id="261" r:id="rId7"/>
+    <p:sldId id="260" r:id="rId2"/>
+    <p:sldId id="261" r:id="rId3"/>
+    <p:sldId id="256" r:id="rId4"/>
+    <p:sldId id="257" r:id="rId5"/>
+    <p:sldId id="258" r:id="rId6"/>
+    <p:sldId id="259" r:id="rId7"/>
   </p:sldIdLst>
   <p:sldSz cx="9144000" cy="6858000" type="screen4x3"/>
   <p:notesSz cx="6858000" cy="9144000"/>
@@ -294,7 +294,7 @@
             <a:fld id="{4FF3AE62-F810-43A7-A0C3-BE00E20AE505}" type="datetimeFigureOut">
               <a:rPr lang="zh-TW" altLang="en-US" smtClean="0"/>
               <a:pPr/>
-              <a:t>2018/11/6</a:t>
+              <a:t>2019/6/11</a:t>
             </a:fld>
             <a:endParaRPr lang="zh-TW" altLang="en-US"/>
           </a:p>
@@ -461,7 +461,7 @@
             <a:fld id="{4FF3AE62-F810-43A7-A0C3-BE00E20AE505}" type="datetimeFigureOut">
               <a:rPr lang="zh-TW" altLang="en-US" smtClean="0"/>
               <a:pPr/>
-              <a:t>2018/11/6</a:t>
+              <a:t>2019/6/11</a:t>
             </a:fld>
             <a:endParaRPr lang="zh-TW" altLang="en-US"/>
           </a:p>
@@ -638,7 +638,7 @@
             <a:fld id="{4FF3AE62-F810-43A7-A0C3-BE00E20AE505}" type="datetimeFigureOut">
               <a:rPr lang="zh-TW" altLang="en-US" smtClean="0"/>
               <a:pPr/>
-              <a:t>2018/11/6</a:t>
+              <a:t>2019/6/11</a:t>
             </a:fld>
             <a:endParaRPr lang="zh-TW" altLang="en-US"/>
           </a:p>
@@ -805,7 +805,7 @@
             <a:fld id="{4FF3AE62-F810-43A7-A0C3-BE00E20AE505}" type="datetimeFigureOut">
               <a:rPr lang="zh-TW" altLang="en-US" smtClean="0"/>
               <a:pPr/>
-              <a:t>2018/11/6</a:t>
+              <a:t>2019/6/11</a:t>
             </a:fld>
             <a:endParaRPr lang="zh-TW" altLang="en-US"/>
           </a:p>
@@ -1048,7 +1048,7 @@
             <a:fld id="{4FF3AE62-F810-43A7-A0C3-BE00E20AE505}" type="datetimeFigureOut">
               <a:rPr lang="zh-TW" altLang="en-US" smtClean="0"/>
               <a:pPr/>
-              <a:t>2018/11/6</a:t>
+              <a:t>2019/6/11</a:t>
             </a:fld>
             <a:endParaRPr lang="zh-TW" altLang="en-US"/>
           </a:p>
@@ -1333,7 +1333,7 @@
             <a:fld id="{4FF3AE62-F810-43A7-A0C3-BE00E20AE505}" type="datetimeFigureOut">
               <a:rPr lang="zh-TW" altLang="en-US" smtClean="0"/>
               <a:pPr/>
-              <a:t>2018/11/6</a:t>
+              <a:t>2019/6/11</a:t>
             </a:fld>
             <a:endParaRPr lang="zh-TW" altLang="en-US"/>
           </a:p>
@@ -1752,7 +1752,7 @@
             <a:fld id="{4FF3AE62-F810-43A7-A0C3-BE00E20AE505}" type="datetimeFigureOut">
               <a:rPr lang="zh-TW" altLang="en-US" smtClean="0"/>
               <a:pPr/>
-              <a:t>2018/11/6</a:t>
+              <a:t>2019/6/11</a:t>
             </a:fld>
             <a:endParaRPr lang="zh-TW" altLang="en-US"/>
           </a:p>
@@ -1867,7 +1867,7 @@
             <a:fld id="{4FF3AE62-F810-43A7-A0C3-BE00E20AE505}" type="datetimeFigureOut">
               <a:rPr lang="zh-TW" altLang="en-US" smtClean="0"/>
               <a:pPr/>
-              <a:t>2018/11/6</a:t>
+              <a:t>2019/6/11</a:t>
             </a:fld>
             <a:endParaRPr lang="zh-TW" altLang="en-US"/>
           </a:p>
@@ -1959,7 +1959,7 @@
             <a:fld id="{4FF3AE62-F810-43A7-A0C3-BE00E20AE505}" type="datetimeFigureOut">
               <a:rPr lang="zh-TW" altLang="en-US" smtClean="0"/>
               <a:pPr/>
-              <a:t>2018/11/6</a:t>
+              <a:t>2019/6/11</a:t>
             </a:fld>
             <a:endParaRPr lang="zh-TW" altLang="en-US"/>
           </a:p>
@@ -2233,7 +2233,7 @@
             <a:fld id="{4FF3AE62-F810-43A7-A0C3-BE00E20AE505}" type="datetimeFigureOut">
               <a:rPr lang="zh-TW" altLang="en-US" smtClean="0"/>
               <a:pPr/>
-              <a:t>2018/11/6</a:t>
+              <a:t>2019/6/11</a:t>
             </a:fld>
             <a:endParaRPr lang="zh-TW" altLang="en-US"/>
           </a:p>
@@ -2487,7 +2487,7 @@
             <a:fld id="{4FF3AE62-F810-43A7-A0C3-BE00E20AE505}" type="datetimeFigureOut">
               <a:rPr lang="zh-TW" altLang="en-US" smtClean="0"/>
               <a:pPr/>
-              <a:t>2018/11/6</a:t>
+              <a:t>2019/6/11</a:t>
             </a:fld>
             <a:endParaRPr lang="zh-TW" altLang="en-US"/>
           </a:p>
@@ -2702,7 +2702,7 @@
             <a:fld id="{4FF3AE62-F810-43A7-A0C3-BE00E20AE505}" type="datetimeFigureOut">
               <a:rPr lang="zh-TW" altLang="en-US" smtClean="0"/>
               <a:pPr/>
-              <a:t>2018/11/6</a:t>
+              <a:t>2019/6/11</a:t>
             </a:fld>
             <a:endParaRPr lang="zh-TW" altLang="en-US"/>
           </a:p>
@@ -3075,7 +3075,7 @@
       </p:grpSpPr>
       <p:sp>
         <p:nvSpPr>
-          <p:cNvPr id="2" name="標題 1"/>
+          <p:cNvPr id="4" name="標題 3"/>
           <p:cNvSpPr>
             <a:spLocks noGrp="1"/>
           </p:cNvSpPr>
@@ -3091,68 +3091,113 @@
           <a:lstStyle/>
           <a:p>
             <a:r>
-              <a:rPr lang="zh-CN" altLang="en-US" sz="6000" b="1" cap="all" dirty="0">
-                <a:latin typeface="微軟正黑體" pitchFamily="34" charset="-120"/>
-                <a:ea typeface="微軟正黑體" pitchFamily="34" charset="-120"/>
-              </a:rPr>
-              <a:t>因主的</a:t>
-            </a:r>
-            <a:r>
-              <a:rPr lang="zh-CN" altLang="en-US" sz="6000" b="1" cap="all" dirty="0" smtClean="0">
-                <a:latin typeface="微軟正黑體" pitchFamily="34" charset="-120"/>
-                <a:ea typeface="微軟正黑體" pitchFamily="34" charset="-120"/>
-              </a:rPr>
-              <a:t>名</a:t>
-            </a:r>
-            <a:endParaRPr lang="zh-TW" altLang="en-US" sz="6000" dirty="0">
+              <a:rPr lang="zh-TW" altLang="en-US" sz="5400" b="1" dirty="0">
+                <a:latin typeface="微軟正黑體" pitchFamily="34" charset="-120"/>
+                <a:ea typeface="微軟正黑體" pitchFamily="34" charset="-120"/>
+              </a:rPr>
+              <a:t>全地至高是我主</a:t>
+            </a:r>
+          </a:p>
+        </p:txBody>
+      </p:sp>
+      <p:sp>
+        <p:nvSpPr>
+          <p:cNvPr id="5" name="內容版面配置區 4"/>
+          <p:cNvSpPr>
+            <a:spLocks noGrp="1"/>
+          </p:cNvSpPr>
+          <p:nvPr>
+            <p:ph idx="1"/>
+          </p:nvPr>
+        </p:nvSpPr>
+        <p:spPr>
+          <a:xfrm>
+            <a:off x="0" y="1600200"/>
+            <a:ext cx="9144000" cy="4525963"/>
+          </a:xfrm>
+        </p:spPr>
+        <p:txBody>
+          <a:bodyPr>
+            <a:noAutofit/>
+          </a:bodyPr>
+          <a:lstStyle/>
+          <a:p>
+            <a:pPr algn="ctr">
+              <a:buNone/>
+            </a:pPr>
+            <a:r>
+              <a:rPr lang="zh-TW" altLang="en-US" sz="5400" b="1" dirty="0">
+                <a:latin typeface="微軟正黑體" pitchFamily="34" charset="-120"/>
+                <a:ea typeface="微軟正黑體" pitchFamily="34" charset="-120"/>
+              </a:rPr>
+              <a:t>願靈內</a:t>
+            </a:r>
+            <a:r>
+              <a:rPr lang="zh-TW" altLang="en-US" sz="5400" b="1" dirty="0" smtClean="0">
+                <a:latin typeface="微軟正黑體" pitchFamily="34" charset="-120"/>
+                <a:ea typeface="微軟正黑體" pitchFamily="34" charset="-120"/>
+              </a:rPr>
+              <a:t>甦醒  心</a:t>
+            </a:r>
+            <a:r>
+              <a:rPr lang="zh-TW" altLang="en-US" sz="5400" b="1" dirty="0">
+                <a:latin typeface="微軟正黑體" pitchFamily="34" charset="-120"/>
+                <a:ea typeface="微軟正黑體" pitchFamily="34" charset="-120"/>
+              </a:rPr>
+              <a:t>獻頌讚</a:t>
+            </a:r>
+            <a:r>
+              <a:rPr lang="zh-TW" altLang="en-US" sz="5400" b="1" dirty="0" smtClean="0">
+                <a:latin typeface="微軟正黑體" pitchFamily="34" charset="-120"/>
+                <a:ea typeface="微軟正黑體" pitchFamily="34" charset="-120"/>
+              </a:rPr>
+              <a:t>歌聲</a:t>
+            </a:r>
+            <a:endParaRPr lang="en-US" altLang="zh-TW" sz="5400" b="1" dirty="0">
               <a:latin typeface="微軟正黑體" pitchFamily="34" charset="-120"/>
               <a:ea typeface="微軟正黑體" pitchFamily="34" charset="-120"/>
             </a:endParaRPr>
           </a:p>
-        </p:txBody>
-      </p:sp>
-      <p:sp>
-        <p:nvSpPr>
-          <p:cNvPr id="3" name="內容版面配置區 2"/>
-          <p:cNvSpPr>
-            <a:spLocks noGrp="1"/>
-          </p:cNvSpPr>
-          <p:nvPr>
-            <p:ph idx="1"/>
-          </p:nvPr>
-        </p:nvSpPr>
-        <p:spPr/>
-        <p:txBody>
-          <a:bodyPr anchor="ctr">
-            <a:normAutofit/>
-          </a:bodyPr>
-          <a:lstStyle/>
           <a:p>
             <a:pPr algn="ctr">
               <a:buNone/>
             </a:pPr>
             <a:r>
-              <a:rPr lang="zh-CN" altLang="en-US" sz="5400" b="1" cap="all" dirty="0" smtClean="0">
-                <a:latin typeface="微軟正黑體" pitchFamily="34" charset="-120"/>
-                <a:ea typeface="微軟正黑體" pitchFamily="34" charset="-120"/>
-              </a:rPr>
-              <a:t>造物主今</a:t>
-            </a:r>
-            <a:r>
-              <a:rPr lang="zh-CN" altLang="en-US" sz="5400" b="1" cap="all" dirty="0">
-                <a:latin typeface="微軟正黑體" pitchFamily="34" charset="-120"/>
-                <a:ea typeface="微軟正黑體" pitchFamily="34" charset="-120"/>
-              </a:rPr>
-              <a:t>高唱祢</a:t>
-            </a:r>
-            <a:r>
-              <a:rPr lang="zh-CN" altLang="en-US" sz="5400" b="1" cap="all" dirty="0" smtClean="0">
-                <a:latin typeface="微軟正黑體" pitchFamily="34" charset="-120"/>
-                <a:ea typeface="微軟正黑體" pitchFamily="34" charset="-120"/>
-              </a:rPr>
-              <a:t>名字</a:t>
-            </a:r>
-            <a:endParaRPr lang="en-US" altLang="zh-CN" sz="5400" b="1" cap="all" dirty="0" smtClean="0">
+              <a:rPr lang="zh-TW" altLang="en-US" sz="5400" b="1" dirty="0" smtClean="0">
+                <a:latin typeface="微軟正黑體" pitchFamily="34" charset="-120"/>
+                <a:ea typeface="微軟正黑體" pitchFamily="34" charset="-120"/>
+              </a:rPr>
+              <a:t>投</a:t>
+            </a:r>
+            <a:r>
+              <a:rPr lang="zh-TW" altLang="en-US" sz="5400" b="1" dirty="0">
+                <a:latin typeface="微軟正黑體" pitchFamily="34" charset="-120"/>
+                <a:ea typeface="微軟正黑體" pitchFamily="34" charset="-120"/>
+              </a:rPr>
+              <a:t>在你的</a:t>
+            </a:r>
+            <a:r>
+              <a:rPr lang="zh-TW" altLang="en-US" sz="5400" b="1" dirty="0" smtClean="0">
+                <a:latin typeface="微軟正黑體" pitchFamily="34" charset="-120"/>
+                <a:ea typeface="微軟正黑體" pitchFamily="34" charset="-120"/>
+              </a:rPr>
+              <a:t>翅膀  願</a:t>
+            </a:r>
+            <a:r>
+              <a:rPr lang="zh-TW" altLang="en-US" sz="5400" b="1" dirty="0">
+                <a:latin typeface="微軟正黑體" pitchFamily="34" charset="-120"/>
+                <a:ea typeface="微軟正黑體" pitchFamily="34" charset="-120"/>
+              </a:rPr>
+              <a:t>你施恩救</a:t>
+            </a:r>
+            <a:r>
+              <a:rPr lang="zh-TW" altLang="en-US" sz="5400" b="1" dirty="0" smtClean="0">
+                <a:latin typeface="微軟正黑體" pitchFamily="34" charset="-120"/>
+                <a:ea typeface="微軟正黑體" pitchFamily="34" charset="-120"/>
+              </a:rPr>
+              <a:t>拯</a:t>
+            </a:r>
+            <a:endParaRPr lang="en-US" altLang="zh-TW" sz="5400" b="1" dirty="0">
               <a:latin typeface="微軟正黑體" pitchFamily="34" charset="-120"/>
               <a:ea typeface="微軟正黑體" pitchFamily="34" charset="-120"/>
             </a:endParaRPr>
@@ -3162,20 +3207,41 @@
               <a:buNone/>
             </a:pPr>
             <a:r>
-              <a:rPr lang="zh-TW" altLang="en-US" sz="5400" b="1" cap="all" dirty="0" smtClean="0">
-                <a:latin typeface="微軟正黑體" pitchFamily="34" charset="-120"/>
-                <a:ea typeface="微軟正黑體" pitchFamily="34" charset="-120"/>
-              </a:rPr>
-              <a:t>和平之君</a:t>
-            </a:r>
-            <a:r>
-              <a:rPr lang="zh-CN" altLang="en-US" sz="5400" b="1" cap="all" dirty="0" smtClean="0">
-                <a:latin typeface="微軟正黑體" pitchFamily="34" charset="-120"/>
-                <a:ea typeface="微軟正黑體" pitchFamily="34" charset="-120"/>
-              </a:rPr>
-              <a:t>得勝者</a:t>
-            </a:r>
-            <a:endParaRPr lang="en-US" altLang="zh-CN" sz="5400" b="1" cap="all" dirty="0" smtClean="0">
+              <a:rPr lang="zh-TW" altLang="en-US" sz="5400" b="1" dirty="0" smtClean="0">
+                <a:latin typeface="微軟正黑體" pitchFamily="34" charset="-120"/>
+                <a:ea typeface="微軟正黑體" pitchFamily="34" charset="-120"/>
+              </a:rPr>
+              <a:t>願</a:t>
+            </a:r>
+            <a:r>
+              <a:rPr lang="zh-TW" altLang="en-US" sz="5400" b="1" dirty="0">
+                <a:latin typeface="微軟正黑體" pitchFamily="34" charset="-120"/>
+                <a:ea typeface="微軟正黑體" pitchFamily="34" charset="-120"/>
+              </a:rPr>
+              <a:t>榮耀歸</a:t>
+            </a:r>
+            <a:r>
+              <a:rPr lang="zh-TW" altLang="en-US" sz="5400" b="1" dirty="0" smtClean="0">
+                <a:latin typeface="微軟正黑體" pitchFamily="34" charset="-120"/>
+                <a:ea typeface="微軟正黑體" pitchFamily="34" charset="-120"/>
+              </a:rPr>
+              <a:t>主  高唱</a:t>
+            </a:r>
+            <a:r>
+              <a:rPr lang="zh-TW" altLang="en-US" sz="5400" b="1" dirty="0">
+                <a:latin typeface="微軟正黑體" pitchFamily="34" charset="-120"/>
+                <a:ea typeface="微軟正黑體" pitchFamily="34" charset="-120"/>
+              </a:rPr>
+              <a:t>頌讚新</a:t>
+            </a:r>
+            <a:r>
+              <a:rPr lang="zh-TW" altLang="en-US" sz="5400" b="1" dirty="0" smtClean="0">
+                <a:latin typeface="微軟正黑體" pitchFamily="34" charset="-120"/>
+                <a:ea typeface="微軟正黑體" pitchFamily="34" charset="-120"/>
+              </a:rPr>
+              <a:t>歌</a:t>
+            </a:r>
+            <a:endParaRPr lang="en-US" altLang="zh-TW" sz="5400" b="1" dirty="0">
               <a:latin typeface="微軟正黑體" pitchFamily="34" charset="-120"/>
               <a:ea typeface="微軟正黑體" pitchFamily="34" charset="-120"/>
             </a:endParaRPr>
@@ -3185,60 +3251,33 @@
               <a:buNone/>
             </a:pPr>
             <a:r>
-              <a:rPr lang="zh-CN" altLang="en-US" sz="5400" b="1" cap="all" dirty="0" smtClean="0">
-                <a:latin typeface="微軟正黑體" pitchFamily="34" charset="-120"/>
-                <a:ea typeface="微軟正黑體" pitchFamily="34" charset="-120"/>
-              </a:rPr>
-              <a:t>地上</a:t>
-            </a:r>
-            <a:r>
-              <a:rPr lang="zh-CN" altLang="en-US" sz="5400" b="1" cap="all" dirty="0">
-                <a:latin typeface="微軟正黑體" pitchFamily="34" charset="-120"/>
-                <a:ea typeface="微軟正黑體" pitchFamily="34" charset="-120"/>
-              </a:rPr>
-              <a:t>古今的</a:t>
-            </a:r>
-            <a:r>
-              <a:rPr lang="zh-CN" altLang="en-US" sz="5400" b="1" cap="all" dirty="0" smtClean="0">
-                <a:latin typeface="微軟正黑體" pitchFamily="34" charset="-120"/>
-                <a:ea typeface="微軟正黑體" pitchFamily="34" charset="-120"/>
-              </a:rPr>
-              <a:t>君王</a:t>
-            </a:r>
-            <a:endParaRPr lang="en-US" altLang="zh-CN" sz="5400" b="1" cap="all" dirty="0" smtClean="0">
-              <a:latin typeface="微軟正黑體" pitchFamily="34" charset="-120"/>
-              <a:ea typeface="微軟正黑體" pitchFamily="34" charset="-120"/>
-            </a:endParaRPr>
-          </a:p>
-          <a:p>
-            <a:pPr algn="ctr">
-              <a:buNone/>
-            </a:pPr>
-            <a:r>
-              <a:rPr lang="zh-CN" altLang="en-US" sz="5400" b="1" cap="all" dirty="0" smtClean="0">
-                <a:latin typeface="微軟正黑體" pitchFamily="34" charset="-120"/>
-                <a:ea typeface="微軟正黑體" pitchFamily="34" charset="-120"/>
-              </a:rPr>
-              <a:t>也</a:t>
-            </a:r>
-            <a:r>
-              <a:rPr lang="zh-CN" altLang="en-US" sz="5400" b="1" cap="all" dirty="0">
-                <a:latin typeface="微軟正黑體" pitchFamily="34" charset="-120"/>
-                <a:ea typeface="微軟正黑體" pitchFamily="34" charset="-120"/>
-              </a:rPr>
-              <a:t>折服於祢</a:t>
-            </a:r>
-            <a:r>
-              <a:rPr lang="zh-CN" altLang="en-US" sz="5400" b="1" cap="all" dirty="0" smtClean="0">
-                <a:latin typeface="微軟正黑體" pitchFamily="34" charset="-120"/>
-                <a:ea typeface="微軟正黑體" pitchFamily="34" charset="-120"/>
-              </a:rPr>
-              <a:t>面前</a:t>
-            </a:r>
-            <a:endParaRPr lang="zh-TW" altLang="en-US" sz="5400" b="1" cap="all" dirty="0">
-              <a:latin typeface="微軟正黑體" pitchFamily="34" charset="-120"/>
-              <a:ea typeface="微軟正黑體" pitchFamily="34" charset="-120"/>
-            </a:endParaRPr>
+              <a:rPr lang="zh-TW" altLang="en-US" sz="5400" b="1" dirty="0" smtClean="0">
+                <a:latin typeface="微軟正黑體" pitchFamily="34" charset="-120"/>
+                <a:ea typeface="微軟正黑體" pitchFamily="34" charset="-120"/>
+              </a:rPr>
+              <a:t>琴</a:t>
+            </a:r>
+            <a:r>
+              <a:rPr lang="zh-TW" altLang="en-US" sz="5400" b="1" dirty="0">
+                <a:latin typeface="微軟正黑體" pitchFamily="34" charset="-120"/>
+                <a:ea typeface="微軟正黑體" pitchFamily="34" charset="-120"/>
+              </a:rPr>
+              <a:t>和應瑟奏</a:t>
+            </a:r>
+            <a:r>
+              <a:rPr lang="zh-TW" altLang="en-US" sz="5400" b="1" dirty="0" smtClean="0">
+                <a:latin typeface="微軟正黑體" pitchFamily="34" charset="-120"/>
+                <a:ea typeface="微軟正黑體" pitchFamily="34" charset="-120"/>
+              </a:rPr>
+              <a:t>鳴  樂</a:t>
+            </a:r>
+            <a:r>
+              <a:rPr lang="zh-TW" altLang="en-US" sz="5400" b="1" dirty="0">
+                <a:latin typeface="微軟正黑體" pitchFamily="34" charset="-120"/>
+                <a:ea typeface="微軟正黑體" pitchFamily="34" charset="-120"/>
+              </a:rPr>
+              <a:t>韻歌聲齊賀</a:t>
+            </a:r>
           </a:p>
         </p:txBody>
       </p:sp>
@@ -3276,7 +3315,7 @@
       </p:grpSpPr>
       <p:sp>
         <p:nvSpPr>
-          <p:cNvPr id="2" name="標題 1"/>
+          <p:cNvPr id="4" name="標題 3"/>
           <p:cNvSpPr>
             <a:spLocks noGrp="1"/>
           </p:cNvSpPr>
@@ -3292,68 +3331,85 @@
           <a:lstStyle/>
           <a:p>
             <a:r>
-              <a:rPr lang="zh-CN" altLang="en-US" sz="6000" b="1" cap="all" dirty="0">
-                <a:latin typeface="微軟正黑體" pitchFamily="34" charset="-120"/>
-                <a:ea typeface="微軟正黑體" pitchFamily="34" charset="-120"/>
-              </a:rPr>
-              <a:t>因主的</a:t>
-            </a:r>
-            <a:r>
-              <a:rPr lang="zh-CN" altLang="en-US" sz="6000" b="1" cap="all" dirty="0" smtClean="0">
-                <a:latin typeface="微軟正黑體" pitchFamily="34" charset="-120"/>
-                <a:ea typeface="微軟正黑體" pitchFamily="34" charset="-120"/>
-              </a:rPr>
-              <a:t>名</a:t>
-            </a:r>
-            <a:endParaRPr lang="zh-TW" altLang="en-US" sz="6000" dirty="0">
+              <a:rPr lang="zh-TW" altLang="en-US" sz="5400" b="1" dirty="0">
+                <a:latin typeface="微軟正黑體" pitchFamily="34" charset="-120"/>
+                <a:ea typeface="微軟正黑體" pitchFamily="34" charset="-120"/>
+              </a:rPr>
+              <a:t>全地至高是我主</a:t>
+            </a:r>
+          </a:p>
+        </p:txBody>
+      </p:sp>
+      <p:sp>
+        <p:nvSpPr>
+          <p:cNvPr id="5" name="內容版面配置區 4"/>
+          <p:cNvSpPr>
+            <a:spLocks noGrp="1"/>
+          </p:cNvSpPr>
+          <p:nvPr>
+            <p:ph idx="1"/>
+          </p:nvPr>
+        </p:nvSpPr>
+        <p:spPr>
+          <a:xfrm>
+            <a:off x="0" y="1600200"/>
+            <a:ext cx="9144000" cy="4525963"/>
+          </a:xfrm>
+        </p:spPr>
+        <p:txBody>
+          <a:bodyPr>
+            <a:noAutofit/>
+          </a:bodyPr>
+          <a:lstStyle/>
+          <a:p>
+            <a:pPr algn="ctr">
+              <a:buNone/>
+            </a:pPr>
+            <a:r>
+              <a:rPr lang="zh-TW" altLang="en-US" sz="5400" b="1" dirty="0">
+                <a:latin typeface="微軟正黑體" pitchFamily="34" charset="-120"/>
+                <a:ea typeface="微軟正黑體" pitchFamily="34" charset="-120"/>
+              </a:rPr>
+              <a:t>全地至高是</a:t>
+            </a:r>
+            <a:r>
+              <a:rPr lang="zh-TW" altLang="en-US" sz="5400" b="1" dirty="0" smtClean="0">
+                <a:latin typeface="微軟正黑體" pitchFamily="34" charset="-120"/>
+                <a:ea typeface="微軟正黑體" pitchFamily="34" charset="-120"/>
+              </a:rPr>
+              <a:t>我主</a:t>
+            </a:r>
+            <a:endParaRPr lang="en-US" altLang="zh-TW" sz="5400" b="1" dirty="0" smtClean="0">
               <a:latin typeface="微軟正黑體" pitchFamily="34" charset="-120"/>
               <a:ea typeface="微軟正黑體" pitchFamily="34" charset="-120"/>
             </a:endParaRPr>
           </a:p>
-        </p:txBody>
-      </p:sp>
-      <p:sp>
-        <p:nvSpPr>
-          <p:cNvPr id="3" name="內容版面配置區 2"/>
-          <p:cNvSpPr>
-            <a:spLocks noGrp="1"/>
-          </p:cNvSpPr>
-          <p:nvPr>
-            <p:ph idx="1"/>
-          </p:nvPr>
-        </p:nvSpPr>
-        <p:spPr/>
-        <p:txBody>
-          <a:bodyPr anchor="ctr">
-            <a:normAutofit/>
-          </a:bodyPr>
-          <a:lstStyle/>
           <a:p>
             <a:pPr algn="ctr">
               <a:buNone/>
             </a:pPr>
             <a:r>
-              <a:rPr lang="zh-TW" altLang="en-US" sz="5000" b="1" cap="all" dirty="0" smtClean="0">
-                <a:latin typeface="微軟正黑體" pitchFamily="34" charset="-120"/>
-                <a:ea typeface="微軟正黑體" pitchFamily="34" charset="-120"/>
-              </a:rPr>
-              <a:t>造物主今</a:t>
-            </a:r>
-            <a:r>
-              <a:rPr lang="zh-TW" altLang="en-US" sz="5000" b="1" cap="all" dirty="0">
-                <a:latin typeface="微軟正黑體" pitchFamily="34" charset="-120"/>
-                <a:ea typeface="微軟正黑體" pitchFamily="34" charset="-120"/>
-              </a:rPr>
-              <a:t>高唱祢</a:t>
-            </a:r>
-            <a:r>
-              <a:rPr lang="zh-TW" altLang="en-US" sz="5000" b="1" cap="all" dirty="0" smtClean="0">
-                <a:latin typeface="微軟正黑體" pitchFamily="34" charset="-120"/>
-                <a:ea typeface="微軟正黑體" pitchFamily="34" charset="-120"/>
-              </a:rPr>
-              <a:t>名字</a:t>
-            </a:r>
-            <a:endParaRPr lang="en-US" altLang="zh-TW" sz="5000" b="1" cap="all" dirty="0" smtClean="0">
+              <a:rPr lang="zh-TW" altLang="en-US" sz="5400" b="1" dirty="0" smtClean="0">
+                <a:latin typeface="微軟正黑體" pitchFamily="34" charset="-120"/>
+                <a:ea typeface="微軟正黑體" pitchFamily="34" charset="-120"/>
+              </a:rPr>
+              <a:t>各</a:t>
+            </a:r>
+            <a:r>
+              <a:rPr lang="zh-TW" altLang="en-US" sz="5400" b="1" dirty="0">
+                <a:latin typeface="微軟正黑體" pitchFamily="34" charset="-120"/>
+                <a:ea typeface="微軟正黑體" pitchFamily="34" charset="-120"/>
+              </a:rPr>
+              <a:t>邦一致</a:t>
+            </a:r>
+            <a:r>
+              <a:rPr lang="zh-TW" altLang="en-US" sz="5400" b="1" dirty="0" smtClean="0">
+                <a:latin typeface="微軟正黑體" pitchFamily="34" charset="-120"/>
+                <a:ea typeface="微軟正黑體" pitchFamily="34" charset="-120"/>
+              </a:rPr>
+              <a:t>頌揚</a:t>
+            </a:r>
+            <a:endParaRPr lang="en-US" altLang="zh-TW" sz="5400" b="1" dirty="0">
               <a:latin typeface="微軟正黑體" pitchFamily="34" charset="-120"/>
               <a:ea typeface="微軟正黑體" pitchFamily="34" charset="-120"/>
             </a:endParaRPr>
@@ -3363,34 +3419,41 @@
               <a:buNone/>
             </a:pPr>
             <a:r>
-              <a:rPr lang="zh-CN" altLang="en-US" sz="5000" b="1" cap="all" dirty="0" smtClean="0">
-                <a:latin typeface="微軟正黑體" pitchFamily="34" charset="-120"/>
-                <a:ea typeface="微軟正黑體" pitchFamily="34" charset="-120"/>
-              </a:rPr>
-              <a:t>全能</a:t>
-            </a:r>
-            <a:r>
-              <a:rPr lang="zh-TW" altLang="en-US" sz="5000" b="1" cap="all" dirty="0" smtClean="0">
-                <a:latin typeface="微軟正黑體" pitchFamily="34" charset="-120"/>
-                <a:ea typeface="微軟正黑體" pitchFamily="34" charset="-120"/>
-              </a:rPr>
-              <a:t>之</a:t>
-            </a:r>
-            <a:r>
-              <a:rPr lang="zh-CN" altLang="en-US" sz="5000" b="1" cap="all" dirty="0" smtClean="0">
-                <a:latin typeface="微軟正黑體" pitchFamily="34" charset="-120"/>
-                <a:ea typeface="微軟正黑體" pitchFamily="34" charset="-120"/>
-              </a:rPr>
-              <a:t>主</a:t>
-            </a:r>
-            <a:r>
-              <a:rPr lang="zh-TW" altLang="en-US" sz="5000" b="1" cap="all" dirty="0" smtClean="0">
-                <a:latin typeface="微軟正黑體" pitchFamily="34" charset="-120"/>
-                <a:ea typeface="微軟正黑體" pitchFamily="34" charset="-120"/>
-              </a:rPr>
-              <a:t>安慰者</a:t>
-            </a:r>
-            <a:endParaRPr lang="en-US" altLang="zh-TW" sz="5000" b="1" cap="all" dirty="0" smtClean="0">
+              <a:rPr lang="zh-TW" altLang="en-US" sz="5400" b="1" dirty="0" smtClean="0">
+                <a:latin typeface="微軟正黑體" pitchFamily="34" charset="-120"/>
+                <a:ea typeface="微軟正黑體" pitchFamily="34" charset="-120"/>
+              </a:rPr>
+              <a:t>讓</a:t>
+            </a:r>
+            <a:r>
+              <a:rPr lang="zh-TW" altLang="en-US" sz="5400" b="1" dirty="0">
+                <a:latin typeface="微軟正黑體" pitchFamily="34" charset="-120"/>
+                <a:ea typeface="微軟正黑體" pitchFamily="34" charset="-120"/>
+              </a:rPr>
+              <a:t>這歌盡獻</a:t>
+            </a:r>
+            <a:r>
+              <a:rPr lang="zh-TW" altLang="en-US" sz="5400" b="1" dirty="0" smtClean="0">
+                <a:latin typeface="微軟正黑體" pitchFamily="34" charset="-120"/>
+                <a:ea typeface="微軟正黑體" pitchFamily="34" charset="-120"/>
+              </a:rPr>
+              <a:t>主  榮光</a:t>
+            </a:r>
+            <a:r>
+              <a:rPr lang="zh-TW" altLang="en-US" sz="5400" b="1" dirty="0">
+                <a:latin typeface="微軟正黑體" pitchFamily="34" charset="-120"/>
+                <a:ea typeface="微軟正黑體" pitchFamily="34" charset="-120"/>
+              </a:rPr>
+              <a:t>高照諸</a:t>
+            </a:r>
+            <a:r>
+              <a:rPr lang="zh-TW" altLang="en-US" sz="5400" b="1" dirty="0" smtClean="0">
+                <a:latin typeface="微軟正黑體" pitchFamily="34" charset="-120"/>
+                <a:ea typeface="微軟正黑體" pitchFamily="34" charset="-120"/>
+              </a:rPr>
+              <a:t>天</a:t>
+            </a:r>
+            <a:endParaRPr lang="en-US" altLang="zh-TW" sz="5400" b="1" dirty="0">
               <a:latin typeface="微軟正黑體" pitchFamily="34" charset="-120"/>
               <a:ea typeface="微軟正黑體" pitchFamily="34" charset="-120"/>
             </a:endParaRPr>
@@ -3400,27 +3463,41 @@
               <a:buNone/>
             </a:pPr>
             <a:r>
-              <a:rPr lang="zh-TW" altLang="en-US" sz="5000" b="1" cap="all" dirty="0" smtClean="0">
-                <a:latin typeface="微軟正黑體" pitchFamily="34" charset="-120"/>
-                <a:ea typeface="微軟正黑體" pitchFamily="34" charset="-120"/>
-              </a:rPr>
-              <a:t>全</a:t>
-            </a:r>
-            <a:r>
-              <a:rPr lang="zh-TW" altLang="en-US" sz="5000" b="1" cap="all" dirty="0">
-                <a:latin typeface="微軟正黑體" pitchFamily="34" charset="-120"/>
-                <a:ea typeface="微軟正黑體" pitchFamily="34" charset="-120"/>
-              </a:rPr>
-              <a:t>憑主恩典</a:t>
-            </a:r>
-            <a:r>
-              <a:rPr lang="zh-TW" altLang="en-US" sz="5000" b="1" cap="all" dirty="0" smtClean="0">
-                <a:latin typeface="微軟正黑體" pitchFamily="34" charset="-120"/>
-                <a:ea typeface="微軟正黑體" pitchFamily="34" charset="-120"/>
-              </a:rPr>
-              <a:t>憐憫</a:t>
-            </a:r>
-            <a:endParaRPr lang="en-US" altLang="zh-TW" sz="5000" b="1" cap="all" dirty="0" smtClean="0">
+              <a:rPr lang="zh-TW" altLang="en-US" sz="5400" b="1" dirty="0" smtClean="0">
+                <a:latin typeface="微軟正黑體" pitchFamily="34" charset="-120"/>
+                <a:ea typeface="微軟正黑體" pitchFamily="34" charset="-120"/>
+              </a:rPr>
+              <a:t>慈愛</a:t>
+            </a:r>
+            <a:r>
+              <a:rPr lang="zh-TW" altLang="en-US" sz="5400" b="1" dirty="0">
+                <a:latin typeface="微軟正黑體" pitchFamily="34" charset="-120"/>
+                <a:ea typeface="微軟正黑體" pitchFamily="34" charset="-120"/>
+              </a:rPr>
+              <a:t>達到穹蒼</a:t>
+            </a:r>
+            <a:r>
+              <a:rPr lang="zh-TW" altLang="en-US" sz="5400" b="1" dirty="0" smtClean="0">
+                <a:latin typeface="微軟正黑體" pitchFamily="34" charset="-120"/>
+                <a:ea typeface="微軟正黑體" pitchFamily="34" charset="-120"/>
+              </a:rPr>
+              <a:t>處  恩</a:t>
+            </a:r>
+            <a:r>
+              <a:rPr lang="zh-TW" altLang="en-US" sz="5400" b="1" dirty="0">
+                <a:latin typeface="微軟正黑體" pitchFamily="34" charset="-120"/>
+                <a:ea typeface="微軟正黑體" pitchFamily="34" charset="-120"/>
+              </a:rPr>
+              <a:t>慈</a:t>
+            </a:r>
+            <a:r>
+              <a:rPr lang="zh-TW" altLang="en-US" sz="5400" b="1" dirty="0" smtClean="0">
+                <a:latin typeface="微軟正黑體" pitchFamily="34" charset="-120"/>
+                <a:ea typeface="微軟正黑體" pitchFamily="34" charset="-120"/>
+              </a:rPr>
+              <a:t>信實</a:t>
+            </a:r>
+            <a:endParaRPr lang="en-US" altLang="zh-TW" sz="5400" b="1" dirty="0" smtClean="0">
               <a:latin typeface="微軟正黑體" pitchFamily="34" charset="-120"/>
               <a:ea typeface="微軟正黑體" pitchFamily="34" charset="-120"/>
             </a:endParaRPr>
@@ -3430,30 +3507,19 @@
               <a:buNone/>
             </a:pPr>
             <a:r>
-              <a:rPr lang="zh-TW" altLang="en-US" sz="5000" b="1" cap="all" dirty="0" smtClean="0">
-                <a:latin typeface="微軟正黑體" pitchFamily="34" charset="-120"/>
-                <a:ea typeface="微軟正黑體" pitchFamily="34" charset="-120"/>
-              </a:rPr>
-              <a:t>令</a:t>
-            </a:r>
-            <a:r>
-              <a:rPr lang="zh-TW" altLang="en-US" sz="5000" b="1" cap="all" dirty="0">
-                <a:latin typeface="微軟正黑體" pitchFamily="34" charset="-120"/>
-                <a:ea typeface="微軟正黑體" pitchFamily="34" charset="-120"/>
-              </a:rPr>
-              <a:t>我滿心</a:t>
-            </a:r>
-            <a:r>
-              <a:rPr lang="zh-TW" altLang="en-US" sz="5000" b="1" cap="all" dirty="0" smtClean="0">
-                <a:latin typeface="微軟正黑體" pitchFamily="34" charset="-120"/>
-                <a:ea typeface="微軟正黑體" pitchFamily="34" charset="-120"/>
-              </a:rPr>
-              <a:t>溫暖</a:t>
-            </a:r>
-            <a:endParaRPr lang="zh-TW" altLang="en-US" sz="5000" b="1" cap="all" dirty="0">
-              <a:latin typeface="微軟正黑體" pitchFamily="34" charset="-120"/>
-              <a:ea typeface="微軟正黑體" pitchFamily="34" charset="-120"/>
-            </a:endParaRPr>
+              <a:rPr lang="zh-TW" altLang="en-US" sz="5400" b="1" dirty="0" smtClean="0">
+                <a:latin typeface="微軟正黑體" pitchFamily="34" charset="-120"/>
+                <a:ea typeface="微軟正黑體" pitchFamily="34" charset="-120"/>
+              </a:rPr>
+              <a:t>並</a:t>
+            </a:r>
+            <a:r>
+              <a:rPr lang="zh-TW" altLang="en-US" sz="5400" b="1" dirty="0">
+                <a:latin typeface="微軟正黑體" pitchFamily="34" charset="-120"/>
+                <a:ea typeface="微軟正黑體" pitchFamily="34" charset="-120"/>
+              </a:rPr>
+              <a:t>賜下寬容饒恕</a:t>
+            </a:r>
           </a:p>
         </p:txBody>
       </p:sp>
@@ -3548,20 +3614,27 @@
               <a:buNone/>
             </a:pPr>
             <a:r>
-              <a:rPr lang="zh-TW" altLang="en-US" sz="5400" b="1" cap="all" dirty="0">
-                <a:latin typeface="微軟正黑體" pitchFamily="34" charset="-120"/>
-                <a:ea typeface="微軟正黑體" pitchFamily="34" charset="-120"/>
-              </a:rPr>
-              <a:t>全因主的聖</a:t>
-            </a:r>
-            <a:r>
-              <a:rPr lang="zh-TW" altLang="en-US" sz="5400" b="1" cap="all" dirty="0" smtClean="0">
-                <a:latin typeface="微軟正黑體" pitchFamily="34" charset="-120"/>
-                <a:ea typeface="微軟正黑體" pitchFamily="34" charset="-120"/>
-              </a:rPr>
-              <a:t>名</a:t>
-            </a:r>
-            <a:endParaRPr lang="en-US" altLang="zh-TW" sz="5400" b="1" cap="all" dirty="0" smtClean="0">
+              <a:rPr lang="zh-CN" altLang="en-US" sz="5400" b="1" cap="all" dirty="0" smtClean="0">
+                <a:latin typeface="微軟正黑體" pitchFamily="34" charset="-120"/>
+                <a:ea typeface="微軟正黑體" pitchFamily="34" charset="-120"/>
+              </a:rPr>
+              <a:t>造物主今</a:t>
+            </a:r>
+            <a:r>
+              <a:rPr lang="zh-CN" altLang="en-US" sz="5400" b="1" cap="all" dirty="0">
+                <a:latin typeface="微軟正黑體" pitchFamily="34" charset="-120"/>
+                <a:ea typeface="微軟正黑體" pitchFamily="34" charset="-120"/>
+              </a:rPr>
+              <a:t>高唱祢</a:t>
+            </a:r>
+            <a:r>
+              <a:rPr lang="zh-CN" altLang="en-US" sz="5400" b="1" cap="all" dirty="0" smtClean="0">
+                <a:latin typeface="微軟正黑體" pitchFamily="34" charset="-120"/>
+                <a:ea typeface="微軟正黑體" pitchFamily="34" charset="-120"/>
+              </a:rPr>
+              <a:t>名字</a:t>
+            </a:r>
+            <a:endParaRPr lang="en-US" altLang="zh-CN" sz="5400" b="1" cap="all" dirty="0" smtClean="0">
               <a:latin typeface="微軟正黑體" pitchFamily="34" charset="-120"/>
               <a:ea typeface="微軟正黑體" pitchFamily="34" charset="-120"/>
             </a:endParaRPr>
@@ -3575,23 +3648,16 @@
                 <a:latin typeface="微軟正黑體" pitchFamily="34" charset="-120"/>
                 <a:ea typeface="微軟正黑體" pitchFamily="34" charset="-120"/>
               </a:rPr>
-              <a:t>勞苦</a:t>
-            </a:r>
-            <a:r>
-              <a:rPr lang="zh-TW" altLang="en-US" sz="5400" b="1" cap="all" dirty="0">
-                <a:latin typeface="微軟正黑體" pitchFamily="34" charset="-120"/>
-                <a:ea typeface="微軟正黑體" pitchFamily="34" charset="-120"/>
-              </a:rPr>
-              <a:t>可得</a:t>
-            </a:r>
-            <a:r>
-              <a:rPr lang="zh-TW" altLang="en-US" sz="5400" b="1" cap="all" dirty="0" smtClean="0">
-                <a:latin typeface="微軟正黑體" pitchFamily="34" charset="-120"/>
-                <a:ea typeface="微軟正黑體" pitchFamily="34" charset="-120"/>
-              </a:rPr>
-              <a:t>安靜</a:t>
-            </a:r>
-            <a:endParaRPr lang="en-US" altLang="zh-TW" sz="5400" b="1" cap="all" dirty="0" smtClean="0">
+              <a:t>和平之君</a:t>
+            </a:r>
+            <a:r>
+              <a:rPr lang="zh-CN" altLang="en-US" sz="5400" b="1" cap="all" dirty="0" smtClean="0">
+                <a:latin typeface="微軟正黑體" pitchFamily="34" charset="-120"/>
+                <a:ea typeface="微軟正黑體" pitchFamily="34" charset="-120"/>
+              </a:rPr>
+              <a:t>得勝者</a:t>
+            </a:r>
+            <a:endParaRPr lang="en-US" altLang="zh-CN" sz="5400" b="1" cap="all" dirty="0" smtClean="0">
               <a:latin typeface="微軟正黑體" pitchFamily="34" charset="-120"/>
               <a:ea typeface="微軟正黑體" pitchFamily="34" charset="-120"/>
             </a:endParaRPr>
@@ -3601,27 +3667,27 @@
               <a:buNone/>
             </a:pPr>
             <a:r>
-              <a:rPr lang="zh-TW" altLang="en-US" sz="5400" b="1" cap="all" dirty="0" smtClean="0">
-                <a:latin typeface="微軟正黑體" pitchFamily="34" charset="-120"/>
-                <a:ea typeface="微軟正黑體" pitchFamily="34" charset="-120"/>
-              </a:rPr>
-              <a:t>行走</a:t>
-            </a:r>
-            <a:r>
-              <a:rPr lang="zh-TW" altLang="en-US" sz="5400" b="1" cap="all" dirty="0">
-                <a:latin typeface="微軟正黑體" pitchFamily="34" charset="-120"/>
-                <a:ea typeface="微軟正黑體" pitchFamily="34" charset="-120"/>
-              </a:rPr>
-              <a:t>於</a:t>
-            </a:r>
-            <a:r>
-              <a:rPr lang="zh-TW" altLang="en-US" sz="5400" b="1" cap="all" dirty="0" smtClean="0">
-                <a:latin typeface="微軟正黑體" pitchFamily="34" charset="-120"/>
-                <a:ea typeface="微軟正黑體" pitchFamily="34" charset="-120"/>
-              </a:rPr>
-              <a:t>孤單</a:t>
-            </a:r>
-            <a:endParaRPr lang="en-US" altLang="zh-TW" sz="5400" b="1" cap="all" dirty="0" smtClean="0">
+              <a:rPr lang="zh-CN" altLang="en-US" sz="5400" b="1" cap="all" dirty="0" smtClean="0">
+                <a:latin typeface="微軟正黑體" pitchFamily="34" charset="-120"/>
+                <a:ea typeface="微軟正黑體" pitchFamily="34" charset="-120"/>
+              </a:rPr>
+              <a:t>地上</a:t>
+            </a:r>
+            <a:r>
+              <a:rPr lang="zh-CN" altLang="en-US" sz="5400" b="1" cap="all" dirty="0">
+                <a:latin typeface="微軟正黑體" pitchFamily="34" charset="-120"/>
+                <a:ea typeface="微軟正黑體" pitchFamily="34" charset="-120"/>
+              </a:rPr>
+              <a:t>古今的</a:t>
+            </a:r>
+            <a:r>
+              <a:rPr lang="zh-CN" altLang="en-US" sz="5400" b="1" cap="all" dirty="0" smtClean="0">
+                <a:latin typeface="微軟正黑體" pitchFamily="34" charset="-120"/>
+                <a:ea typeface="微軟正黑體" pitchFamily="34" charset="-120"/>
+              </a:rPr>
+              <a:t>君王</a:t>
+            </a:r>
+            <a:endParaRPr lang="en-US" altLang="zh-CN" sz="5400" b="1" cap="all" dirty="0" smtClean="0">
               <a:latin typeface="微軟正黑體" pitchFamily="34" charset="-120"/>
               <a:ea typeface="微軟正黑體" pitchFamily="34" charset="-120"/>
             </a:endParaRPr>
@@ -3631,25 +3697,25 @@
               <a:buNone/>
             </a:pPr>
             <a:r>
-              <a:rPr lang="zh-TW" altLang="en-US" sz="5400" b="1" cap="all" dirty="0" smtClean="0">
-                <a:latin typeface="微軟正黑體" pitchFamily="34" charset="-120"/>
-                <a:ea typeface="微軟正黑體" pitchFamily="34" charset="-120"/>
-              </a:rPr>
-              <a:t>困惑</a:t>
-            </a:r>
-            <a:r>
-              <a:rPr lang="zh-TW" altLang="en-US" sz="5400" b="1" cap="all" dirty="0">
-                <a:latin typeface="微軟正黑體" pitchFamily="34" charset="-120"/>
-                <a:ea typeface="微軟正黑體" pitchFamily="34" charset="-120"/>
-              </a:rPr>
-              <a:t>裡面有主</a:t>
-            </a:r>
-            <a:r>
-              <a:rPr lang="zh-TW" altLang="en-US" sz="5400" b="1" cap="all" dirty="0" smtClean="0">
-                <a:latin typeface="微軟正黑體" pitchFamily="34" charset="-120"/>
-                <a:ea typeface="微軟正黑體" pitchFamily="34" charset="-120"/>
-              </a:rPr>
-              <a:t>傾聽</a:t>
+              <a:rPr lang="zh-CN" altLang="en-US" sz="5400" b="1" cap="all" dirty="0" smtClean="0">
+                <a:latin typeface="微軟正黑體" pitchFamily="34" charset="-120"/>
+                <a:ea typeface="微軟正黑體" pitchFamily="34" charset="-120"/>
+              </a:rPr>
+              <a:t>也</a:t>
+            </a:r>
+            <a:r>
+              <a:rPr lang="zh-CN" altLang="en-US" sz="5400" b="1" cap="all" dirty="0">
+                <a:latin typeface="微軟正黑體" pitchFamily="34" charset="-120"/>
+                <a:ea typeface="微軟正黑體" pitchFamily="34" charset="-120"/>
+              </a:rPr>
+              <a:t>折服於祢</a:t>
+            </a:r>
+            <a:r>
+              <a:rPr lang="zh-CN" altLang="en-US" sz="5400" b="1" cap="all" dirty="0" smtClean="0">
+                <a:latin typeface="微軟正黑體" pitchFamily="34" charset="-120"/>
+                <a:ea typeface="微軟正黑體" pitchFamily="34" charset="-120"/>
+              </a:rPr>
+              <a:t>面前</a:t>
             </a:r>
             <a:endParaRPr lang="zh-TW" altLang="en-US" sz="5400" b="1" cap="all" dirty="0">
               <a:latin typeface="微軟正黑體" pitchFamily="34" charset="-120"/>
@@ -3749,20 +3815,27 @@
               <a:buNone/>
             </a:pPr>
             <a:r>
-              <a:rPr lang="zh-TW" altLang="en-US" sz="5400" b="1" cap="all" dirty="0">
-                <a:latin typeface="微軟正黑體" pitchFamily="34" charset="-120"/>
-                <a:ea typeface="微軟正黑體" pitchFamily="34" charset="-120"/>
-              </a:rPr>
-              <a:t>全因主的聖</a:t>
-            </a:r>
-            <a:r>
-              <a:rPr lang="zh-TW" altLang="en-US" sz="5400" b="1" cap="all" dirty="0" smtClean="0">
-                <a:latin typeface="微軟正黑體" pitchFamily="34" charset="-120"/>
-                <a:ea typeface="微軟正黑體" pitchFamily="34" charset="-120"/>
-              </a:rPr>
-              <a:t>名</a:t>
-            </a:r>
-            <a:endParaRPr lang="en-US" altLang="zh-TW" sz="5400" b="1" cap="all" dirty="0" smtClean="0">
+              <a:rPr lang="zh-TW" altLang="en-US" sz="5000" b="1" cap="all" dirty="0" smtClean="0">
+                <a:latin typeface="微軟正黑體" pitchFamily="34" charset="-120"/>
+                <a:ea typeface="微軟正黑體" pitchFamily="34" charset="-120"/>
+              </a:rPr>
+              <a:t>造物主今</a:t>
+            </a:r>
+            <a:r>
+              <a:rPr lang="zh-TW" altLang="en-US" sz="5000" b="1" cap="all" dirty="0">
+                <a:latin typeface="微軟正黑體" pitchFamily="34" charset="-120"/>
+                <a:ea typeface="微軟正黑體" pitchFamily="34" charset="-120"/>
+              </a:rPr>
+              <a:t>高唱祢</a:t>
+            </a:r>
+            <a:r>
+              <a:rPr lang="zh-TW" altLang="en-US" sz="5000" b="1" cap="all" dirty="0" smtClean="0">
+                <a:latin typeface="微軟正黑體" pitchFamily="34" charset="-120"/>
+                <a:ea typeface="微軟正黑體" pitchFamily="34" charset="-120"/>
+              </a:rPr>
+              <a:t>名字</a:t>
+            </a:r>
+            <a:endParaRPr lang="en-US" altLang="zh-TW" sz="5000" b="1" cap="all" dirty="0" smtClean="0">
               <a:latin typeface="微軟正黑體" pitchFamily="34" charset="-120"/>
               <a:ea typeface="微軟正黑體" pitchFamily="34" charset="-120"/>
             </a:endParaRPr>
@@ -3772,34 +3845,34 @@
               <a:buNone/>
             </a:pPr>
             <a:r>
-              <a:rPr lang="zh-CN" altLang="en-US" sz="5400" b="1" cap="all" dirty="0" smtClean="0">
-                <a:latin typeface="微軟正黑體" pitchFamily="34" charset="-120"/>
-                <a:ea typeface="微軟正黑體" pitchFamily="34" charset="-120"/>
-              </a:rPr>
-              <a:t>愁</a:t>
-            </a:r>
-            <a:r>
-              <a:rPr lang="zh-TW" altLang="en-US" sz="5400" b="1" cap="all" dirty="0" smtClean="0">
-                <a:latin typeface="微軟正黑體" pitchFamily="34" charset="-120"/>
-                <a:ea typeface="微軟正黑體" pitchFamily="34" charset="-120"/>
-              </a:rPr>
-              <a:t>心</a:t>
-            </a:r>
-            <a:r>
-              <a:rPr lang="zh-TW" altLang="en-US" sz="5400" b="1" cap="all" dirty="0">
-                <a:latin typeface="微軟正黑體" pitchFamily="34" charset="-120"/>
-                <a:ea typeface="微軟正黑體" pitchFamily="34" charset="-120"/>
-              </a:rPr>
-              <a:t>可得</a:t>
-            </a:r>
-            <a:r>
-              <a:rPr lang="zh-TW" altLang="en-US" sz="5400" b="1" cap="all" dirty="0" smtClean="0">
-                <a:latin typeface="微軟正黑體" pitchFamily="34" charset="-120"/>
-                <a:ea typeface="微軟正黑體" pitchFamily="34" charset="-120"/>
-              </a:rPr>
-              <a:t>歡樂</a:t>
-            </a:r>
-            <a:endParaRPr lang="en-US" altLang="zh-TW" sz="5400" b="1" cap="all" dirty="0" smtClean="0">
+              <a:rPr lang="zh-CN" altLang="en-US" sz="5000" b="1" cap="all" dirty="0" smtClean="0">
+                <a:latin typeface="微軟正黑體" pitchFamily="34" charset="-120"/>
+                <a:ea typeface="微軟正黑體" pitchFamily="34" charset="-120"/>
+              </a:rPr>
+              <a:t>全能</a:t>
+            </a:r>
+            <a:r>
+              <a:rPr lang="zh-TW" altLang="en-US" sz="5000" b="1" cap="all" dirty="0" smtClean="0">
+                <a:latin typeface="微軟正黑體" pitchFamily="34" charset="-120"/>
+                <a:ea typeface="微軟正黑體" pitchFamily="34" charset="-120"/>
+              </a:rPr>
+              <a:t>之</a:t>
+            </a:r>
+            <a:r>
+              <a:rPr lang="zh-CN" altLang="en-US" sz="5000" b="1" cap="all" dirty="0" smtClean="0">
+                <a:latin typeface="微軟正黑體" pitchFamily="34" charset="-120"/>
+                <a:ea typeface="微軟正黑體" pitchFamily="34" charset="-120"/>
+              </a:rPr>
+              <a:t>主</a:t>
+            </a:r>
+            <a:r>
+              <a:rPr lang="zh-TW" altLang="en-US" sz="5000" b="1" cap="all" dirty="0" smtClean="0">
+                <a:latin typeface="微軟正黑體" pitchFamily="34" charset="-120"/>
+                <a:ea typeface="微軟正黑體" pitchFamily="34" charset="-120"/>
+              </a:rPr>
+              <a:t>安慰者</a:t>
+            </a:r>
+            <a:endParaRPr lang="en-US" altLang="zh-TW" sz="5000" b="1" cap="all" dirty="0" smtClean="0">
               <a:latin typeface="微軟正黑體" pitchFamily="34" charset="-120"/>
               <a:ea typeface="微軟正黑體" pitchFamily="34" charset="-120"/>
             </a:endParaRPr>
@@ -3809,27 +3882,27 @@
               <a:buNone/>
             </a:pPr>
             <a:r>
-              <a:rPr lang="zh-TW" altLang="en-US" sz="5400" b="1" cap="all" dirty="0" smtClean="0">
-                <a:latin typeface="微軟正黑體" pitchFamily="34" charset="-120"/>
-                <a:ea typeface="微軟正黑體" pitchFamily="34" charset="-120"/>
-              </a:rPr>
-              <a:t>祈禱</a:t>
-            </a:r>
-            <a:r>
-              <a:rPr lang="zh-TW" altLang="en-US" sz="5400" b="1" cap="all" dirty="0">
-                <a:latin typeface="微軟正黑體" pitchFamily="34" charset="-120"/>
-                <a:ea typeface="微軟正黑體" pitchFamily="34" charset="-120"/>
-              </a:rPr>
-              <a:t>的必得</a:t>
-            </a:r>
-            <a:r>
-              <a:rPr lang="zh-TW" altLang="en-US" sz="5400" b="1" cap="all" dirty="0" smtClean="0">
-                <a:latin typeface="微軟正黑體" pitchFamily="34" charset="-120"/>
-                <a:ea typeface="微軟正黑體" pitchFamily="34" charset="-120"/>
-              </a:rPr>
-              <a:t>勝</a:t>
-            </a:r>
-            <a:endParaRPr lang="en-US" altLang="zh-TW" sz="5400" b="1" cap="all" dirty="0" smtClean="0">
+              <a:rPr lang="zh-TW" altLang="en-US" sz="5000" b="1" cap="all" dirty="0" smtClean="0">
+                <a:latin typeface="微軟正黑體" pitchFamily="34" charset="-120"/>
+                <a:ea typeface="微軟正黑體" pitchFamily="34" charset="-120"/>
+              </a:rPr>
+              <a:t>全</a:t>
+            </a:r>
+            <a:r>
+              <a:rPr lang="zh-TW" altLang="en-US" sz="5000" b="1" cap="all" dirty="0">
+                <a:latin typeface="微軟正黑體" pitchFamily="34" charset="-120"/>
+                <a:ea typeface="微軟正黑體" pitchFamily="34" charset="-120"/>
+              </a:rPr>
+              <a:t>憑主恩典</a:t>
+            </a:r>
+            <a:r>
+              <a:rPr lang="zh-TW" altLang="en-US" sz="5000" b="1" cap="all" dirty="0" smtClean="0">
+                <a:latin typeface="微軟正黑體" pitchFamily="34" charset="-120"/>
+                <a:ea typeface="微軟正黑體" pitchFamily="34" charset="-120"/>
+              </a:rPr>
+              <a:t>憐憫</a:t>
+            </a:r>
+            <a:endParaRPr lang="en-US" altLang="zh-TW" sz="5000" b="1" cap="all" dirty="0" smtClean="0">
               <a:latin typeface="微軟正黑體" pitchFamily="34" charset="-120"/>
               <a:ea typeface="微軟正黑體" pitchFamily="34" charset="-120"/>
             </a:endParaRPr>
@@ -3839,34 +3912,27 @@
               <a:buNone/>
             </a:pPr>
             <a:r>
-              <a:rPr lang="zh-TW" altLang="en-US" sz="5400" b="1" cap="all" dirty="0" smtClean="0">
-                <a:latin typeface="微軟正黑體" pitchFamily="34" charset="-120"/>
-                <a:ea typeface="微軟正黑體" pitchFamily="34" charset="-120"/>
-              </a:rPr>
-              <a:t>我</a:t>
-            </a:r>
-            <a:r>
-              <a:rPr lang="zh-TW" altLang="en-US" sz="5400" b="1" cap="all" dirty="0">
-                <a:latin typeface="微軟正黑體" pitchFamily="34" charset="-120"/>
-                <a:ea typeface="微軟正黑體" pitchFamily="34" charset="-120"/>
-              </a:rPr>
-              <a:t>以性命來</a:t>
-            </a:r>
-            <a:r>
-              <a:rPr lang="zh-TW" altLang="en-US" sz="5400" b="1" cap="all" dirty="0" smtClean="0">
-                <a:latin typeface="微軟正黑體" pitchFamily="34" charset="-120"/>
-                <a:ea typeface="微軟正黑體" pitchFamily="34" charset="-120"/>
-              </a:rPr>
-              <a:t>做</a:t>
-            </a:r>
-            <a:r>
-              <a:rPr lang="zh-CN" altLang="en-US" sz="5400" b="1" cap="all" dirty="0" smtClean="0">
-                <a:latin typeface="微軟正黑體" pitchFamily="34" charset="-120"/>
-                <a:ea typeface="微軟正黑體" pitchFamily="34" charset="-120"/>
-              </a:rPr>
-              <a:t>証</a:t>
-            </a:r>
-            <a:endParaRPr lang="zh-TW" altLang="en-US" sz="5400" b="1" cap="all" dirty="0">
+              <a:rPr lang="zh-TW" altLang="en-US" sz="5000" b="1" cap="all" dirty="0" smtClean="0">
+                <a:latin typeface="微軟正黑體" pitchFamily="34" charset="-120"/>
+                <a:ea typeface="微軟正黑體" pitchFamily="34" charset="-120"/>
+              </a:rPr>
+              <a:t>令</a:t>
+            </a:r>
+            <a:r>
+              <a:rPr lang="zh-TW" altLang="en-US" sz="5000" b="1" cap="all" dirty="0">
+                <a:latin typeface="微軟正黑體" pitchFamily="34" charset="-120"/>
+                <a:ea typeface="微軟正黑體" pitchFamily="34" charset="-120"/>
+              </a:rPr>
+              <a:t>我滿心</a:t>
+            </a:r>
+            <a:r>
+              <a:rPr lang="zh-TW" altLang="en-US" sz="5000" b="1" cap="all" dirty="0" smtClean="0">
+                <a:latin typeface="微軟正黑體" pitchFamily="34" charset="-120"/>
+                <a:ea typeface="微軟正黑體" pitchFamily="34" charset="-120"/>
+              </a:rPr>
+              <a:t>溫暖</a:t>
+            </a:r>
+            <a:endParaRPr lang="zh-TW" altLang="en-US" sz="5000" b="1" cap="all" dirty="0">
               <a:latin typeface="微軟正黑體" pitchFamily="34" charset="-120"/>
               <a:ea typeface="微軟正黑體" pitchFamily="34" charset="-120"/>
             </a:endParaRPr>
@@ -3907,7 +3973,7 @@
       </p:grpSpPr>
       <p:sp>
         <p:nvSpPr>
-          <p:cNvPr id="4" name="標題 3"/>
+          <p:cNvPr id="2" name="標題 1"/>
           <p:cNvSpPr>
             <a:spLocks noGrp="1"/>
           </p:cNvSpPr>
@@ -3923,113 +3989,61 @@
           <a:lstStyle/>
           <a:p>
             <a:r>
-              <a:rPr lang="zh-TW" altLang="en-US" sz="5400" b="1" dirty="0">
-                <a:latin typeface="微軟正黑體" pitchFamily="34" charset="-120"/>
-                <a:ea typeface="微軟正黑體" pitchFamily="34" charset="-120"/>
-              </a:rPr>
-              <a:t>全地至高是我主</a:t>
-            </a:r>
-          </a:p>
-        </p:txBody>
-      </p:sp>
-      <p:sp>
-        <p:nvSpPr>
-          <p:cNvPr id="5" name="內容版面配置區 4"/>
-          <p:cNvSpPr>
-            <a:spLocks noGrp="1"/>
-          </p:cNvSpPr>
-          <p:nvPr>
-            <p:ph idx="1"/>
-          </p:nvPr>
-        </p:nvSpPr>
-        <p:spPr>
-          <a:xfrm>
-            <a:off x="0" y="1600200"/>
-            <a:ext cx="9144000" cy="4525963"/>
-          </a:xfrm>
-        </p:spPr>
-        <p:txBody>
-          <a:bodyPr>
-            <a:noAutofit/>
-          </a:bodyPr>
-          <a:lstStyle/>
-          <a:p>
-            <a:pPr algn="ctr">
-              <a:buNone/>
-            </a:pPr>
-            <a:r>
-              <a:rPr lang="zh-TW" altLang="en-US" sz="5400" b="1" dirty="0">
-                <a:latin typeface="微軟正黑體" pitchFamily="34" charset="-120"/>
-                <a:ea typeface="微軟正黑體" pitchFamily="34" charset="-120"/>
-              </a:rPr>
-              <a:t>願靈內</a:t>
-            </a:r>
-            <a:r>
-              <a:rPr lang="zh-TW" altLang="en-US" sz="5400" b="1" dirty="0" smtClean="0">
-                <a:latin typeface="微軟正黑體" pitchFamily="34" charset="-120"/>
-                <a:ea typeface="微軟正黑體" pitchFamily="34" charset="-120"/>
-              </a:rPr>
-              <a:t>甦醒  心</a:t>
-            </a:r>
-            <a:r>
-              <a:rPr lang="zh-TW" altLang="en-US" sz="5400" b="1" dirty="0">
-                <a:latin typeface="微軟正黑體" pitchFamily="34" charset="-120"/>
-                <a:ea typeface="微軟正黑體" pitchFamily="34" charset="-120"/>
-              </a:rPr>
-              <a:t>獻頌讚</a:t>
-            </a:r>
-            <a:r>
-              <a:rPr lang="zh-TW" altLang="en-US" sz="5400" b="1" dirty="0" smtClean="0">
-                <a:latin typeface="微軟正黑體" pitchFamily="34" charset="-120"/>
-                <a:ea typeface="微軟正黑體" pitchFamily="34" charset="-120"/>
-              </a:rPr>
-              <a:t>歌聲</a:t>
-            </a:r>
-            <a:endParaRPr lang="en-US" altLang="zh-TW" sz="5400" b="1" dirty="0">
+              <a:rPr lang="zh-CN" altLang="en-US" sz="6000" b="1" cap="all" dirty="0">
+                <a:latin typeface="微軟正黑體" pitchFamily="34" charset="-120"/>
+                <a:ea typeface="微軟正黑體" pitchFamily="34" charset="-120"/>
+              </a:rPr>
+              <a:t>因主的</a:t>
+            </a:r>
+            <a:r>
+              <a:rPr lang="zh-CN" altLang="en-US" sz="6000" b="1" cap="all" dirty="0" smtClean="0">
+                <a:latin typeface="微軟正黑體" pitchFamily="34" charset="-120"/>
+                <a:ea typeface="微軟正黑體" pitchFamily="34" charset="-120"/>
+              </a:rPr>
+              <a:t>名</a:t>
+            </a:r>
+            <a:endParaRPr lang="zh-TW" altLang="en-US" sz="6000" dirty="0">
               <a:latin typeface="微軟正黑體" pitchFamily="34" charset="-120"/>
               <a:ea typeface="微軟正黑體" pitchFamily="34" charset="-120"/>
             </a:endParaRPr>
           </a:p>
+        </p:txBody>
+      </p:sp>
+      <p:sp>
+        <p:nvSpPr>
+          <p:cNvPr id="3" name="內容版面配置區 2"/>
+          <p:cNvSpPr>
+            <a:spLocks noGrp="1"/>
+          </p:cNvSpPr>
+          <p:nvPr>
+            <p:ph idx="1"/>
+          </p:nvPr>
+        </p:nvSpPr>
+        <p:spPr/>
+        <p:txBody>
+          <a:bodyPr anchor="ctr">
+            <a:normAutofit/>
+          </a:bodyPr>
+          <a:lstStyle/>
           <a:p>
             <a:pPr algn="ctr">
               <a:buNone/>
             </a:pPr>
             <a:r>
-              <a:rPr lang="zh-TW" altLang="en-US" sz="5400" b="1" dirty="0" smtClean="0">
-                <a:latin typeface="微軟正黑體" pitchFamily="34" charset="-120"/>
-                <a:ea typeface="微軟正黑體" pitchFamily="34" charset="-120"/>
-              </a:rPr>
-              <a:t>投</a:t>
-            </a:r>
-            <a:r>
-              <a:rPr lang="zh-TW" altLang="en-US" sz="5400" b="1" dirty="0">
-                <a:latin typeface="微軟正黑體" pitchFamily="34" charset="-120"/>
-                <a:ea typeface="微軟正黑體" pitchFamily="34" charset="-120"/>
-              </a:rPr>
-              <a:t>在你的</a:t>
-            </a:r>
-            <a:r>
-              <a:rPr lang="zh-TW" altLang="en-US" sz="5400" b="1" dirty="0" smtClean="0">
-                <a:latin typeface="微軟正黑體" pitchFamily="34" charset="-120"/>
-                <a:ea typeface="微軟正黑體" pitchFamily="34" charset="-120"/>
-              </a:rPr>
-              <a:t>翅膀  願</a:t>
-            </a:r>
-            <a:r>
-              <a:rPr lang="zh-TW" altLang="en-US" sz="5400" b="1" dirty="0">
-                <a:latin typeface="微軟正黑體" pitchFamily="34" charset="-120"/>
-                <a:ea typeface="微軟正黑體" pitchFamily="34" charset="-120"/>
-              </a:rPr>
-              <a:t>你施恩救</a:t>
-            </a:r>
-            <a:r>
-              <a:rPr lang="zh-TW" altLang="en-US" sz="5400" b="1" dirty="0" smtClean="0">
-                <a:latin typeface="微軟正黑體" pitchFamily="34" charset="-120"/>
-                <a:ea typeface="微軟正黑體" pitchFamily="34" charset="-120"/>
-              </a:rPr>
-              <a:t>拯</a:t>
-            </a:r>
-            <a:endParaRPr lang="en-US" altLang="zh-TW" sz="5400" b="1" dirty="0">
+              <a:rPr lang="zh-TW" altLang="en-US" sz="5400" b="1" cap="all" dirty="0">
+                <a:latin typeface="微軟正黑體" pitchFamily="34" charset="-120"/>
+                <a:ea typeface="微軟正黑體" pitchFamily="34" charset="-120"/>
+              </a:rPr>
+              <a:t>全因主的聖</a:t>
+            </a:r>
+            <a:r>
+              <a:rPr lang="zh-TW" altLang="en-US" sz="5400" b="1" cap="all" dirty="0" smtClean="0">
+                <a:latin typeface="微軟正黑體" pitchFamily="34" charset="-120"/>
+                <a:ea typeface="微軟正黑體" pitchFamily="34" charset="-120"/>
+              </a:rPr>
+              <a:t>名</a:t>
+            </a:r>
+            <a:endParaRPr lang="en-US" altLang="zh-TW" sz="5400" b="1" cap="all" dirty="0" smtClean="0">
               <a:latin typeface="微軟正黑體" pitchFamily="34" charset="-120"/>
               <a:ea typeface="微軟正黑體" pitchFamily="34" charset="-120"/>
             </a:endParaRPr>
@@ -4039,41 +4053,27 @@
               <a:buNone/>
             </a:pPr>
             <a:r>
-              <a:rPr lang="zh-TW" altLang="en-US" sz="5400" b="1" dirty="0" smtClean="0">
-                <a:latin typeface="微軟正黑體" pitchFamily="34" charset="-120"/>
-                <a:ea typeface="微軟正黑體" pitchFamily="34" charset="-120"/>
-              </a:rPr>
-              <a:t>願</a:t>
-            </a:r>
-            <a:r>
-              <a:rPr lang="zh-TW" altLang="en-US" sz="5400" b="1" dirty="0">
-                <a:latin typeface="微軟正黑體" pitchFamily="34" charset="-120"/>
-                <a:ea typeface="微軟正黑體" pitchFamily="34" charset="-120"/>
-              </a:rPr>
-              <a:t>榮耀歸</a:t>
-            </a:r>
-            <a:r>
-              <a:rPr lang="zh-TW" altLang="en-US" sz="5400" b="1" dirty="0" smtClean="0">
-                <a:latin typeface="微軟正黑體" pitchFamily="34" charset="-120"/>
-                <a:ea typeface="微軟正黑體" pitchFamily="34" charset="-120"/>
-              </a:rPr>
-              <a:t>主  高唱</a:t>
-            </a:r>
-            <a:r>
-              <a:rPr lang="zh-TW" altLang="en-US" sz="5400" b="1" dirty="0">
-                <a:latin typeface="微軟正黑體" pitchFamily="34" charset="-120"/>
-                <a:ea typeface="微軟正黑體" pitchFamily="34" charset="-120"/>
-              </a:rPr>
-              <a:t>頌讚新</a:t>
-            </a:r>
-            <a:r>
-              <a:rPr lang="zh-TW" altLang="en-US" sz="5400" b="1" dirty="0" smtClean="0">
-                <a:latin typeface="微軟正黑體" pitchFamily="34" charset="-120"/>
-                <a:ea typeface="微軟正黑體" pitchFamily="34" charset="-120"/>
-              </a:rPr>
-              <a:t>歌</a:t>
-            </a:r>
-            <a:endParaRPr lang="en-US" altLang="zh-TW" sz="5400" b="1" dirty="0">
+              <a:rPr lang="zh-TW" altLang="en-US" sz="5400" b="1" cap="all" dirty="0" smtClean="0">
+                <a:latin typeface="微軟正黑體" pitchFamily="34" charset="-120"/>
+                <a:ea typeface="微軟正黑體" pitchFamily="34" charset="-120"/>
+              </a:rPr>
+              <a:t>勞苦</a:t>
+            </a:r>
+            <a:r>
+              <a:rPr lang="zh-TW" altLang="en-US" sz="5400" b="1" cap="all" dirty="0">
+                <a:latin typeface="微軟正黑體" pitchFamily="34" charset="-120"/>
+                <a:ea typeface="微軟正黑體" pitchFamily="34" charset="-120"/>
+              </a:rPr>
+              <a:t>可得</a:t>
+            </a:r>
+            <a:r>
+              <a:rPr lang="zh-TW" altLang="en-US" sz="5400" b="1" cap="all" dirty="0" smtClean="0">
+                <a:latin typeface="微軟正黑體" pitchFamily="34" charset="-120"/>
+                <a:ea typeface="微軟正黑體" pitchFamily="34" charset="-120"/>
+              </a:rPr>
+              <a:t>安靜</a:t>
+            </a:r>
+            <a:endParaRPr lang="en-US" altLang="zh-TW" sz="5400" b="1" cap="all" dirty="0" smtClean="0">
               <a:latin typeface="微軟正黑體" pitchFamily="34" charset="-120"/>
               <a:ea typeface="微軟正黑體" pitchFamily="34" charset="-120"/>
             </a:endParaRPr>
@@ -4083,33 +4083,60 @@
               <a:buNone/>
             </a:pPr>
             <a:r>
-              <a:rPr lang="zh-TW" altLang="en-US" sz="5400" b="1" dirty="0" smtClean="0">
-                <a:latin typeface="微軟正黑體" pitchFamily="34" charset="-120"/>
-                <a:ea typeface="微軟正黑體" pitchFamily="34" charset="-120"/>
-              </a:rPr>
-              <a:t>琴</a:t>
-            </a:r>
-            <a:r>
-              <a:rPr lang="zh-TW" altLang="en-US" sz="5400" b="1" dirty="0">
-                <a:latin typeface="微軟正黑體" pitchFamily="34" charset="-120"/>
-                <a:ea typeface="微軟正黑體" pitchFamily="34" charset="-120"/>
-              </a:rPr>
-              <a:t>和應瑟奏</a:t>
-            </a:r>
-            <a:r>
-              <a:rPr lang="zh-TW" altLang="en-US" sz="5400" b="1" dirty="0" smtClean="0">
-                <a:latin typeface="微軟正黑體" pitchFamily="34" charset="-120"/>
-                <a:ea typeface="微軟正黑體" pitchFamily="34" charset="-120"/>
-              </a:rPr>
-              <a:t>鳴  樂</a:t>
-            </a:r>
-            <a:r>
-              <a:rPr lang="zh-TW" altLang="en-US" sz="5400" b="1" dirty="0">
-                <a:latin typeface="微軟正黑體" pitchFamily="34" charset="-120"/>
-                <a:ea typeface="微軟正黑體" pitchFamily="34" charset="-120"/>
-              </a:rPr>
-              <a:t>韻歌聲齊賀</a:t>
-            </a:r>
+              <a:rPr lang="zh-TW" altLang="en-US" sz="5400" b="1" cap="all" dirty="0" smtClean="0">
+                <a:latin typeface="微軟正黑體" pitchFamily="34" charset="-120"/>
+                <a:ea typeface="微軟正黑體" pitchFamily="34" charset="-120"/>
+              </a:rPr>
+              <a:t>行走</a:t>
+            </a:r>
+            <a:r>
+              <a:rPr lang="zh-TW" altLang="en-US" sz="5400" b="1" cap="all" dirty="0">
+                <a:latin typeface="微軟正黑體" pitchFamily="34" charset="-120"/>
+                <a:ea typeface="微軟正黑體" pitchFamily="34" charset="-120"/>
+              </a:rPr>
+              <a:t>於</a:t>
+            </a:r>
+            <a:r>
+              <a:rPr lang="zh-TW" altLang="en-US" sz="5400" b="1" cap="all" dirty="0" smtClean="0">
+                <a:latin typeface="微軟正黑體" pitchFamily="34" charset="-120"/>
+                <a:ea typeface="微軟正黑體" pitchFamily="34" charset="-120"/>
+              </a:rPr>
+              <a:t>孤單</a:t>
+            </a:r>
+            <a:endParaRPr lang="en-US" altLang="zh-TW" sz="5400" b="1" cap="all" dirty="0" smtClean="0">
+              <a:latin typeface="微軟正黑體" pitchFamily="34" charset="-120"/>
+              <a:ea typeface="微軟正黑體" pitchFamily="34" charset="-120"/>
+            </a:endParaRPr>
+          </a:p>
+          <a:p>
+            <a:pPr algn="ctr">
+              <a:buNone/>
+            </a:pPr>
+            <a:r>
+              <a:rPr lang="zh-TW" altLang="en-US" sz="5400" b="1" cap="all" dirty="0" smtClean="0">
+                <a:latin typeface="微軟正黑體" pitchFamily="34" charset="-120"/>
+                <a:ea typeface="微軟正黑體" pitchFamily="34" charset="-120"/>
+              </a:rPr>
+              <a:t>困惑</a:t>
+            </a:r>
+            <a:r>
+              <a:rPr lang="zh-TW" altLang="en-US" sz="5400" b="1" cap="all" dirty="0">
+                <a:latin typeface="微軟正黑體" pitchFamily="34" charset="-120"/>
+                <a:ea typeface="微軟正黑體" pitchFamily="34" charset="-120"/>
+              </a:rPr>
+              <a:t>裡面有主</a:t>
+            </a:r>
+            <a:r>
+              <a:rPr lang="zh-TW" altLang="en-US" sz="5400" b="1" cap="all" dirty="0" smtClean="0">
+                <a:latin typeface="微軟正黑體" pitchFamily="34" charset="-120"/>
+                <a:ea typeface="微軟正黑體" pitchFamily="34" charset="-120"/>
+              </a:rPr>
+              <a:t>傾聽</a:t>
+            </a:r>
+            <a:endParaRPr lang="zh-TW" altLang="en-US" sz="5400" b="1" cap="all" dirty="0">
+              <a:latin typeface="微軟正黑體" pitchFamily="34" charset="-120"/>
+              <a:ea typeface="微軟正黑體" pitchFamily="34" charset="-120"/>
+            </a:endParaRPr>
           </a:p>
         </p:txBody>
       </p:sp>
@@ -4147,7 +4174,7 @@
       </p:grpSpPr>
       <p:sp>
         <p:nvSpPr>
-          <p:cNvPr id="4" name="標題 3"/>
+          <p:cNvPr id="2" name="標題 1"/>
           <p:cNvSpPr>
             <a:spLocks noGrp="1"/>
           </p:cNvSpPr>
@@ -4163,85 +4190,61 @@
           <a:lstStyle/>
           <a:p>
             <a:r>
-              <a:rPr lang="zh-TW" altLang="en-US" sz="5400" b="1" dirty="0">
-                <a:latin typeface="微軟正黑體" pitchFamily="34" charset="-120"/>
-                <a:ea typeface="微軟正黑體" pitchFamily="34" charset="-120"/>
-              </a:rPr>
-              <a:t>全地至高是我主</a:t>
-            </a:r>
-          </a:p>
-        </p:txBody>
-      </p:sp>
-      <p:sp>
-        <p:nvSpPr>
-          <p:cNvPr id="5" name="內容版面配置區 4"/>
-          <p:cNvSpPr>
-            <a:spLocks noGrp="1"/>
-          </p:cNvSpPr>
-          <p:nvPr>
-            <p:ph idx="1"/>
-          </p:nvPr>
-        </p:nvSpPr>
-        <p:spPr>
-          <a:xfrm>
-            <a:off x="0" y="1600200"/>
-            <a:ext cx="9144000" cy="4525963"/>
-          </a:xfrm>
-        </p:spPr>
-        <p:txBody>
-          <a:bodyPr>
-            <a:noAutofit/>
-          </a:bodyPr>
-          <a:lstStyle/>
-          <a:p>
-            <a:pPr algn="ctr">
-              <a:buNone/>
-            </a:pPr>
-            <a:r>
-              <a:rPr lang="zh-TW" altLang="en-US" sz="5400" b="1" dirty="0">
-                <a:latin typeface="微軟正黑體" pitchFamily="34" charset="-120"/>
-                <a:ea typeface="微軟正黑體" pitchFamily="34" charset="-120"/>
-              </a:rPr>
-              <a:t>全地至高是</a:t>
-            </a:r>
-            <a:r>
-              <a:rPr lang="zh-TW" altLang="en-US" sz="5400" b="1" dirty="0" smtClean="0">
-                <a:latin typeface="微軟正黑體" pitchFamily="34" charset="-120"/>
-                <a:ea typeface="微軟正黑體" pitchFamily="34" charset="-120"/>
-              </a:rPr>
-              <a:t>我主</a:t>
-            </a:r>
-            <a:endParaRPr lang="en-US" altLang="zh-TW" sz="5400" b="1" dirty="0" smtClean="0">
+              <a:rPr lang="zh-CN" altLang="en-US" sz="6000" b="1" cap="all" dirty="0">
+                <a:latin typeface="微軟正黑體" pitchFamily="34" charset="-120"/>
+                <a:ea typeface="微軟正黑體" pitchFamily="34" charset="-120"/>
+              </a:rPr>
+              <a:t>因主的</a:t>
+            </a:r>
+            <a:r>
+              <a:rPr lang="zh-CN" altLang="en-US" sz="6000" b="1" cap="all" dirty="0" smtClean="0">
+                <a:latin typeface="微軟正黑體" pitchFamily="34" charset="-120"/>
+                <a:ea typeface="微軟正黑體" pitchFamily="34" charset="-120"/>
+              </a:rPr>
+              <a:t>名</a:t>
+            </a:r>
+            <a:endParaRPr lang="zh-TW" altLang="en-US" sz="6000" dirty="0">
               <a:latin typeface="微軟正黑體" pitchFamily="34" charset="-120"/>
               <a:ea typeface="微軟正黑體" pitchFamily="34" charset="-120"/>
             </a:endParaRPr>
           </a:p>
+        </p:txBody>
+      </p:sp>
+      <p:sp>
+        <p:nvSpPr>
+          <p:cNvPr id="3" name="內容版面配置區 2"/>
+          <p:cNvSpPr>
+            <a:spLocks noGrp="1"/>
+          </p:cNvSpPr>
+          <p:nvPr>
+            <p:ph idx="1"/>
+          </p:nvPr>
+        </p:nvSpPr>
+        <p:spPr/>
+        <p:txBody>
+          <a:bodyPr anchor="ctr">
+            <a:normAutofit/>
+          </a:bodyPr>
+          <a:lstStyle/>
           <a:p>
             <a:pPr algn="ctr">
               <a:buNone/>
             </a:pPr>
             <a:r>
-              <a:rPr lang="zh-TW" altLang="en-US" sz="5400" b="1" dirty="0" smtClean="0">
-                <a:latin typeface="微軟正黑體" pitchFamily="34" charset="-120"/>
-                <a:ea typeface="微軟正黑體" pitchFamily="34" charset="-120"/>
-              </a:rPr>
-              <a:t>各</a:t>
-            </a:r>
-            <a:r>
-              <a:rPr lang="zh-TW" altLang="en-US" sz="5400" b="1" dirty="0">
-                <a:latin typeface="微軟正黑體" pitchFamily="34" charset="-120"/>
-                <a:ea typeface="微軟正黑體" pitchFamily="34" charset="-120"/>
-              </a:rPr>
-              <a:t>邦一致</a:t>
-            </a:r>
-            <a:r>
-              <a:rPr lang="zh-TW" altLang="en-US" sz="5400" b="1" dirty="0" smtClean="0">
-                <a:latin typeface="微軟正黑體" pitchFamily="34" charset="-120"/>
-                <a:ea typeface="微軟正黑體" pitchFamily="34" charset="-120"/>
-              </a:rPr>
-              <a:t>頌揚</a:t>
-            </a:r>
-            <a:endParaRPr lang="en-US" altLang="zh-TW" sz="5400" b="1" dirty="0">
+              <a:rPr lang="zh-TW" altLang="en-US" sz="5400" b="1" cap="all" dirty="0">
+                <a:latin typeface="微軟正黑體" pitchFamily="34" charset="-120"/>
+                <a:ea typeface="微軟正黑體" pitchFamily="34" charset="-120"/>
+              </a:rPr>
+              <a:t>全因主的聖</a:t>
+            </a:r>
+            <a:r>
+              <a:rPr lang="zh-TW" altLang="en-US" sz="5400" b="1" cap="all" dirty="0" smtClean="0">
+                <a:latin typeface="微軟正黑體" pitchFamily="34" charset="-120"/>
+                <a:ea typeface="微軟正黑體" pitchFamily="34" charset="-120"/>
+              </a:rPr>
+              <a:t>名</a:t>
+            </a:r>
+            <a:endParaRPr lang="en-US" altLang="zh-TW" sz="5400" b="1" cap="all" dirty="0" smtClean="0">
               <a:latin typeface="微軟正黑體" pitchFamily="34" charset="-120"/>
               <a:ea typeface="微軟正黑體" pitchFamily="34" charset="-120"/>
             </a:endParaRPr>
@@ -4251,41 +4254,34 @@
               <a:buNone/>
             </a:pPr>
             <a:r>
-              <a:rPr lang="zh-TW" altLang="en-US" sz="5400" b="1" dirty="0" smtClean="0">
-                <a:latin typeface="微軟正黑體" pitchFamily="34" charset="-120"/>
-                <a:ea typeface="微軟正黑體" pitchFamily="34" charset="-120"/>
-              </a:rPr>
-              <a:t>讓</a:t>
-            </a:r>
-            <a:r>
-              <a:rPr lang="zh-TW" altLang="en-US" sz="5400" b="1" dirty="0">
-                <a:latin typeface="微軟正黑體" pitchFamily="34" charset="-120"/>
-                <a:ea typeface="微軟正黑體" pitchFamily="34" charset="-120"/>
-              </a:rPr>
-              <a:t>這歌盡獻</a:t>
-            </a:r>
-            <a:r>
-              <a:rPr lang="zh-TW" altLang="en-US" sz="5400" b="1" dirty="0" smtClean="0">
-                <a:latin typeface="微軟正黑體" pitchFamily="34" charset="-120"/>
-                <a:ea typeface="微軟正黑體" pitchFamily="34" charset="-120"/>
-              </a:rPr>
-              <a:t>主  榮光</a:t>
-            </a:r>
-            <a:r>
-              <a:rPr lang="zh-TW" altLang="en-US" sz="5400" b="1" dirty="0">
-                <a:latin typeface="微軟正黑體" pitchFamily="34" charset="-120"/>
-                <a:ea typeface="微軟正黑體" pitchFamily="34" charset="-120"/>
-              </a:rPr>
-              <a:t>高照諸</a:t>
-            </a:r>
-            <a:r>
-              <a:rPr lang="zh-TW" altLang="en-US" sz="5400" b="1" dirty="0" smtClean="0">
-                <a:latin typeface="微軟正黑體" pitchFamily="34" charset="-120"/>
-                <a:ea typeface="微軟正黑體" pitchFamily="34" charset="-120"/>
-              </a:rPr>
-              <a:t>天</a:t>
-            </a:r>
-            <a:endParaRPr lang="en-US" altLang="zh-TW" sz="5400" b="1" dirty="0">
+              <a:rPr lang="zh-CN" altLang="en-US" sz="5400" b="1" cap="all" dirty="0" smtClean="0">
+                <a:latin typeface="微軟正黑體" pitchFamily="34" charset="-120"/>
+                <a:ea typeface="微軟正黑體" pitchFamily="34" charset="-120"/>
+              </a:rPr>
+              <a:t>愁</a:t>
+            </a:r>
+            <a:r>
+              <a:rPr lang="zh-TW" altLang="en-US" sz="5400" b="1" cap="all" dirty="0" smtClean="0">
+                <a:latin typeface="微軟正黑體" pitchFamily="34" charset="-120"/>
+                <a:ea typeface="微軟正黑體" pitchFamily="34" charset="-120"/>
+              </a:rPr>
+              <a:t>心</a:t>
+            </a:r>
+            <a:r>
+              <a:rPr lang="zh-TW" altLang="en-US" sz="5400" b="1" cap="all" dirty="0">
+                <a:latin typeface="微軟正黑體" pitchFamily="34" charset="-120"/>
+                <a:ea typeface="微軟正黑體" pitchFamily="34" charset="-120"/>
+              </a:rPr>
+              <a:t>可得</a:t>
+            </a:r>
+            <a:r>
+              <a:rPr lang="zh-TW" altLang="en-US" sz="5400" b="1" cap="all" dirty="0" smtClean="0">
+                <a:latin typeface="微軟正黑體" pitchFamily="34" charset="-120"/>
+                <a:ea typeface="微軟正黑體" pitchFamily="34" charset="-120"/>
+              </a:rPr>
+              <a:t>歡樂</a:t>
+            </a:r>
+            <a:endParaRPr lang="en-US" altLang="zh-TW" sz="5400" b="1" cap="all" dirty="0" smtClean="0">
               <a:latin typeface="微軟正黑體" pitchFamily="34" charset="-120"/>
               <a:ea typeface="微軟正黑體" pitchFamily="34" charset="-120"/>
             </a:endParaRPr>
@@ -4295,41 +4291,27 @@
               <a:buNone/>
             </a:pPr>
             <a:r>
-              <a:rPr lang="zh-TW" altLang="en-US" sz="5400" b="1" dirty="0" smtClean="0">
-                <a:latin typeface="微軟正黑體" pitchFamily="34" charset="-120"/>
-                <a:ea typeface="微軟正黑體" pitchFamily="34" charset="-120"/>
-              </a:rPr>
-              <a:t>慈愛</a:t>
-            </a:r>
-            <a:r>
-              <a:rPr lang="zh-TW" altLang="en-US" sz="5400" b="1" dirty="0">
-                <a:latin typeface="微軟正黑體" pitchFamily="34" charset="-120"/>
-                <a:ea typeface="微軟正黑體" pitchFamily="34" charset="-120"/>
-              </a:rPr>
-              <a:t>達到穹蒼</a:t>
-            </a:r>
-            <a:r>
-              <a:rPr lang="zh-TW" altLang="en-US" sz="5400" b="1" dirty="0" smtClean="0">
-                <a:latin typeface="微軟正黑體" pitchFamily="34" charset="-120"/>
-                <a:ea typeface="微軟正黑體" pitchFamily="34" charset="-120"/>
-              </a:rPr>
-              <a:t>處  恩</a:t>
-            </a:r>
-            <a:r>
-              <a:rPr lang="zh-TW" altLang="en-US" sz="5400" b="1" dirty="0">
-                <a:latin typeface="微軟正黑體" pitchFamily="34" charset="-120"/>
-                <a:ea typeface="微軟正黑體" pitchFamily="34" charset="-120"/>
-              </a:rPr>
-              <a:t>慈</a:t>
-            </a:r>
-            <a:r>
-              <a:rPr lang="zh-TW" altLang="en-US" sz="5400" b="1" dirty="0" smtClean="0">
-                <a:latin typeface="微軟正黑體" pitchFamily="34" charset="-120"/>
-                <a:ea typeface="微軟正黑體" pitchFamily="34" charset="-120"/>
-              </a:rPr>
-              <a:t>信實</a:t>
-            </a:r>
-            <a:endParaRPr lang="en-US" altLang="zh-TW" sz="5400" b="1" dirty="0" smtClean="0">
+              <a:rPr lang="zh-TW" altLang="en-US" sz="5400" b="1" cap="all" dirty="0" smtClean="0">
+                <a:latin typeface="微軟正黑體" pitchFamily="34" charset="-120"/>
+                <a:ea typeface="微軟正黑體" pitchFamily="34" charset="-120"/>
+              </a:rPr>
+              <a:t>祈禱</a:t>
+            </a:r>
+            <a:r>
+              <a:rPr lang="zh-TW" altLang="en-US" sz="5400" b="1" cap="all" dirty="0">
+                <a:latin typeface="微軟正黑體" pitchFamily="34" charset="-120"/>
+                <a:ea typeface="微軟正黑體" pitchFamily="34" charset="-120"/>
+              </a:rPr>
+              <a:t>的必得</a:t>
+            </a:r>
+            <a:r>
+              <a:rPr lang="zh-TW" altLang="en-US" sz="5400" b="1" cap="all" dirty="0" smtClean="0">
+                <a:latin typeface="微軟正黑體" pitchFamily="34" charset="-120"/>
+                <a:ea typeface="微軟正黑體" pitchFamily="34" charset="-120"/>
+              </a:rPr>
+              <a:t>勝</a:t>
+            </a:r>
+            <a:endParaRPr lang="en-US" altLang="zh-TW" sz="5400" b="1" cap="all" dirty="0" smtClean="0">
               <a:latin typeface="微軟正黑體" pitchFamily="34" charset="-120"/>
               <a:ea typeface="微軟正黑體" pitchFamily="34" charset="-120"/>
             </a:endParaRPr>
@@ -4339,19 +4321,37 @@
               <a:buNone/>
             </a:pPr>
             <a:r>
-              <a:rPr lang="zh-TW" altLang="en-US" sz="5400" b="1" dirty="0" smtClean="0">
-                <a:latin typeface="微軟正黑體" pitchFamily="34" charset="-120"/>
-                <a:ea typeface="微軟正黑體" pitchFamily="34" charset="-120"/>
-              </a:rPr>
-              <a:t>並</a:t>
-            </a:r>
-            <a:r>
-              <a:rPr lang="zh-TW" altLang="en-US" sz="5400" b="1" dirty="0">
-                <a:latin typeface="微軟正黑體" pitchFamily="34" charset="-120"/>
-                <a:ea typeface="微軟正黑體" pitchFamily="34" charset="-120"/>
-              </a:rPr>
-              <a:t>賜下寬容饒恕</a:t>
-            </a:r>
+              <a:rPr lang="zh-TW" altLang="en-US" sz="5400" b="1" cap="all" dirty="0" smtClean="0">
+                <a:latin typeface="微軟正黑體" pitchFamily="34" charset="-120"/>
+                <a:ea typeface="微軟正黑體" pitchFamily="34" charset="-120"/>
+              </a:rPr>
+              <a:t>我</a:t>
+            </a:r>
+            <a:r>
+              <a:rPr lang="zh-TW" altLang="en-US" sz="5400" b="1" cap="all" dirty="0">
+                <a:latin typeface="微軟正黑體" pitchFamily="34" charset="-120"/>
+                <a:ea typeface="微軟正黑體" pitchFamily="34" charset="-120"/>
+              </a:rPr>
+              <a:t>以性命來</a:t>
+            </a:r>
+            <a:r>
+              <a:rPr lang="zh-TW" altLang="en-US" sz="5400" b="1" cap="all" dirty="0" smtClean="0">
+                <a:latin typeface="微軟正黑體" pitchFamily="34" charset="-120"/>
+                <a:ea typeface="微軟正黑體" pitchFamily="34" charset="-120"/>
+              </a:rPr>
+              <a:t>做</a:t>
+            </a:r>
+            <a:r>
+              <a:rPr lang="zh-CN" altLang="en-US" sz="5400" b="1" cap="all" dirty="0" smtClean="0">
+                <a:latin typeface="微軟正黑體" pitchFamily="34" charset="-120"/>
+                <a:ea typeface="微軟正黑體" pitchFamily="34" charset="-120"/>
+              </a:rPr>
+              <a:t>証</a:t>
+            </a:r>
+            <a:endParaRPr lang="zh-TW" altLang="en-US" sz="5400" b="1" cap="all" dirty="0">
+              <a:latin typeface="微軟正黑體" pitchFamily="34" charset="-120"/>
+              <a:ea typeface="微軟正黑體" pitchFamily="34" charset="-120"/>
+            </a:endParaRPr>
           </a:p>
         </p:txBody>
       </p:sp>

--- a/因主的名.pptx
+++ b/因主的名.pptx
@@ -5,14 +5,12 @@
     <p:sldMasterId id="2147483672" r:id="rId1"/>
   </p:sldMasterIdLst>
   <p:sldIdLst>
-    <p:sldId id="260" r:id="rId2"/>
-    <p:sldId id="261" r:id="rId3"/>
-    <p:sldId id="256" r:id="rId4"/>
-    <p:sldId id="257" r:id="rId5"/>
-    <p:sldId id="258" r:id="rId6"/>
-    <p:sldId id="259" r:id="rId7"/>
+    <p:sldId id="256" r:id="rId2"/>
+    <p:sldId id="257" r:id="rId3"/>
+    <p:sldId id="258" r:id="rId4"/>
+    <p:sldId id="259" r:id="rId5"/>
   </p:sldIdLst>
-  <p:sldSz cx="9144000" cy="6858000" type="screen4x3"/>
+  <p:sldSz cx="9144000" cy="5143500" type="screen16x9"/>
   <p:notesSz cx="6858000" cy="9144000"/>
   <p:defaultTextStyle>
     <a:defPPr>
@@ -141,8 +139,8 @@
         </p:nvSpPr>
         <p:spPr>
           <a:xfrm>
-            <a:off x="685800" y="2130425"/>
-            <a:ext cx="7772400" cy="1470025"/>
+            <a:off x="685800" y="1597819"/>
+            <a:ext cx="7772400" cy="1102519"/>
           </a:xfrm>
         </p:spPr>
         <p:txBody>
@@ -169,8 +167,8 @@
         </p:nvSpPr>
         <p:spPr>
           <a:xfrm>
-            <a:off x="1371600" y="3886200"/>
-            <a:ext cx="6400800" cy="1752600"/>
+            <a:off x="1371600" y="2914650"/>
+            <a:ext cx="6400800" cy="1314450"/>
           </a:xfrm>
         </p:spPr>
         <p:txBody>
@@ -294,7 +292,7 @@
             <a:fld id="{4FF3AE62-F810-43A7-A0C3-BE00E20AE505}" type="datetimeFigureOut">
               <a:rPr lang="zh-TW" altLang="en-US" smtClean="0"/>
               <a:pPr/>
-              <a:t>2019/6/11</a:t>
+              <a:t>2019/9/28</a:t>
             </a:fld>
             <a:endParaRPr lang="zh-TW" altLang="en-US"/>
           </a:p>
@@ -461,7 +459,7 @@
             <a:fld id="{4FF3AE62-F810-43A7-A0C3-BE00E20AE505}" type="datetimeFigureOut">
               <a:rPr lang="zh-TW" altLang="en-US" smtClean="0"/>
               <a:pPr/>
-              <a:t>2019/6/11</a:t>
+              <a:t>2019/9/28</a:t>
             </a:fld>
             <a:endParaRPr lang="zh-TW" altLang="en-US"/>
           </a:p>
@@ -547,8 +545,8 @@
         </p:nvSpPr>
         <p:spPr>
           <a:xfrm>
-            <a:off x="6629400" y="274638"/>
-            <a:ext cx="2057400" cy="5851525"/>
+            <a:off x="6629400" y="205979"/>
+            <a:ext cx="2057400" cy="4388644"/>
           </a:xfrm>
         </p:spPr>
         <p:txBody>
@@ -575,8 +573,8 @@
         </p:nvSpPr>
         <p:spPr>
           <a:xfrm>
-            <a:off x="457200" y="274638"/>
-            <a:ext cx="6019800" cy="5851525"/>
+            <a:off x="457200" y="205979"/>
+            <a:ext cx="6019800" cy="4388644"/>
           </a:xfrm>
         </p:spPr>
         <p:txBody>
@@ -638,7 +636,7 @@
             <a:fld id="{4FF3AE62-F810-43A7-A0C3-BE00E20AE505}" type="datetimeFigureOut">
               <a:rPr lang="zh-TW" altLang="en-US" smtClean="0"/>
               <a:pPr/>
-              <a:t>2019/6/11</a:t>
+              <a:t>2019/9/28</a:t>
             </a:fld>
             <a:endParaRPr lang="zh-TW" altLang="en-US"/>
           </a:p>
@@ -805,7 +803,7 @@
             <a:fld id="{4FF3AE62-F810-43A7-A0C3-BE00E20AE505}" type="datetimeFigureOut">
               <a:rPr lang="zh-TW" altLang="en-US" smtClean="0"/>
               <a:pPr/>
-              <a:t>2019/6/11</a:t>
+              <a:t>2019/9/28</a:t>
             </a:fld>
             <a:endParaRPr lang="zh-TW" altLang="en-US"/>
           </a:p>
@@ -891,8 +889,8 @@
         </p:nvSpPr>
         <p:spPr>
           <a:xfrm>
-            <a:off x="722313" y="4406900"/>
-            <a:ext cx="7772400" cy="1362075"/>
+            <a:off x="722313" y="3305176"/>
+            <a:ext cx="7772400" cy="1021556"/>
           </a:xfrm>
         </p:spPr>
         <p:txBody>
@@ -923,8 +921,8 @@
         </p:nvSpPr>
         <p:spPr>
           <a:xfrm>
-            <a:off x="722313" y="2906713"/>
-            <a:ext cx="7772400" cy="1500187"/>
+            <a:off x="722313" y="2180035"/>
+            <a:ext cx="7772400" cy="1125140"/>
           </a:xfrm>
         </p:spPr>
         <p:txBody>
@@ -1048,7 +1046,7 @@
             <a:fld id="{4FF3AE62-F810-43A7-A0C3-BE00E20AE505}" type="datetimeFigureOut">
               <a:rPr lang="zh-TW" altLang="en-US" smtClean="0"/>
               <a:pPr/>
-              <a:t>2019/6/11</a:t>
+              <a:t>2019/9/28</a:t>
             </a:fld>
             <a:endParaRPr lang="zh-TW" altLang="en-US"/>
           </a:p>
@@ -1157,8 +1155,8 @@
         </p:nvSpPr>
         <p:spPr>
           <a:xfrm>
-            <a:off x="457200" y="1600200"/>
-            <a:ext cx="4038600" cy="4525963"/>
+            <a:off x="457200" y="1200151"/>
+            <a:ext cx="4038600" cy="3394472"/>
           </a:xfrm>
         </p:spPr>
         <p:txBody>
@@ -1242,8 +1240,8 @@
         </p:nvSpPr>
         <p:spPr>
           <a:xfrm>
-            <a:off x="4648200" y="1600200"/>
-            <a:ext cx="4038600" cy="4525963"/>
+            <a:off x="4648200" y="1200151"/>
+            <a:ext cx="4038600" cy="3394472"/>
           </a:xfrm>
         </p:spPr>
         <p:txBody>
@@ -1333,7 +1331,7 @@
             <a:fld id="{4FF3AE62-F810-43A7-A0C3-BE00E20AE505}" type="datetimeFigureOut">
               <a:rPr lang="zh-TW" altLang="en-US" smtClean="0"/>
               <a:pPr/>
-              <a:t>2019/6/11</a:t>
+              <a:t>2019/9/28</a:t>
             </a:fld>
             <a:endParaRPr lang="zh-TW" altLang="en-US"/>
           </a:p>
@@ -1446,8 +1444,8 @@
         </p:nvSpPr>
         <p:spPr>
           <a:xfrm>
-            <a:off x="457200" y="1535113"/>
-            <a:ext cx="4040188" cy="639762"/>
+            <a:off x="457200" y="1151335"/>
+            <a:ext cx="4040188" cy="479822"/>
           </a:xfrm>
         </p:spPr>
         <p:txBody>
@@ -1511,8 +1509,8 @@
         </p:nvSpPr>
         <p:spPr>
           <a:xfrm>
-            <a:off x="457200" y="2174875"/>
-            <a:ext cx="4040188" cy="3951288"/>
+            <a:off x="457200" y="1631156"/>
+            <a:ext cx="4040188" cy="2963466"/>
           </a:xfrm>
         </p:spPr>
         <p:txBody>
@@ -1596,8 +1594,8 @@
         </p:nvSpPr>
         <p:spPr>
           <a:xfrm>
-            <a:off x="4645025" y="1535113"/>
-            <a:ext cx="4041775" cy="639762"/>
+            <a:off x="4645026" y="1151335"/>
+            <a:ext cx="4041775" cy="479822"/>
           </a:xfrm>
         </p:spPr>
         <p:txBody>
@@ -1661,8 +1659,8 @@
         </p:nvSpPr>
         <p:spPr>
           <a:xfrm>
-            <a:off x="4645025" y="2174875"/>
-            <a:ext cx="4041775" cy="3951288"/>
+            <a:off x="4645026" y="1631156"/>
+            <a:ext cx="4041775" cy="2963466"/>
           </a:xfrm>
         </p:spPr>
         <p:txBody>
@@ -1752,7 +1750,7 @@
             <a:fld id="{4FF3AE62-F810-43A7-A0C3-BE00E20AE505}" type="datetimeFigureOut">
               <a:rPr lang="zh-TW" altLang="en-US" smtClean="0"/>
               <a:pPr/>
-              <a:t>2019/6/11</a:t>
+              <a:t>2019/9/28</a:t>
             </a:fld>
             <a:endParaRPr lang="zh-TW" altLang="en-US"/>
           </a:p>
@@ -1867,7 +1865,7 @@
             <a:fld id="{4FF3AE62-F810-43A7-A0C3-BE00E20AE505}" type="datetimeFigureOut">
               <a:rPr lang="zh-TW" altLang="en-US" smtClean="0"/>
               <a:pPr/>
-              <a:t>2019/6/11</a:t>
+              <a:t>2019/9/28</a:t>
             </a:fld>
             <a:endParaRPr lang="zh-TW" altLang="en-US"/>
           </a:p>
@@ -1959,7 +1957,7 @@
             <a:fld id="{4FF3AE62-F810-43A7-A0C3-BE00E20AE505}" type="datetimeFigureOut">
               <a:rPr lang="zh-TW" altLang="en-US" smtClean="0"/>
               <a:pPr/>
-              <a:t>2019/6/11</a:t>
+              <a:t>2019/9/28</a:t>
             </a:fld>
             <a:endParaRPr lang="zh-TW" altLang="en-US"/>
           </a:p>
@@ -2045,8 +2043,8 @@
         </p:nvSpPr>
         <p:spPr>
           <a:xfrm>
-            <a:off x="457200" y="273050"/>
-            <a:ext cx="3008313" cy="1162050"/>
+            <a:off x="457201" y="204787"/>
+            <a:ext cx="3008313" cy="871538"/>
           </a:xfrm>
         </p:spPr>
         <p:txBody>
@@ -2077,8 +2075,8 @@
         </p:nvSpPr>
         <p:spPr>
           <a:xfrm>
-            <a:off x="3575050" y="273050"/>
-            <a:ext cx="5111750" cy="5853113"/>
+            <a:off x="3575050" y="204788"/>
+            <a:ext cx="5111750" cy="4389835"/>
           </a:xfrm>
         </p:spPr>
         <p:txBody>
@@ -2162,8 +2160,8 @@
         </p:nvSpPr>
         <p:spPr>
           <a:xfrm>
-            <a:off x="457200" y="1435100"/>
-            <a:ext cx="3008313" cy="4691063"/>
+            <a:off x="457201" y="1076326"/>
+            <a:ext cx="3008313" cy="3518297"/>
           </a:xfrm>
         </p:spPr>
         <p:txBody>
@@ -2233,7 +2231,7 @@
             <a:fld id="{4FF3AE62-F810-43A7-A0C3-BE00E20AE505}" type="datetimeFigureOut">
               <a:rPr lang="zh-TW" altLang="en-US" smtClean="0"/>
               <a:pPr/>
-              <a:t>2019/6/11</a:t>
+              <a:t>2019/9/28</a:t>
             </a:fld>
             <a:endParaRPr lang="zh-TW" altLang="en-US"/>
           </a:p>
@@ -2319,8 +2317,8 @@
         </p:nvSpPr>
         <p:spPr>
           <a:xfrm>
-            <a:off x="1792288" y="4800600"/>
-            <a:ext cx="5486400" cy="566738"/>
+            <a:off x="1792288" y="3600450"/>
+            <a:ext cx="5486400" cy="425054"/>
           </a:xfrm>
         </p:spPr>
         <p:txBody>
@@ -2351,8 +2349,8 @@
         </p:nvSpPr>
         <p:spPr>
           <a:xfrm>
-            <a:off x="1792288" y="612775"/>
-            <a:ext cx="5486400" cy="4114800"/>
+            <a:off x="1792288" y="459581"/>
+            <a:ext cx="5486400" cy="3086100"/>
           </a:xfrm>
         </p:spPr>
         <p:txBody>
@@ -2416,8 +2414,8 @@
         </p:nvSpPr>
         <p:spPr>
           <a:xfrm>
-            <a:off x="1792288" y="5367338"/>
-            <a:ext cx="5486400" cy="804862"/>
+            <a:off x="1792288" y="4025503"/>
+            <a:ext cx="5486400" cy="603647"/>
           </a:xfrm>
         </p:spPr>
         <p:txBody>
@@ -2487,7 +2485,7 @@
             <a:fld id="{4FF3AE62-F810-43A7-A0C3-BE00E20AE505}" type="datetimeFigureOut">
               <a:rPr lang="zh-TW" altLang="en-US" smtClean="0"/>
               <a:pPr/>
-              <a:t>2019/6/11</a:t>
+              <a:t>2019/9/28</a:t>
             </a:fld>
             <a:endParaRPr lang="zh-TW" altLang="en-US"/>
           </a:p>
@@ -2583,8 +2581,8 @@
         </p:nvSpPr>
         <p:spPr>
           <a:xfrm>
-            <a:off x="457200" y="274638"/>
-            <a:ext cx="8229600" cy="1143000"/>
+            <a:off x="457200" y="205979"/>
+            <a:ext cx="8229600" cy="857250"/>
           </a:xfrm>
           <a:prstGeom prst="rect">
             <a:avLst/>
@@ -2616,8 +2614,8 @@
         </p:nvSpPr>
         <p:spPr>
           <a:xfrm>
-            <a:off x="457200" y="1600200"/>
-            <a:ext cx="8229600" cy="4525963"/>
+            <a:off x="457200" y="1200151"/>
+            <a:ext cx="8229600" cy="3394472"/>
           </a:xfrm>
           <a:prstGeom prst="rect">
             <a:avLst/>
@@ -2678,8 +2676,8 @@
         </p:nvSpPr>
         <p:spPr>
           <a:xfrm>
-            <a:off x="457200" y="6356350"/>
-            <a:ext cx="2133600" cy="365125"/>
+            <a:off x="457200" y="4767263"/>
+            <a:ext cx="2133600" cy="273844"/>
           </a:xfrm>
           <a:prstGeom prst="rect">
             <a:avLst/>
@@ -2702,7 +2700,7 @@
             <a:fld id="{4FF3AE62-F810-43A7-A0C3-BE00E20AE505}" type="datetimeFigureOut">
               <a:rPr lang="zh-TW" altLang="en-US" smtClean="0"/>
               <a:pPr/>
-              <a:t>2019/6/11</a:t>
+              <a:t>2019/9/28</a:t>
             </a:fld>
             <a:endParaRPr lang="zh-TW" altLang="en-US"/>
           </a:p>
@@ -2720,8 +2718,8 @@
         </p:nvSpPr>
         <p:spPr>
           <a:xfrm>
-            <a:off x="3124200" y="6356350"/>
-            <a:ext cx="2895600" cy="365125"/>
+            <a:off x="3124200" y="4767263"/>
+            <a:ext cx="2895600" cy="273844"/>
           </a:xfrm>
           <a:prstGeom prst="rect">
             <a:avLst/>
@@ -2757,8 +2755,8 @@
         </p:nvSpPr>
         <p:spPr>
           <a:xfrm>
-            <a:off x="6553200" y="6356350"/>
-            <a:ext cx="2133600" cy="365125"/>
+            <a:off x="6553200" y="4767263"/>
+            <a:ext cx="2133600" cy="273844"/>
           </a:xfrm>
           <a:prstGeom prst="rect">
             <a:avLst/>
@@ -3075,7 +3073,7 @@
       </p:grpSpPr>
       <p:sp>
         <p:nvSpPr>
-          <p:cNvPr id="4" name="標題 3"/>
+          <p:cNvPr id="2" name="標題 1"/>
           <p:cNvSpPr>
             <a:spLocks noGrp="1"/>
           </p:cNvSpPr>
@@ -3091,113 +3089,68 @@
           <a:lstStyle/>
           <a:p>
             <a:r>
-              <a:rPr lang="zh-TW" altLang="en-US" sz="5400" b="1" dirty="0">
-                <a:latin typeface="微軟正黑體" pitchFamily="34" charset="-120"/>
-                <a:ea typeface="微軟正黑體" pitchFamily="34" charset="-120"/>
-              </a:rPr>
-              <a:t>全地至高是我主</a:t>
-            </a:r>
-          </a:p>
-        </p:txBody>
-      </p:sp>
-      <p:sp>
-        <p:nvSpPr>
-          <p:cNvPr id="5" name="內容版面配置區 4"/>
-          <p:cNvSpPr>
-            <a:spLocks noGrp="1"/>
-          </p:cNvSpPr>
-          <p:nvPr>
-            <p:ph idx="1"/>
-          </p:nvPr>
-        </p:nvSpPr>
-        <p:spPr>
-          <a:xfrm>
-            <a:off x="0" y="1600200"/>
-            <a:ext cx="9144000" cy="4525963"/>
-          </a:xfrm>
-        </p:spPr>
-        <p:txBody>
-          <a:bodyPr>
-            <a:noAutofit/>
-          </a:bodyPr>
-          <a:lstStyle/>
-          <a:p>
-            <a:pPr algn="ctr">
-              <a:buNone/>
-            </a:pPr>
-            <a:r>
-              <a:rPr lang="zh-TW" altLang="en-US" sz="5400" b="1" dirty="0">
-                <a:latin typeface="微軟正黑體" pitchFamily="34" charset="-120"/>
-                <a:ea typeface="微軟正黑體" pitchFamily="34" charset="-120"/>
-              </a:rPr>
-              <a:t>願靈內</a:t>
-            </a:r>
-            <a:r>
-              <a:rPr lang="zh-TW" altLang="en-US" sz="5400" b="1" dirty="0" smtClean="0">
-                <a:latin typeface="微軟正黑體" pitchFamily="34" charset="-120"/>
-                <a:ea typeface="微軟正黑體" pitchFamily="34" charset="-120"/>
-              </a:rPr>
-              <a:t>甦醒  心</a:t>
-            </a:r>
-            <a:r>
-              <a:rPr lang="zh-TW" altLang="en-US" sz="5400" b="1" dirty="0">
-                <a:latin typeface="微軟正黑體" pitchFamily="34" charset="-120"/>
-                <a:ea typeface="微軟正黑體" pitchFamily="34" charset="-120"/>
-              </a:rPr>
-              <a:t>獻頌讚</a:t>
-            </a:r>
-            <a:r>
-              <a:rPr lang="zh-TW" altLang="en-US" sz="5400" b="1" dirty="0" smtClean="0">
-                <a:latin typeface="微軟正黑體" pitchFamily="34" charset="-120"/>
-                <a:ea typeface="微軟正黑體" pitchFamily="34" charset="-120"/>
-              </a:rPr>
-              <a:t>歌聲</a:t>
-            </a:r>
-            <a:endParaRPr lang="en-US" altLang="zh-TW" sz="5400" b="1" dirty="0">
+              <a:rPr lang="zh-CN" altLang="en-US" sz="4000" b="1" cap="all" dirty="0">
+                <a:latin typeface="微軟正黑體" pitchFamily="34" charset="-120"/>
+                <a:ea typeface="微軟正黑體" pitchFamily="34" charset="-120"/>
+              </a:rPr>
+              <a:t>因主的</a:t>
+            </a:r>
+            <a:r>
+              <a:rPr lang="zh-CN" altLang="en-US" sz="4000" b="1" cap="all" dirty="0" smtClean="0">
+                <a:latin typeface="微軟正黑體" pitchFamily="34" charset="-120"/>
+                <a:ea typeface="微軟正黑體" pitchFamily="34" charset="-120"/>
+              </a:rPr>
+              <a:t>名</a:t>
+            </a:r>
+            <a:endParaRPr lang="zh-TW" altLang="en-US" sz="4000" dirty="0">
               <a:latin typeface="微軟正黑體" pitchFamily="34" charset="-120"/>
               <a:ea typeface="微軟正黑體" pitchFamily="34" charset="-120"/>
             </a:endParaRPr>
           </a:p>
+        </p:txBody>
+      </p:sp>
+      <p:sp>
+        <p:nvSpPr>
+          <p:cNvPr id="3" name="內容版面配置區 2"/>
+          <p:cNvSpPr>
+            <a:spLocks noGrp="1"/>
+          </p:cNvSpPr>
+          <p:nvPr>
+            <p:ph idx="1"/>
+          </p:nvPr>
+        </p:nvSpPr>
+        <p:spPr/>
+        <p:txBody>
+          <a:bodyPr anchor="ctr">
+            <a:noAutofit/>
+          </a:bodyPr>
+          <a:lstStyle/>
           <a:p>
             <a:pPr algn="ctr">
               <a:buNone/>
             </a:pPr>
             <a:r>
-              <a:rPr lang="zh-TW" altLang="en-US" sz="5400" b="1" dirty="0" smtClean="0">
-                <a:latin typeface="微軟正黑體" pitchFamily="34" charset="-120"/>
-                <a:ea typeface="微軟正黑體" pitchFamily="34" charset="-120"/>
-              </a:rPr>
-              <a:t>投</a:t>
-            </a:r>
-            <a:r>
-              <a:rPr lang="zh-TW" altLang="en-US" sz="5400" b="1" dirty="0">
-                <a:latin typeface="微軟正黑體" pitchFamily="34" charset="-120"/>
-                <a:ea typeface="微軟正黑體" pitchFamily="34" charset="-120"/>
-              </a:rPr>
-              <a:t>在你的</a:t>
-            </a:r>
-            <a:r>
-              <a:rPr lang="zh-TW" altLang="en-US" sz="5400" b="1" dirty="0" smtClean="0">
-                <a:latin typeface="微軟正黑體" pitchFamily="34" charset="-120"/>
-                <a:ea typeface="微軟正黑體" pitchFamily="34" charset="-120"/>
-              </a:rPr>
-              <a:t>翅膀  願</a:t>
-            </a:r>
-            <a:r>
-              <a:rPr lang="zh-TW" altLang="en-US" sz="5400" b="1" dirty="0">
-                <a:latin typeface="微軟正黑體" pitchFamily="34" charset="-120"/>
-                <a:ea typeface="微軟正黑體" pitchFamily="34" charset="-120"/>
-              </a:rPr>
-              <a:t>你施恩救</a:t>
-            </a:r>
-            <a:r>
-              <a:rPr lang="zh-TW" altLang="en-US" sz="5400" b="1" dirty="0" smtClean="0">
-                <a:latin typeface="微軟正黑體" pitchFamily="34" charset="-120"/>
-                <a:ea typeface="微軟正黑體" pitchFamily="34" charset="-120"/>
-              </a:rPr>
-              <a:t>拯</a:t>
-            </a:r>
-            <a:endParaRPr lang="en-US" altLang="zh-TW" sz="5400" b="1" dirty="0">
+              <a:rPr lang="zh-CN" altLang="en-US" sz="4800" b="1" cap="all" dirty="0" smtClean="0">
+                <a:latin typeface="微軟正黑體" pitchFamily="34" charset="-120"/>
+                <a:ea typeface="微軟正黑體" pitchFamily="34" charset="-120"/>
+              </a:rPr>
+              <a:t>造物主今</a:t>
+            </a:r>
+            <a:r>
+              <a:rPr lang="zh-CN" altLang="en-US" sz="4800" b="1" cap="all" dirty="0">
+                <a:latin typeface="微軟正黑體" pitchFamily="34" charset="-120"/>
+                <a:ea typeface="微軟正黑體" pitchFamily="34" charset="-120"/>
+              </a:rPr>
+              <a:t>高唱祢</a:t>
+            </a:r>
+            <a:r>
+              <a:rPr lang="zh-CN" altLang="en-US" sz="4800" b="1" cap="all" dirty="0" smtClean="0">
+                <a:latin typeface="微軟正黑體" pitchFamily="34" charset="-120"/>
+                <a:ea typeface="微軟正黑體" pitchFamily="34" charset="-120"/>
+              </a:rPr>
+              <a:t>名字</a:t>
+            </a:r>
+            <a:endParaRPr lang="en-US" altLang="zh-CN" sz="4800" b="1" cap="all" dirty="0" smtClean="0">
               <a:latin typeface="微軟正黑體" pitchFamily="34" charset="-120"/>
               <a:ea typeface="微軟正黑體" pitchFamily="34" charset="-120"/>
             </a:endParaRPr>
@@ -3207,41 +3160,20 @@
               <a:buNone/>
             </a:pPr>
             <a:r>
-              <a:rPr lang="zh-TW" altLang="en-US" sz="5400" b="1" dirty="0" smtClean="0">
-                <a:latin typeface="微軟正黑體" pitchFamily="34" charset="-120"/>
-                <a:ea typeface="微軟正黑體" pitchFamily="34" charset="-120"/>
-              </a:rPr>
-              <a:t>願</a:t>
-            </a:r>
-            <a:r>
-              <a:rPr lang="zh-TW" altLang="en-US" sz="5400" b="1" dirty="0">
-                <a:latin typeface="微軟正黑體" pitchFamily="34" charset="-120"/>
-                <a:ea typeface="微軟正黑體" pitchFamily="34" charset="-120"/>
-              </a:rPr>
-              <a:t>榮耀歸</a:t>
-            </a:r>
-            <a:r>
-              <a:rPr lang="zh-TW" altLang="en-US" sz="5400" b="1" dirty="0" smtClean="0">
-                <a:latin typeface="微軟正黑體" pitchFamily="34" charset="-120"/>
-                <a:ea typeface="微軟正黑體" pitchFamily="34" charset="-120"/>
-              </a:rPr>
-              <a:t>主  高唱</a:t>
-            </a:r>
-            <a:r>
-              <a:rPr lang="zh-TW" altLang="en-US" sz="5400" b="1" dirty="0">
-                <a:latin typeface="微軟正黑體" pitchFamily="34" charset="-120"/>
-                <a:ea typeface="微軟正黑體" pitchFamily="34" charset="-120"/>
-              </a:rPr>
-              <a:t>頌讚新</a:t>
-            </a:r>
-            <a:r>
-              <a:rPr lang="zh-TW" altLang="en-US" sz="5400" b="1" dirty="0" smtClean="0">
-                <a:latin typeface="微軟正黑體" pitchFamily="34" charset="-120"/>
-                <a:ea typeface="微軟正黑體" pitchFamily="34" charset="-120"/>
-              </a:rPr>
-              <a:t>歌</a:t>
-            </a:r>
-            <a:endParaRPr lang="en-US" altLang="zh-TW" sz="5400" b="1" dirty="0">
+              <a:rPr lang="zh-TW" altLang="en-US" sz="4800" b="1" cap="all" dirty="0" smtClean="0">
+                <a:latin typeface="微軟正黑體" pitchFamily="34" charset="-120"/>
+                <a:ea typeface="微軟正黑體" pitchFamily="34" charset="-120"/>
+              </a:rPr>
+              <a:t>和平之君</a:t>
+            </a:r>
+            <a:r>
+              <a:rPr lang="zh-CN" altLang="en-US" sz="4800" b="1" cap="all" dirty="0" smtClean="0">
+                <a:latin typeface="微軟正黑體" pitchFamily="34" charset="-120"/>
+                <a:ea typeface="微軟正黑體" pitchFamily="34" charset="-120"/>
+              </a:rPr>
+              <a:t>得勝者</a:t>
+            </a:r>
+            <a:endParaRPr lang="en-US" altLang="zh-CN" sz="4800" b="1" cap="all" dirty="0" smtClean="0">
               <a:latin typeface="微軟正黑體" pitchFamily="34" charset="-120"/>
               <a:ea typeface="微軟正黑體" pitchFamily="34" charset="-120"/>
             </a:endParaRPr>
@@ -3251,33 +3183,60 @@
               <a:buNone/>
             </a:pPr>
             <a:r>
-              <a:rPr lang="zh-TW" altLang="en-US" sz="5400" b="1" dirty="0" smtClean="0">
-                <a:latin typeface="微軟正黑體" pitchFamily="34" charset="-120"/>
-                <a:ea typeface="微軟正黑體" pitchFamily="34" charset="-120"/>
-              </a:rPr>
-              <a:t>琴</a:t>
-            </a:r>
-            <a:r>
-              <a:rPr lang="zh-TW" altLang="en-US" sz="5400" b="1" dirty="0">
-                <a:latin typeface="微軟正黑體" pitchFamily="34" charset="-120"/>
-                <a:ea typeface="微軟正黑體" pitchFamily="34" charset="-120"/>
-              </a:rPr>
-              <a:t>和應瑟奏</a:t>
-            </a:r>
-            <a:r>
-              <a:rPr lang="zh-TW" altLang="en-US" sz="5400" b="1" dirty="0" smtClean="0">
-                <a:latin typeface="微軟正黑體" pitchFamily="34" charset="-120"/>
-                <a:ea typeface="微軟正黑體" pitchFamily="34" charset="-120"/>
-              </a:rPr>
-              <a:t>鳴  樂</a:t>
-            </a:r>
-            <a:r>
-              <a:rPr lang="zh-TW" altLang="en-US" sz="5400" b="1" dirty="0">
-                <a:latin typeface="微軟正黑體" pitchFamily="34" charset="-120"/>
-                <a:ea typeface="微軟正黑體" pitchFamily="34" charset="-120"/>
-              </a:rPr>
-              <a:t>韻歌聲齊賀</a:t>
-            </a:r>
+              <a:rPr lang="zh-CN" altLang="en-US" sz="4800" b="1" cap="all" dirty="0" smtClean="0">
+                <a:latin typeface="微軟正黑體" pitchFamily="34" charset="-120"/>
+                <a:ea typeface="微軟正黑體" pitchFamily="34" charset="-120"/>
+              </a:rPr>
+              <a:t>地上</a:t>
+            </a:r>
+            <a:r>
+              <a:rPr lang="zh-CN" altLang="en-US" sz="4800" b="1" cap="all" dirty="0">
+                <a:latin typeface="微軟正黑體" pitchFamily="34" charset="-120"/>
+                <a:ea typeface="微軟正黑體" pitchFamily="34" charset="-120"/>
+              </a:rPr>
+              <a:t>古今的</a:t>
+            </a:r>
+            <a:r>
+              <a:rPr lang="zh-CN" altLang="en-US" sz="4800" b="1" cap="all" dirty="0" smtClean="0">
+                <a:latin typeface="微軟正黑體" pitchFamily="34" charset="-120"/>
+                <a:ea typeface="微軟正黑體" pitchFamily="34" charset="-120"/>
+              </a:rPr>
+              <a:t>君王</a:t>
+            </a:r>
+            <a:endParaRPr lang="en-US" altLang="zh-CN" sz="4800" b="1" cap="all" dirty="0" smtClean="0">
+              <a:latin typeface="微軟正黑體" pitchFamily="34" charset="-120"/>
+              <a:ea typeface="微軟正黑體" pitchFamily="34" charset="-120"/>
+            </a:endParaRPr>
+          </a:p>
+          <a:p>
+            <a:pPr algn="ctr">
+              <a:buNone/>
+            </a:pPr>
+            <a:r>
+              <a:rPr lang="zh-CN" altLang="en-US" sz="4800" b="1" cap="all" dirty="0" smtClean="0">
+                <a:latin typeface="微軟正黑體" pitchFamily="34" charset="-120"/>
+                <a:ea typeface="微軟正黑體" pitchFamily="34" charset="-120"/>
+              </a:rPr>
+              <a:t>也</a:t>
+            </a:r>
+            <a:r>
+              <a:rPr lang="zh-CN" altLang="en-US" sz="4800" b="1" cap="all" dirty="0">
+                <a:latin typeface="微軟正黑體" pitchFamily="34" charset="-120"/>
+                <a:ea typeface="微軟正黑體" pitchFamily="34" charset="-120"/>
+              </a:rPr>
+              <a:t>折服於祢</a:t>
+            </a:r>
+            <a:r>
+              <a:rPr lang="zh-CN" altLang="en-US" sz="4800" b="1" cap="all" dirty="0" smtClean="0">
+                <a:latin typeface="微軟正黑體" pitchFamily="34" charset="-120"/>
+                <a:ea typeface="微軟正黑體" pitchFamily="34" charset="-120"/>
+              </a:rPr>
+              <a:t>面前</a:t>
+            </a:r>
+            <a:endParaRPr lang="zh-TW" altLang="en-US" sz="4800" b="1" cap="all" dirty="0">
+              <a:latin typeface="微軟正黑體" pitchFamily="34" charset="-120"/>
+              <a:ea typeface="微軟正黑體" pitchFamily="34" charset="-120"/>
+            </a:endParaRPr>
           </a:p>
         </p:txBody>
       </p:sp>
@@ -3315,7 +3274,7 @@
       </p:grpSpPr>
       <p:sp>
         <p:nvSpPr>
-          <p:cNvPr id="4" name="標題 3"/>
+          <p:cNvPr id="2" name="標題 1"/>
           <p:cNvSpPr>
             <a:spLocks noGrp="1"/>
           </p:cNvSpPr>
@@ -3331,85 +3290,68 @@
           <a:lstStyle/>
           <a:p>
             <a:r>
-              <a:rPr lang="zh-TW" altLang="en-US" sz="5400" b="1" dirty="0">
-                <a:latin typeface="微軟正黑體" pitchFamily="34" charset="-120"/>
-                <a:ea typeface="微軟正黑體" pitchFamily="34" charset="-120"/>
-              </a:rPr>
-              <a:t>全地至高是我主</a:t>
-            </a:r>
-          </a:p>
-        </p:txBody>
-      </p:sp>
-      <p:sp>
-        <p:nvSpPr>
-          <p:cNvPr id="5" name="內容版面配置區 4"/>
-          <p:cNvSpPr>
-            <a:spLocks noGrp="1"/>
-          </p:cNvSpPr>
-          <p:nvPr>
-            <p:ph idx="1"/>
-          </p:nvPr>
-        </p:nvSpPr>
-        <p:spPr>
-          <a:xfrm>
-            <a:off x="0" y="1600200"/>
-            <a:ext cx="9144000" cy="4525963"/>
-          </a:xfrm>
-        </p:spPr>
-        <p:txBody>
-          <a:bodyPr>
-            <a:noAutofit/>
-          </a:bodyPr>
-          <a:lstStyle/>
-          <a:p>
-            <a:pPr algn="ctr">
-              <a:buNone/>
-            </a:pPr>
-            <a:r>
-              <a:rPr lang="zh-TW" altLang="en-US" sz="5400" b="1" dirty="0">
-                <a:latin typeface="微軟正黑體" pitchFamily="34" charset="-120"/>
-                <a:ea typeface="微軟正黑體" pitchFamily="34" charset="-120"/>
-              </a:rPr>
-              <a:t>全地至高是</a:t>
-            </a:r>
-            <a:r>
-              <a:rPr lang="zh-TW" altLang="en-US" sz="5400" b="1" dirty="0" smtClean="0">
-                <a:latin typeface="微軟正黑體" pitchFamily="34" charset="-120"/>
-                <a:ea typeface="微軟正黑體" pitchFamily="34" charset="-120"/>
-              </a:rPr>
-              <a:t>我主</a:t>
-            </a:r>
-            <a:endParaRPr lang="en-US" altLang="zh-TW" sz="5400" b="1" dirty="0" smtClean="0">
+              <a:rPr lang="zh-CN" altLang="en-US" sz="4000" b="1" cap="all" dirty="0">
+                <a:latin typeface="微軟正黑體" pitchFamily="34" charset="-120"/>
+                <a:ea typeface="微軟正黑體" pitchFamily="34" charset="-120"/>
+              </a:rPr>
+              <a:t>因主的</a:t>
+            </a:r>
+            <a:r>
+              <a:rPr lang="zh-CN" altLang="en-US" sz="4000" b="1" cap="all" dirty="0">
+                <a:latin typeface="微軟正黑體" pitchFamily="34" charset="-120"/>
+                <a:ea typeface="微軟正黑體" pitchFamily="34" charset="-120"/>
+              </a:rPr>
+              <a:t>名</a:t>
+            </a:r>
+            <a:endParaRPr lang="zh-TW" altLang="en-US" sz="4000" b="1" cap="all" dirty="0">
               <a:latin typeface="微軟正黑體" pitchFamily="34" charset="-120"/>
               <a:ea typeface="微軟正黑體" pitchFamily="34" charset="-120"/>
             </a:endParaRPr>
           </a:p>
+        </p:txBody>
+      </p:sp>
+      <p:sp>
+        <p:nvSpPr>
+          <p:cNvPr id="3" name="內容版面配置區 2"/>
+          <p:cNvSpPr>
+            <a:spLocks noGrp="1"/>
+          </p:cNvSpPr>
+          <p:nvPr>
+            <p:ph idx="1"/>
+          </p:nvPr>
+        </p:nvSpPr>
+        <p:spPr/>
+        <p:txBody>
+          <a:bodyPr anchor="ctr">
+            <a:noAutofit/>
+          </a:bodyPr>
+          <a:lstStyle/>
           <a:p>
             <a:pPr algn="ctr">
               <a:buNone/>
             </a:pPr>
             <a:r>
-              <a:rPr lang="zh-TW" altLang="en-US" sz="5400" b="1" dirty="0" smtClean="0">
-                <a:latin typeface="微軟正黑體" pitchFamily="34" charset="-120"/>
-                <a:ea typeface="微軟正黑體" pitchFamily="34" charset="-120"/>
-              </a:rPr>
-              <a:t>各</a:t>
-            </a:r>
-            <a:r>
-              <a:rPr lang="zh-TW" altLang="en-US" sz="5400" b="1" dirty="0">
-                <a:latin typeface="微軟正黑體" pitchFamily="34" charset="-120"/>
-                <a:ea typeface="微軟正黑體" pitchFamily="34" charset="-120"/>
-              </a:rPr>
-              <a:t>邦一致</a:t>
-            </a:r>
-            <a:r>
-              <a:rPr lang="zh-TW" altLang="en-US" sz="5400" b="1" dirty="0" smtClean="0">
-                <a:latin typeface="微軟正黑體" pitchFamily="34" charset="-120"/>
-                <a:ea typeface="微軟正黑體" pitchFamily="34" charset="-120"/>
-              </a:rPr>
-              <a:t>頌揚</a:t>
-            </a:r>
-            <a:endParaRPr lang="en-US" altLang="zh-TW" sz="5400" b="1" dirty="0">
+              <a:rPr lang="zh-TW" altLang="en-US" sz="4800" b="1" cap="all" dirty="0">
+                <a:latin typeface="微軟正黑體" pitchFamily="34" charset="-120"/>
+                <a:ea typeface="微軟正黑體" pitchFamily="34" charset="-120"/>
+              </a:rPr>
+              <a:t>造物主今</a:t>
+            </a:r>
+            <a:r>
+              <a:rPr lang="zh-TW" altLang="en-US" sz="4800" b="1" cap="all" dirty="0">
+                <a:latin typeface="微軟正黑體" pitchFamily="34" charset="-120"/>
+                <a:ea typeface="微軟正黑體" pitchFamily="34" charset="-120"/>
+              </a:rPr>
+              <a:t>高唱祢</a:t>
+            </a:r>
+            <a:r>
+              <a:rPr lang="zh-TW" altLang="en-US" sz="4800" b="1" cap="all" dirty="0">
+                <a:latin typeface="微軟正黑體" pitchFamily="34" charset="-120"/>
+                <a:ea typeface="微軟正黑體" pitchFamily="34" charset="-120"/>
+              </a:rPr>
+              <a:t>名字</a:t>
+            </a:r>
+            <a:endParaRPr lang="en-US" altLang="zh-TW" sz="4800" b="1" cap="all" dirty="0">
               <a:latin typeface="微軟正黑體" pitchFamily="34" charset="-120"/>
               <a:ea typeface="微軟正黑體" pitchFamily="34" charset="-120"/>
             </a:endParaRPr>
@@ -3419,41 +3361,34 @@
               <a:buNone/>
             </a:pPr>
             <a:r>
-              <a:rPr lang="zh-TW" altLang="en-US" sz="5400" b="1" dirty="0" smtClean="0">
-                <a:latin typeface="微軟正黑體" pitchFamily="34" charset="-120"/>
-                <a:ea typeface="微軟正黑體" pitchFamily="34" charset="-120"/>
-              </a:rPr>
-              <a:t>讓</a:t>
-            </a:r>
-            <a:r>
-              <a:rPr lang="zh-TW" altLang="en-US" sz="5400" b="1" dirty="0">
-                <a:latin typeface="微軟正黑體" pitchFamily="34" charset="-120"/>
-                <a:ea typeface="微軟正黑體" pitchFamily="34" charset="-120"/>
-              </a:rPr>
-              <a:t>這歌盡獻</a:t>
-            </a:r>
-            <a:r>
-              <a:rPr lang="zh-TW" altLang="en-US" sz="5400" b="1" dirty="0" smtClean="0">
-                <a:latin typeface="微軟正黑體" pitchFamily="34" charset="-120"/>
-                <a:ea typeface="微軟正黑體" pitchFamily="34" charset="-120"/>
-              </a:rPr>
-              <a:t>主  榮光</a:t>
-            </a:r>
-            <a:r>
-              <a:rPr lang="zh-TW" altLang="en-US" sz="5400" b="1" dirty="0">
-                <a:latin typeface="微軟正黑體" pitchFamily="34" charset="-120"/>
-                <a:ea typeface="微軟正黑體" pitchFamily="34" charset="-120"/>
-              </a:rPr>
-              <a:t>高照諸</a:t>
-            </a:r>
-            <a:r>
-              <a:rPr lang="zh-TW" altLang="en-US" sz="5400" b="1" dirty="0" smtClean="0">
-                <a:latin typeface="微軟正黑體" pitchFamily="34" charset="-120"/>
-                <a:ea typeface="微軟正黑體" pitchFamily="34" charset="-120"/>
-              </a:rPr>
-              <a:t>天</a:t>
-            </a:r>
-            <a:endParaRPr lang="en-US" altLang="zh-TW" sz="5400" b="1" dirty="0">
+              <a:rPr lang="zh-CN" altLang="en-US" sz="4800" b="1" cap="all" dirty="0">
+                <a:latin typeface="微軟正黑體" pitchFamily="34" charset="-120"/>
+                <a:ea typeface="微軟正黑體" pitchFamily="34" charset="-120"/>
+              </a:rPr>
+              <a:t>全能</a:t>
+            </a:r>
+            <a:r>
+              <a:rPr lang="zh-TW" altLang="en-US" sz="4800" b="1" cap="all" dirty="0">
+                <a:latin typeface="微軟正黑體" pitchFamily="34" charset="-120"/>
+                <a:ea typeface="微軟正黑體" pitchFamily="34" charset="-120"/>
+              </a:rPr>
+              <a:t>之</a:t>
+            </a:r>
+            <a:r>
+              <a:rPr lang="zh-CN" altLang="en-US" sz="4800" b="1" cap="all" dirty="0">
+                <a:latin typeface="微軟正黑體" pitchFamily="34" charset="-120"/>
+                <a:ea typeface="微軟正黑體" pitchFamily="34" charset="-120"/>
+              </a:rPr>
+              <a:t>主</a:t>
+            </a:r>
+            <a:r>
+              <a:rPr lang="zh-TW" altLang="en-US" sz="4800" b="1" cap="all" dirty="0">
+                <a:latin typeface="微軟正黑體" pitchFamily="34" charset="-120"/>
+                <a:ea typeface="微軟正黑體" pitchFamily="34" charset="-120"/>
+              </a:rPr>
+              <a:t>安慰者</a:t>
+            </a:r>
+            <a:endParaRPr lang="en-US" altLang="zh-TW" sz="4800" b="1" cap="all" dirty="0">
               <a:latin typeface="微軟正黑體" pitchFamily="34" charset="-120"/>
               <a:ea typeface="微軟正黑體" pitchFamily="34" charset="-120"/>
             </a:endParaRPr>
@@ -3463,41 +3398,27 @@
               <a:buNone/>
             </a:pPr>
             <a:r>
-              <a:rPr lang="zh-TW" altLang="en-US" sz="5400" b="1" dirty="0" smtClean="0">
-                <a:latin typeface="微軟正黑體" pitchFamily="34" charset="-120"/>
-                <a:ea typeface="微軟正黑體" pitchFamily="34" charset="-120"/>
-              </a:rPr>
-              <a:t>慈愛</a:t>
-            </a:r>
-            <a:r>
-              <a:rPr lang="zh-TW" altLang="en-US" sz="5400" b="1" dirty="0">
-                <a:latin typeface="微軟正黑體" pitchFamily="34" charset="-120"/>
-                <a:ea typeface="微軟正黑體" pitchFamily="34" charset="-120"/>
-              </a:rPr>
-              <a:t>達到穹蒼</a:t>
-            </a:r>
-            <a:r>
-              <a:rPr lang="zh-TW" altLang="en-US" sz="5400" b="1" dirty="0" smtClean="0">
-                <a:latin typeface="微軟正黑體" pitchFamily="34" charset="-120"/>
-                <a:ea typeface="微軟正黑體" pitchFamily="34" charset="-120"/>
-              </a:rPr>
-              <a:t>處  恩</a:t>
-            </a:r>
-            <a:r>
-              <a:rPr lang="zh-TW" altLang="en-US" sz="5400" b="1" dirty="0">
-                <a:latin typeface="微軟正黑體" pitchFamily="34" charset="-120"/>
-                <a:ea typeface="微軟正黑體" pitchFamily="34" charset="-120"/>
-              </a:rPr>
-              <a:t>慈</a:t>
-            </a:r>
-            <a:r>
-              <a:rPr lang="zh-TW" altLang="en-US" sz="5400" b="1" dirty="0" smtClean="0">
-                <a:latin typeface="微軟正黑體" pitchFamily="34" charset="-120"/>
-                <a:ea typeface="微軟正黑體" pitchFamily="34" charset="-120"/>
-              </a:rPr>
-              <a:t>信實</a:t>
-            </a:r>
-            <a:endParaRPr lang="en-US" altLang="zh-TW" sz="5400" b="1" dirty="0" smtClean="0">
+              <a:rPr lang="zh-TW" altLang="en-US" sz="4800" b="1" cap="all" dirty="0">
+                <a:latin typeface="微軟正黑體" pitchFamily="34" charset="-120"/>
+                <a:ea typeface="微軟正黑體" pitchFamily="34" charset="-120"/>
+              </a:rPr>
+              <a:t>全</a:t>
+            </a:r>
+            <a:r>
+              <a:rPr lang="zh-TW" altLang="en-US" sz="4800" b="1" cap="all" dirty="0">
+                <a:latin typeface="微軟正黑體" pitchFamily="34" charset="-120"/>
+                <a:ea typeface="微軟正黑體" pitchFamily="34" charset="-120"/>
+              </a:rPr>
+              <a:t>憑主恩典</a:t>
+            </a:r>
+            <a:r>
+              <a:rPr lang="zh-TW" altLang="en-US" sz="4800" b="1" cap="all" dirty="0">
+                <a:latin typeface="微軟正黑體" pitchFamily="34" charset="-120"/>
+                <a:ea typeface="微軟正黑體" pitchFamily="34" charset="-120"/>
+              </a:rPr>
+              <a:t>憐憫</a:t>
+            </a:r>
+            <a:endParaRPr lang="en-US" altLang="zh-TW" sz="4800" b="1" cap="all" dirty="0">
               <a:latin typeface="微軟正黑體" pitchFamily="34" charset="-120"/>
               <a:ea typeface="微軟正黑體" pitchFamily="34" charset="-120"/>
             </a:endParaRPr>
@@ -3507,19 +3428,30 @@
               <a:buNone/>
             </a:pPr>
             <a:r>
-              <a:rPr lang="zh-TW" altLang="en-US" sz="5400" b="1" dirty="0" smtClean="0">
-                <a:latin typeface="微軟正黑體" pitchFamily="34" charset="-120"/>
-                <a:ea typeface="微軟正黑體" pitchFamily="34" charset="-120"/>
-              </a:rPr>
-              <a:t>並</a:t>
-            </a:r>
-            <a:r>
-              <a:rPr lang="zh-TW" altLang="en-US" sz="5400" b="1" dirty="0">
-                <a:latin typeface="微軟正黑體" pitchFamily="34" charset="-120"/>
-                <a:ea typeface="微軟正黑體" pitchFamily="34" charset="-120"/>
-              </a:rPr>
-              <a:t>賜下寬容饒恕</a:t>
-            </a:r>
+              <a:rPr lang="zh-TW" altLang="en-US" sz="4800" b="1" cap="all" dirty="0">
+                <a:latin typeface="微軟正黑體" pitchFamily="34" charset="-120"/>
+                <a:ea typeface="微軟正黑體" pitchFamily="34" charset="-120"/>
+              </a:rPr>
+              <a:t>令</a:t>
+            </a:r>
+            <a:r>
+              <a:rPr lang="zh-TW" altLang="en-US" sz="4800" b="1" cap="all" dirty="0">
+                <a:latin typeface="微軟正黑體" pitchFamily="34" charset="-120"/>
+                <a:ea typeface="微軟正黑體" pitchFamily="34" charset="-120"/>
+              </a:rPr>
+              <a:t>我滿心</a:t>
+            </a:r>
+            <a:r>
+              <a:rPr lang="zh-TW" altLang="en-US" sz="4800" b="1" cap="all" dirty="0">
+                <a:latin typeface="微軟正黑體" pitchFamily="34" charset="-120"/>
+                <a:ea typeface="微軟正黑體" pitchFamily="34" charset="-120"/>
+              </a:rPr>
+              <a:t>溫暖</a:t>
+            </a:r>
+            <a:endParaRPr lang="zh-TW" altLang="en-US" sz="4800" b="1" cap="all" dirty="0">
+              <a:latin typeface="微軟正黑體" pitchFamily="34" charset="-120"/>
+              <a:ea typeface="微軟正黑體" pitchFamily="34" charset="-120"/>
+            </a:endParaRPr>
           </a:p>
         </p:txBody>
       </p:sp>
@@ -3573,20 +3505,20 @@
           <a:lstStyle/>
           <a:p>
             <a:r>
-              <a:rPr lang="zh-CN" altLang="en-US" sz="6000" b="1" cap="all" dirty="0">
+              <a:rPr lang="zh-CN" altLang="en-US" sz="4000" b="1" cap="all" dirty="0">
                 <a:latin typeface="微軟正黑體" pitchFamily="34" charset="-120"/>
                 <a:ea typeface="微軟正黑體" pitchFamily="34" charset="-120"/>
               </a:rPr>
               <a:t>因主的</a:t>
             </a:r>
             <a:r>
-              <a:rPr lang="zh-CN" altLang="en-US" sz="6000" b="1" cap="all" dirty="0" smtClean="0">
+              <a:rPr lang="zh-CN" altLang="en-US" sz="4000" b="1" cap="all" dirty="0">
                 <a:latin typeface="微軟正黑體" pitchFamily="34" charset="-120"/>
                 <a:ea typeface="微軟正黑體" pitchFamily="34" charset="-120"/>
               </a:rPr>
               <a:t>名</a:t>
             </a:r>
-            <a:endParaRPr lang="zh-TW" altLang="en-US" sz="6000" dirty="0">
+            <a:endParaRPr lang="zh-TW" altLang="en-US" sz="4000" b="1" cap="all" dirty="0">
               <a:latin typeface="微軟正黑體" pitchFamily="34" charset="-120"/>
               <a:ea typeface="微軟正黑體" pitchFamily="34" charset="-120"/>
             </a:endParaRPr>
@@ -3606,7 +3538,7 @@
         <p:spPr/>
         <p:txBody>
           <a:bodyPr anchor="ctr">
-            <a:normAutofit/>
+            <a:noAutofit/>
           </a:bodyPr>
           <a:lstStyle/>
           <a:p>
@@ -3614,27 +3546,20 @@
               <a:buNone/>
             </a:pPr>
             <a:r>
-              <a:rPr lang="zh-CN" altLang="en-US" sz="5400" b="1" cap="all" dirty="0" smtClean="0">
-                <a:latin typeface="微軟正黑體" pitchFamily="34" charset="-120"/>
-                <a:ea typeface="微軟正黑體" pitchFamily="34" charset="-120"/>
-              </a:rPr>
-              <a:t>造物主今</a:t>
-            </a:r>
-            <a:r>
-              <a:rPr lang="zh-CN" altLang="en-US" sz="5400" b="1" cap="all" dirty="0">
-                <a:latin typeface="微軟正黑體" pitchFamily="34" charset="-120"/>
-                <a:ea typeface="微軟正黑體" pitchFamily="34" charset="-120"/>
-              </a:rPr>
-              <a:t>高唱祢</a:t>
-            </a:r>
-            <a:r>
-              <a:rPr lang="zh-CN" altLang="en-US" sz="5400" b="1" cap="all" dirty="0" smtClean="0">
-                <a:latin typeface="微軟正黑體" pitchFamily="34" charset="-120"/>
-                <a:ea typeface="微軟正黑體" pitchFamily="34" charset="-120"/>
-              </a:rPr>
-              <a:t>名字</a:t>
-            </a:r>
-            <a:endParaRPr lang="en-US" altLang="zh-CN" sz="5400" b="1" cap="all" dirty="0" smtClean="0">
+              <a:rPr lang="zh-TW" altLang="en-US" sz="4800" b="1" cap="all" dirty="0">
+                <a:latin typeface="微軟正黑體" pitchFamily="34" charset="-120"/>
+                <a:ea typeface="微軟正黑體" pitchFamily="34" charset="-120"/>
+              </a:rPr>
+              <a:t>全因主的聖</a:t>
+            </a:r>
+            <a:r>
+              <a:rPr lang="zh-TW" altLang="en-US" sz="4800" b="1" cap="all" dirty="0">
+                <a:latin typeface="微軟正黑體" pitchFamily="34" charset="-120"/>
+                <a:ea typeface="微軟正黑體" pitchFamily="34" charset="-120"/>
+              </a:rPr>
+              <a:t>名</a:t>
+            </a:r>
+            <a:endParaRPr lang="en-US" altLang="zh-TW" sz="4800" b="1" cap="all" dirty="0">
               <a:latin typeface="微軟正黑體" pitchFamily="34" charset="-120"/>
               <a:ea typeface="微軟正黑體" pitchFamily="34" charset="-120"/>
             </a:endParaRPr>
@@ -3644,20 +3569,27 @@
               <a:buNone/>
             </a:pPr>
             <a:r>
-              <a:rPr lang="zh-TW" altLang="en-US" sz="5400" b="1" cap="all" dirty="0" smtClean="0">
-                <a:latin typeface="微軟正黑體" pitchFamily="34" charset="-120"/>
-                <a:ea typeface="微軟正黑體" pitchFamily="34" charset="-120"/>
-              </a:rPr>
-              <a:t>和平之君</a:t>
-            </a:r>
-            <a:r>
-              <a:rPr lang="zh-CN" altLang="en-US" sz="5400" b="1" cap="all" dirty="0" smtClean="0">
-                <a:latin typeface="微軟正黑體" pitchFamily="34" charset="-120"/>
-                <a:ea typeface="微軟正黑體" pitchFamily="34" charset="-120"/>
-              </a:rPr>
-              <a:t>得勝者</a:t>
-            </a:r>
-            <a:endParaRPr lang="en-US" altLang="zh-CN" sz="5400" b="1" cap="all" dirty="0" smtClean="0">
+              <a:rPr lang="zh-TW" altLang="en-US" sz="4800" b="1" cap="all" dirty="0">
+                <a:latin typeface="微軟正黑體" pitchFamily="34" charset="-120"/>
+                <a:ea typeface="微軟正黑體" pitchFamily="34" charset="-120"/>
+              </a:rPr>
+              <a:t>勞苦</a:t>
+            </a:r>
+            <a:r>
+              <a:rPr lang="zh-TW" altLang="en-US" sz="4800" b="1" cap="all" dirty="0">
+                <a:latin typeface="微軟正黑體" pitchFamily="34" charset="-120"/>
+                <a:ea typeface="微軟正黑體" pitchFamily="34" charset="-120"/>
+              </a:rPr>
+              <a:t>可得</a:t>
+            </a:r>
+            <a:r>
+              <a:rPr lang="zh-TW" altLang="en-US" sz="4800" b="1" cap="all" dirty="0">
+                <a:latin typeface="微軟正黑體" pitchFamily="34" charset="-120"/>
+                <a:ea typeface="微軟正黑體" pitchFamily="34" charset="-120"/>
+              </a:rPr>
+              <a:t>安靜</a:t>
+            </a:r>
+            <a:endParaRPr lang="en-US" altLang="zh-TW" sz="4800" b="1" cap="all" dirty="0">
               <a:latin typeface="微軟正黑體" pitchFamily="34" charset="-120"/>
               <a:ea typeface="微軟正黑體" pitchFamily="34" charset="-120"/>
             </a:endParaRPr>
@@ -3667,27 +3599,27 @@
               <a:buNone/>
             </a:pPr>
             <a:r>
-              <a:rPr lang="zh-CN" altLang="en-US" sz="5400" b="1" cap="all" dirty="0" smtClean="0">
-                <a:latin typeface="微軟正黑體" pitchFamily="34" charset="-120"/>
-                <a:ea typeface="微軟正黑體" pitchFamily="34" charset="-120"/>
-              </a:rPr>
-              <a:t>地上</a:t>
-            </a:r>
-            <a:r>
-              <a:rPr lang="zh-CN" altLang="en-US" sz="5400" b="1" cap="all" dirty="0">
-                <a:latin typeface="微軟正黑體" pitchFamily="34" charset="-120"/>
-                <a:ea typeface="微軟正黑體" pitchFamily="34" charset="-120"/>
-              </a:rPr>
-              <a:t>古今的</a:t>
-            </a:r>
-            <a:r>
-              <a:rPr lang="zh-CN" altLang="en-US" sz="5400" b="1" cap="all" dirty="0" smtClean="0">
-                <a:latin typeface="微軟正黑體" pitchFamily="34" charset="-120"/>
-                <a:ea typeface="微軟正黑體" pitchFamily="34" charset="-120"/>
-              </a:rPr>
-              <a:t>君王</a:t>
-            </a:r>
-            <a:endParaRPr lang="en-US" altLang="zh-CN" sz="5400" b="1" cap="all" dirty="0" smtClean="0">
+              <a:rPr lang="zh-TW" altLang="en-US" sz="4800" b="1" cap="all" dirty="0">
+                <a:latin typeface="微軟正黑體" pitchFamily="34" charset="-120"/>
+                <a:ea typeface="微軟正黑體" pitchFamily="34" charset="-120"/>
+              </a:rPr>
+              <a:t>行走</a:t>
+            </a:r>
+            <a:r>
+              <a:rPr lang="zh-TW" altLang="en-US" sz="4800" b="1" cap="all" dirty="0">
+                <a:latin typeface="微軟正黑體" pitchFamily="34" charset="-120"/>
+                <a:ea typeface="微軟正黑體" pitchFamily="34" charset="-120"/>
+              </a:rPr>
+              <a:t>於</a:t>
+            </a:r>
+            <a:r>
+              <a:rPr lang="zh-TW" altLang="en-US" sz="4800" b="1" cap="all" dirty="0">
+                <a:latin typeface="微軟正黑體" pitchFamily="34" charset="-120"/>
+                <a:ea typeface="微軟正黑體" pitchFamily="34" charset="-120"/>
+              </a:rPr>
+              <a:t>孤單</a:t>
+            </a:r>
+            <a:endParaRPr lang="en-US" altLang="zh-TW" sz="4800" b="1" cap="all" dirty="0">
               <a:latin typeface="微軟正黑體" pitchFamily="34" charset="-120"/>
               <a:ea typeface="微軟正黑體" pitchFamily="34" charset="-120"/>
             </a:endParaRPr>
@@ -3697,27 +3629,27 @@
               <a:buNone/>
             </a:pPr>
             <a:r>
-              <a:rPr lang="zh-CN" altLang="en-US" sz="5400" b="1" cap="all" dirty="0" smtClean="0">
-                <a:latin typeface="微軟正黑體" pitchFamily="34" charset="-120"/>
-                <a:ea typeface="微軟正黑體" pitchFamily="34" charset="-120"/>
-              </a:rPr>
-              <a:t>也</a:t>
-            </a:r>
-            <a:r>
-              <a:rPr lang="zh-CN" altLang="en-US" sz="5400" b="1" cap="all" dirty="0">
-                <a:latin typeface="微軟正黑體" pitchFamily="34" charset="-120"/>
-                <a:ea typeface="微軟正黑體" pitchFamily="34" charset="-120"/>
-              </a:rPr>
-              <a:t>折服於祢</a:t>
-            </a:r>
-            <a:r>
-              <a:rPr lang="zh-CN" altLang="en-US" sz="5400" b="1" cap="all" dirty="0" smtClean="0">
-                <a:latin typeface="微軟正黑體" pitchFamily="34" charset="-120"/>
-                <a:ea typeface="微軟正黑體" pitchFamily="34" charset="-120"/>
-              </a:rPr>
-              <a:t>面前</a:t>
-            </a:r>
-            <a:endParaRPr lang="zh-TW" altLang="en-US" sz="5400" b="1" cap="all" dirty="0">
+              <a:rPr lang="zh-TW" altLang="en-US" sz="4800" b="1" cap="all" dirty="0">
+                <a:latin typeface="微軟正黑體" pitchFamily="34" charset="-120"/>
+                <a:ea typeface="微軟正黑體" pitchFamily="34" charset="-120"/>
+              </a:rPr>
+              <a:t>困惑</a:t>
+            </a:r>
+            <a:r>
+              <a:rPr lang="zh-TW" altLang="en-US" sz="4800" b="1" cap="all" dirty="0">
+                <a:latin typeface="微軟正黑體" pitchFamily="34" charset="-120"/>
+                <a:ea typeface="微軟正黑體" pitchFamily="34" charset="-120"/>
+              </a:rPr>
+              <a:t>裡面有主</a:t>
+            </a:r>
+            <a:r>
+              <a:rPr lang="zh-TW" altLang="en-US" sz="4800" b="1" cap="all" dirty="0">
+                <a:latin typeface="微軟正黑體" pitchFamily="34" charset="-120"/>
+                <a:ea typeface="微軟正黑體" pitchFamily="34" charset="-120"/>
+              </a:rPr>
+              <a:t>傾聽</a:t>
+            </a:r>
+            <a:endParaRPr lang="zh-TW" altLang="en-US" sz="4800" b="1" cap="all" dirty="0">
               <a:latin typeface="微軟正黑體" pitchFamily="34" charset="-120"/>
               <a:ea typeface="微軟正黑體" pitchFamily="34" charset="-120"/>
             </a:endParaRPr>
@@ -3774,20 +3706,20 @@
           <a:lstStyle/>
           <a:p>
             <a:r>
-              <a:rPr lang="zh-CN" altLang="en-US" sz="6000" b="1" cap="all" dirty="0">
+              <a:rPr lang="zh-CN" altLang="en-US" sz="4000" b="1" cap="all" dirty="0">
                 <a:latin typeface="微軟正黑體" pitchFamily="34" charset="-120"/>
                 <a:ea typeface="微軟正黑體" pitchFamily="34" charset="-120"/>
               </a:rPr>
               <a:t>因主的</a:t>
             </a:r>
             <a:r>
-              <a:rPr lang="zh-CN" altLang="en-US" sz="6000" b="1" cap="all" dirty="0" smtClean="0">
+              <a:rPr lang="zh-CN" altLang="en-US" sz="4000" b="1" cap="all" dirty="0">
                 <a:latin typeface="微軟正黑體" pitchFamily="34" charset="-120"/>
                 <a:ea typeface="微軟正黑體" pitchFamily="34" charset="-120"/>
               </a:rPr>
               <a:t>名</a:t>
             </a:r>
-            <a:endParaRPr lang="zh-TW" altLang="en-US" sz="6000" dirty="0">
+            <a:endParaRPr lang="zh-TW" altLang="en-US" sz="4000" b="1" cap="all" dirty="0">
               <a:latin typeface="微軟正黑體" pitchFamily="34" charset="-120"/>
               <a:ea typeface="微軟正黑體" pitchFamily="34" charset="-120"/>
             </a:endParaRPr>
@@ -3807,7 +3739,7 @@
         <p:spPr/>
         <p:txBody>
           <a:bodyPr anchor="ctr">
-            <a:normAutofit/>
+            <a:noAutofit/>
           </a:bodyPr>
           <a:lstStyle/>
           <a:p>
@@ -3815,27 +3747,20 @@
               <a:buNone/>
             </a:pPr>
             <a:r>
-              <a:rPr lang="zh-TW" altLang="en-US" sz="5000" b="1" cap="all" dirty="0" smtClean="0">
-                <a:latin typeface="微軟正黑體" pitchFamily="34" charset="-120"/>
-                <a:ea typeface="微軟正黑體" pitchFamily="34" charset="-120"/>
-              </a:rPr>
-              <a:t>造物主今</a:t>
-            </a:r>
-            <a:r>
-              <a:rPr lang="zh-TW" altLang="en-US" sz="5000" b="1" cap="all" dirty="0">
-                <a:latin typeface="微軟正黑體" pitchFamily="34" charset="-120"/>
-                <a:ea typeface="微軟正黑體" pitchFamily="34" charset="-120"/>
-              </a:rPr>
-              <a:t>高唱祢</a:t>
-            </a:r>
-            <a:r>
-              <a:rPr lang="zh-TW" altLang="en-US" sz="5000" b="1" cap="all" dirty="0" smtClean="0">
-                <a:latin typeface="微軟正黑體" pitchFamily="34" charset="-120"/>
-                <a:ea typeface="微軟正黑體" pitchFamily="34" charset="-120"/>
-              </a:rPr>
-              <a:t>名字</a:t>
-            </a:r>
-            <a:endParaRPr lang="en-US" altLang="zh-TW" sz="5000" b="1" cap="all" dirty="0" smtClean="0">
+              <a:rPr lang="zh-TW" altLang="en-US" sz="4800" b="1" cap="all" dirty="0">
+                <a:latin typeface="微軟正黑體" pitchFamily="34" charset="-120"/>
+                <a:ea typeface="微軟正黑體" pitchFamily="34" charset="-120"/>
+              </a:rPr>
+              <a:t>全因主的聖</a:t>
+            </a:r>
+            <a:r>
+              <a:rPr lang="zh-TW" altLang="en-US" sz="4800" b="1" cap="all" dirty="0">
+                <a:latin typeface="微軟正黑體" pitchFamily="34" charset="-120"/>
+                <a:ea typeface="微軟正黑體" pitchFamily="34" charset="-120"/>
+              </a:rPr>
+              <a:t>名</a:t>
+            </a:r>
+            <a:endParaRPr lang="en-US" altLang="zh-TW" sz="4800" b="1" cap="all" dirty="0">
               <a:latin typeface="微軟正黑體" pitchFamily="34" charset="-120"/>
               <a:ea typeface="微軟正黑體" pitchFamily="34" charset="-120"/>
             </a:endParaRPr>
@@ -3845,34 +3770,34 @@
               <a:buNone/>
             </a:pPr>
             <a:r>
-              <a:rPr lang="zh-CN" altLang="en-US" sz="5000" b="1" cap="all" dirty="0" smtClean="0">
-                <a:latin typeface="微軟正黑體" pitchFamily="34" charset="-120"/>
-                <a:ea typeface="微軟正黑體" pitchFamily="34" charset="-120"/>
-              </a:rPr>
-              <a:t>全能</a:t>
-            </a:r>
-            <a:r>
-              <a:rPr lang="zh-TW" altLang="en-US" sz="5000" b="1" cap="all" dirty="0" smtClean="0">
-                <a:latin typeface="微軟正黑體" pitchFamily="34" charset="-120"/>
-                <a:ea typeface="微軟正黑體" pitchFamily="34" charset="-120"/>
-              </a:rPr>
-              <a:t>之</a:t>
-            </a:r>
-            <a:r>
-              <a:rPr lang="zh-CN" altLang="en-US" sz="5000" b="1" cap="all" dirty="0" smtClean="0">
-                <a:latin typeface="微軟正黑體" pitchFamily="34" charset="-120"/>
-                <a:ea typeface="微軟正黑體" pitchFamily="34" charset="-120"/>
-              </a:rPr>
-              <a:t>主</a:t>
-            </a:r>
-            <a:r>
-              <a:rPr lang="zh-TW" altLang="en-US" sz="5000" b="1" cap="all" dirty="0" smtClean="0">
-                <a:latin typeface="微軟正黑體" pitchFamily="34" charset="-120"/>
-                <a:ea typeface="微軟正黑體" pitchFamily="34" charset="-120"/>
-              </a:rPr>
-              <a:t>安慰者</a:t>
-            </a:r>
-            <a:endParaRPr lang="en-US" altLang="zh-TW" sz="5000" b="1" cap="all" dirty="0" smtClean="0">
+              <a:rPr lang="zh-CN" altLang="en-US" sz="4800" b="1" cap="all" dirty="0">
+                <a:latin typeface="微軟正黑體" pitchFamily="34" charset="-120"/>
+                <a:ea typeface="微軟正黑體" pitchFamily="34" charset="-120"/>
+              </a:rPr>
+              <a:t>愁</a:t>
+            </a:r>
+            <a:r>
+              <a:rPr lang="zh-TW" altLang="en-US" sz="4800" b="1" cap="all" dirty="0">
+                <a:latin typeface="微軟正黑體" pitchFamily="34" charset="-120"/>
+                <a:ea typeface="微軟正黑體" pitchFamily="34" charset="-120"/>
+              </a:rPr>
+              <a:t>心</a:t>
+            </a:r>
+            <a:r>
+              <a:rPr lang="zh-TW" altLang="en-US" sz="4800" b="1" cap="all" dirty="0">
+                <a:latin typeface="微軟正黑體" pitchFamily="34" charset="-120"/>
+                <a:ea typeface="微軟正黑體" pitchFamily="34" charset="-120"/>
+              </a:rPr>
+              <a:t>可得</a:t>
+            </a:r>
+            <a:r>
+              <a:rPr lang="zh-TW" altLang="en-US" sz="4800" b="1" cap="all" dirty="0">
+                <a:latin typeface="微軟正黑體" pitchFamily="34" charset="-120"/>
+                <a:ea typeface="微軟正黑體" pitchFamily="34" charset="-120"/>
+              </a:rPr>
+              <a:t>歡樂</a:t>
+            </a:r>
+            <a:endParaRPr lang="en-US" altLang="zh-TW" sz="4800" b="1" cap="all" dirty="0">
               <a:latin typeface="微軟正黑體" pitchFamily="34" charset="-120"/>
               <a:ea typeface="微軟正黑體" pitchFamily="34" charset="-120"/>
             </a:endParaRPr>
@@ -3882,27 +3807,27 @@
               <a:buNone/>
             </a:pPr>
             <a:r>
-              <a:rPr lang="zh-TW" altLang="en-US" sz="5000" b="1" cap="all" dirty="0" smtClean="0">
-                <a:latin typeface="微軟正黑體" pitchFamily="34" charset="-120"/>
-                <a:ea typeface="微軟正黑體" pitchFamily="34" charset="-120"/>
-              </a:rPr>
-              <a:t>全</a:t>
-            </a:r>
-            <a:r>
-              <a:rPr lang="zh-TW" altLang="en-US" sz="5000" b="1" cap="all" dirty="0">
-                <a:latin typeface="微軟正黑體" pitchFamily="34" charset="-120"/>
-                <a:ea typeface="微軟正黑體" pitchFamily="34" charset="-120"/>
-              </a:rPr>
-              <a:t>憑主恩典</a:t>
-            </a:r>
-            <a:r>
-              <a:rPr lang="zh-TW" altLang="en-US" sz="5000" b="1" cap="all" dirty="0" smtClean="0">
-                <a:latin typeface="微軟正黑體" pitchFamily="34" charset="-120"/>
-                <a:ea typeface="微軟正黑體" pitchFamily="34" charset="-120"/>
-              </a:rPr>
-              <a:t>憐憫</a:t>
-            </a:r>
-            <a:endParaRPr lang="en-US" altLang="zh-TW" sz="5000" b="1" cap="all" dirty="0" smtClean="0">
+              <a:rPr lang="zh-TW" altLang="en-US" sz="4800" b="1" cap="all" dirty="0">
+                <a:latin typeface="微軟正黑體" pitchFamily="34" charset="-120"/>
+                <a:ea typeface="微軟正黑體" pitchFamily="34" charset="-120"/>
+              </a:rPr>
+              <a:t>祈禱</a:t>
+            </a:r>
+            <a:r>
+              <a:rPr lang="zh-TW" altLang="en-US" sz="4800" b="1" cap="all" dirty="0">
+                <a:latin typeface="微軟正黑體" pitchFamily="34" charset="-120"/>
+                <a:ea typeface="微軟正黑體" pitchFamily="34" charset="-120"/>
+              </a:rPr>
+              <a:t>的必得</a:t>
+            </a:r>
+            <a:r>
+              <a:rPr lang="zh-TW" altLang="en-US" sz="4800" b="1" cap="all" dirty="0">
+                <a:latin typeface="微軟正黑體" pitchFamily="34" charset="-120"/>
+                <a:ea typeface="微軟正黑體" pitchFamily="34" charset="-120"/>
+              </a:rPr>
+              <a:t>勝</a:t>
+            </a:r>
+            <a:endParaRPr lang="en-US" altLang="zh-TW" sz="4800" b="1" cap="all" dirty="0">
               <a:latin typeface="微軟正黑體" pitchFamily="34" charset="-120"/>
               <a:ea typeface="微軟正黑體" pitchFamily="34" charset="-120"/>
             </a:endParaRPr>
@@ -3912,443 +3837,34 @@
               <a:buNone/>
             </a:pPr>
             <a:r>
-              <a:rPr lang="zh-TW" altLang="en-US" sz="5000" b="1" cap="all" dirty="0" smtClean="0">
-                <a:latin typeface="微軟正黑體" pitchFamily="34" charset="-120"/>
-                <a:ea typeface="微軟正黑體" pitchFamily="34" charset="-120"/>
-              </a:rPr>
-              <a:t>令</a:t>
-            </a:r>
-            <a:r>
-              <a:rPr lang="zh-TW" altLang="en-US" sz="5000" b="1" cap="all" dirty="0">
-                <a:latin typeface="微軟正黑體" pitchFamily="34" charset="-120"/>
-                <a:ea typeface="微軟正黑體" pitchFamily="34" charset="-120"/>
-              </a:rPr>
-              <a:t>我滿心</a:t>
-            </a:r>
-            <a:r>
-              <a:rPr lang="zh-TW" altLang="en-US" sz="5000" b="1" cap="all" dirty="0" smtClean="0">
-                <a:latin typeface="微軟正黑體" pitchFamily="34" charset="-120"/>
-                <a:ea typeface="微軟正黑體" pitchFamily="34" charset="-120"/>
-              </a:rPr>
-              <a:t>溫暖</a:t>
-            </a:r>
-            <a:endParaRPr lang="zh-TW" altLang="en-US" sz="5000" b="1" cap="all" dirty="0">
-              <a:latin typeface="微軟正黑體" pitchFamily="34" charset="-120"/>
-              <a:ea typeface="微軟正黑體" pitchFamily="34" charset="-120"/>
-            </a:endParaRPr>
-          </a:p>
-        </p:txBody>
-      </p:sp>
-    </p:spTree>
-  </p:cSld>
-  <p:clrMapOvr>
-    <a:masterClrMapping/>
-  </p:clrMapOvr>
-  <p:timing>
-    <p:tnLst>
-      <p:par>
-        <p:cTn id="1" dur="indefinite" restart="never" nodeType="tmRoot"/>
-      </p:par>
-    </p:tnLst>
-  </p:timing>
-</p:sld>
-</file>
-
-<file path=ppt/slides/slide5.xml><?xml version="1.0" encoding="utf-8"?>
-<p:sld xmlns:a="http://schemas.openxmlformats.org/drawingml/2006/main" xmlns:r="http://schemas.openxmlformats.org/officeDocument/2006/relationships" xmlns:p="http://schemas.openxmlformats.org/presentationml/2006/main">
-  <p:cSld>
-    <p:spTree>
-      <p:nvGrpSpPr>
-        <p:cNvPr id="1" name=""/>
-        <p:cNvGrpSpPr/>
-        <p:nvPr/>
-      </p:nvGrpSpPr>
-      <p:grpSpPr>
-        <a:xfrm>
-          <a:off x="0" y="0"/>
-          <a:ext cx="0" cy="0"/>
-          <a:chOff x="0" y="0"/>
-          <a:chExt cx="0" cy="0"/>
-        </a:xfrm>
-      </p:grpSpPr>
-      <p:sp>
-        <p:nvSpPr>
-          <p:cNvPr id="2" name="標題 1"/>
-          <p:cNvSpPr>
-            <a:spLocks noGrp="1"/>
-          </p:cNvSpPr>
-          <p:nvPr>
-            <p:ph type="title"/>
-          </p:nvPr>
-        </p:nvSpPr>
-        <p:spPr/>
-        <p:txBody>
-          <a:bodyPr>
-            <a:normAutofit/>
-          </a:bodyPr>
-          <a:lstStyle/>
-          <a:p>
-            <a:r>
-              <a:rPr lang="zh-CN" altLang="en-US" sz="6000" b="1" cap="all" dirty="0">
-                <a:latin typeface="微軟正黑體" pitchFamily="34" charset="-120"/>
-                <a:ea typeface="微軟正黑體" pitchFamily="34" charset="-120"/>
-              </a:rPr>
-              <a:t>因主的</a:t>
-            </a:r>
-            <a:r>
-              <a:rPr lang="zh-CN" altLang="en-US" sz="6000" b="1" cap="all" dirty="0" smtClean="0">
-                <a:latin typeface="微軟正黑體" pitchFamily="34" charset="-120"/>
-                <a:ea typeface="微軟正黑體" pitchFamily="34" charset="-120"/>
-              </a:rPr>
-              <a:t>名</a:t>
-            </a:r>
-            <a:endParaRPr lang="zh-TW" altLang="en-US" sz="6000" dirty="0">
-              <a:latin typeface="微軟正黑體" pitchFamily="34" charset="-120"/>
-              <a:ea typeface="微軟正黑體" pitchFamily="34" charset="-120"/>
-            </a:endParaRPr>
-          </a:p>
-        </p:txBody>
-      </p:sp>
-      <p:sp>
-        <p:nvSpPr>
-          <p:cNvPr id="3" name="內容版面配置區 2"/>
-          <p:cNvSpPr>
-            <a:spLocks noGrp="1"/>
-          </p:cNvSpPr>
-          <p:nvPr>
-            <p:ph idx="1"/>
-          </p:nvPr>
-        </p:nvSpPr>
-        <p:spPr/>
-        <p:txBody>
-          <a:bodyPr anchor="ctr">
-            <a:normAutofit/>
-          </a:bodyPr>
-          <a:lstStyle/>
-          <a:p>
-            <a:pPr algn="ctr">
-              <a:buNone/>
-            </a:pPr>
-            <a:r>
-              <a:rPr lang="zh-TW" altLang="en-US" sz="5400" b="1" cap="all" dirty="0">
-                <a:latin typeface="微軟正黑體" pitchFamily="34" charset="-120"/>
-                <a:ea typeface="微軟正黑體" pitchFamily="34" charset="-120"/>
-              </a:rPr>
-              <a:t>全因主的聖</a:t>
-            </a:r>
-            <a:r>
-              <a:rPr lang="zh-TW" altLang="en-US" sz="5400" b="1" cap="all" dirty="0" smtClean="0">
-                <a:latin typeface="微軟正黑體" pitchFamily="34" charset="-120"/>
-                <a:ea typeface="微軟正黑體" pitchFamily="34" charset="-120"/>
-              </a:rPr>
-              <a:t>名</a:t>
-            </a:r>
-            <a:endParaRPr lang="en-US" altLang="zh-TW" sz="5400" b="1" cap="all" dirty="0" smtClean="0">
-              <a:latin typeface="微軟正黑體" pitchFamily="34" charset="-120"/>
-              <a:ea typeface="微軟正黑體" pitchFamily="34" charset="-120"/>
-            </a:endParaRPr>
-          </a:p>
-          <a:p>
-            <a:pPr algn="ctr">
-              <a:buNone/>
-            </a:pPr>
-            <a:r>
-              <a:rPr lang="zh-TW" altLang="en-US" sz="5400" b="1" cap="all" dirty="0" smtClean="0">
-                <a:latin typeface="微軟正黑體" pitchFamily="34" charset="-120"/>
-                <a:ea typeface="微軟正黑體" pitchFamily="34" charset="-120"/>
-              </a:rPr>
-              <a:t>勞苦</a:t>
-            </a:r>
-            <a:r>
-              <a:rPr lang="zh-TW" altLang="en-US" sz="5400" b="1" cap="all" dirty="0">
-                <a:latin typeface="微軟正黑體" pitchFamily="34" charset="-120"/>
-                <a:ea typeface="微軟正黑體" pitchFamily="34" charset="-120"/>
-              </a:rPr>
-              <a:t>可得</a:t>
-            </a:r>
-            <a:r>
-              <a:rPr lang="zh-TW" altLang="en-US" sz="5400" b="1" cap="all" dirty="0" smtClean="0">
-                <a:latin typeface="微軟正黑體" pitchFamily="34" charset="-120"/>
-                <a:ea typeface="微軟正黑體" pitchFamily="34" charset="-120"/>
-              </a:rPr>
-              <a:t>安靜</a:t>
-            </a:r>
-            <a:endParaRPr lang="en-US" altLang="zh-TW" sz="5400" b="1" cap="all" dirty="0" smtClean="0">
-              <a:latin typeface="微軟正黑體" pitchFamily="34" charset="-120"/>
-              <a:ea typeface="微軟正黑體" pitchFamily="34" charset="-120"/>
-            </a:endParaRPr>
-          </a:p>
-          <a:p>
-            <a:pPr algn="ctr">
-              <a:buNone/>
-            </a:pPr>
-            <a:r>
-              <a:rPr lang="zh-TW" altLang="en-US" sz="5400" b="1" cap="all" dirty="0" smtClean="0">
-                <a:latin typeface="微軟正黑體" pitchFamily="34" charset="-120"/>
-                <a:ea typeface="微軟正黑體" pitchFamily="34" charset="-120"/>
-              </a:rPr>
-              <a:t>行走</a:t>
-            </a:r>
-            <a:r>
-              <a:rPr lang="zh-TW" altLang="en-US" sz="5400" b="1" cap="all" dirty="0">
-                <a:latin typeface="微軟正黑體" pitchFamily="34" charset="-120"/>
-                <a:ea typeface="微軟正黑體" pitchFamily="34" charset="-120"/>
-              </a:rPr>
-              <a:t>於</a:t>
-            </a:r>
-            <a:r>
-              <a:rPr lang="zh-TW" altLang="en-US" sz="5400" b="1" cap="all" dirty="0" smtClean="0">
-                <a:latin typeface="微軟正黑體" pitchFamily="34" charset="-120"/>
-                <a:ea typeface="微軟正黑體" pitchFamily="34" charset="-120"/>
-              </a:rPr>
-              <a:t>孤單</a:t>
-            </a:r>
-            <a:endParaRPr lang="en-US" altLang="zh-TW" sz="5400" b="1" cap="all" dirty="0" smtClean="0">
-              <a:latin typeface="微軟正黑體" pitchFamily="34" charset="-120"/>
-              <a:ea typeface="微軟正黑體" pitchFamily="34" charset="-120"/>
-            </a:endParaRPr>
-          </a:p>
-          <a:p>
-            <a:pPr algn="ctr">
-              <a:buNone/>
-            </a:pPr>
-            <a:r>
-              <a:rPr lang="zh-TW" altLang="en-US" sz="5400" b="1" cap="all" dirty="0" smtClean="0">
-                <a:latin typeface="微軟正黑體" pitchFamily="34" charset="-120"/>
-                <a:ea typeface="微軟正黑體" pitchFamily="34" charset="-120"/>
-              </a:rPr>
-              <a:t>困惑</a:t>
-            </a:r>
-            <a:r>
-              <a:rPr lang="zh-TW" altLang="en-US" sz="5400" b="1" cap="all" dirty="0">
-                <a:latin typeface="微軟正黑體" pitchFamily="34" charset="-120"/>
-                <a:ea typeface="微軟正黑體" pitchFamily="34" charset="-120"/>
-              </a:rPr>
-              <a:t>裡面有主</a:t>
-            </a:r>
-            <a:r>
-              <a:rPr lang="zh-TW" altLang="en-US" sz="5400" b="1" cap="all" dirty="0" smtClean="0">
-                <a:latin typeface="微軟正黑體" pitchFamily="34" charset="-120"/>
-                <a:ea typeface="微軟正黑體" pitchFamily="34" charset="-120"/>
-              </a:rPr>
-              <a:t>傾聽</a:t>
-            </a:r>
-            <a:endParaRPr lang="zh-TW" altLang="en-US" sz="5400" b="1" cap="all" dirty="0">
-              <a:latin typeface="微軟正黑體" pitchFamily="34" charset="-120"/>
-              <a:ea typeface="微軟正黑體" pitchFamily="34" charset="-120"/>
-            </a:endParaRPr>
-          </a:p>
-        </p:txBody>
-      </p:sp>
-    </p:spTree>
-  </p:cSld>
-  <p:clrMapOvr>
-    <a:masterClrMapping/>
-  </p:clrMapOvr>
-  <p:timing>
-    <p:tnLst>
-      <p:par>
-        <p:cTn id="1" dur="indefinite" restart="never" nodeType="tmRoot"/>
-      </p:par>
-    </p:tnLst>
-  </p:timing>
-</p:sld>
-</file>
-
-<file path=ppt/slides/slide6.xml><?xml version="1.0" encoding="utf-8"?>
-<p:sld xmlns:a="http://schemas.openxmlformats.org/drawingml/2006/main" xmlns:r="http://schemas.openxmlformats.org/officeDocument/2006/relationships" xmlns:p="http://schemas.openxmlformats.org/presentationml/2006/main">
-  <p:cSld>
-    <p:spTree>
-      <p:nvGrpSpPr>
-        <p:cNvPr id="1" name=""/>
-        <p:cNvGrpSpPr/>
-        <p:nvPr/>
-      </p:nvGrpSpPr>
-      <p:grpSpPr>
-        <a:xfrm>
-          <a:off x="0" y="0"/>
-          <a:ext cx="0" cy="0"/>
-          <a:chOff x="0" y="0"/>
-          <a:chExt cx="0" cy="0"/>
-        </a:xfrm>
-      </p:grpSpPr>
-      <p:sp>
-        <p:nvSpPr>
-          <p:cNvPr id="2" name="標題 1"/>
-          <p:cNvSpPr>
-            <a:spLocks noGrp="1"/>
-          </p:cNvSpPr>
-          <p:nvPr>
-            <p:ph type="title"/>
-          </p:nvPr>
-        </p:nvSpPr>
-        <p:spPr/>
-        <p:txBody>
-          <a:bodyPr>
-            <a:normAutofit/>
-          </a:bodyPr>
-          <a:lstStyle/>
-          <a:p>
-            <a:r>
-              <a:rPr lang="zh-CN" altLang="en-US" sz="6000" b="1" cap="all" dirty="0">
-                <a:latin typeface="微軟正黑體" pitchFamily="34" charset="-120"/>
-                <a:ea typeface="微軟正黑體" pitchFamily="34" charset="-120"/>
-              </a:rPr>
-              <a:t>因主的</a:t>
-            </a:r>
-            <a:r>
-              <a:rPr lang="zh-CN" altLang="en-US" sz="6000" b="1" cap="all" dirty="0" smtClean="0">
-                <a:latin typeface="微軟正黑體" pitchFamily="34" charset="-120"/>
-                <a:ea typeface="微軟正黑體" pitchFamily="34" charset="-120"/>
-              </a:rPr>
-              <a:t>名</a:t>
-            </a:r>
-            <a:endParaRPr lang="zh-TW" altLang="en-US" sz="6000" dirty="0">
-              <a:latin typeface="微軟正黑體" pitchFamily="34" charset="-120"/>
-              <a:ea typeface="微軟正黑體" pitchFamily="34" charset="-120"/>
-            </a:endParaRPr>
-          </a:p>
-        </p:txBody>
-      </p:sp>
-      <p:sp>
-        <p:nvSpPr>
-          <p:cNvPr id="3" name="內容版面配置區 2"/>
-          <p:cNvSpPr>
-            <a:spLocks noGrp="1"/>
-          </p:cNvSpPr>
-          <p:nvPr>
-            <p:ph idx="1"/>
-          </p:nvPr>
-        </p:nvSpPr>
-        <p:spPr/>
-        <p:txBody>
-          <a:bodyPr anchor="ctr">
-            <a:normAutofit/>
-          </a:bodyPr>
-          <a:lstStyle/>
-          <a:p>
-            <a:pPr algn="ctr">
-              <a:buNone/>
-            </a:pPr>
-            <a:r>
-              <a:rPr lang="zh-TW" altLang="en-US" sz="5400" b="1" cap="all" dirty="0">
-                <a:latin typeface="微軟正黑體" pitchFamily="34" charset="-120"/>
-                <a:ea typeface="微軟正黑體" pitchFamily="34" charset="-120"/>
-              </a:rPr>
-              <a:t>全因主的聖</a:t>
-            </a:r>
-            <a:r>
-              <a:rPr lang="zh-TW" altLang="en-US" sz="5400" b="1" cap="all" dirty="0" smtClean="0">
-                <a:latin typeface="微軟正黑體" pitchFamily="34" charset="-120"/>
-                <a:ea typeface="微軟正黑體" pitchFamily="34" charset="-120"/>
-              </a:rPr>
-              <a:t>名</a:t>
-            </a:r>
-            <a:endParaRPr lang="en-US" altLang="zh-TW" sz="5400" b="1" cap="all" dirty="0" smtClean="0">
-              <a:latin typeface="微軟正黑體" pitchFamily="34" charset="-120"/>
-              <a:ea typeface="微軟正黑體" pitchFamily="34" charset="-120"/>
-            </a:endParaRPr>
-          </a:p>
-          <a:p>
-            <a:pPr algn="ctr">
-              <a:buNone/>
-            </a:pPr>
-            <a:r>
-              <a:rPr lang="zh-CN" altLang="en-US" sz="5400" b="1" cap="all" dirty="0" smtClean="0">
-                <a:latin typeface="微軟正黑體" pitchFamily="34" charset="-120"/>
-                <a:ea typeface="微軟正黑體" pitchFamily="34" charset="-120"/>
-              </a:rPr>
-              <a:t>愁</a:t>
-            </a:r>
-            <a:r>
-              <a:rPr lang="zh-TW" altLang="en-US" sz="5400" b="1" cap="all" dirty="0" smtClean="0">
-                <a:latin typeface="微軟正黑體" pitchFamily="34" charset="-120"/>
-                <a:ea typeface="微軟正黑體" pitchFamily="34" charset="-120"/>
-              </a:rPr>
-              <a:t>心</a:t>
-            </a:r>
-            <a:r>
-              <a:rPr lang="zh-TW" altLang="en-US" sz="5400" b="1" cap="all" dirty="0">
-                <a:latin typeface="微軟正黑體" pitchFamily="34" charset="-120"/>
-                <a:ea typeface="微軟正黑體" pitchFamily="34" charset="-120"/>
-              </a:rPr>
-              <a:t>可得</a:t>
-            </a:r>
-            <a:r>
-              <a:rPr lang="zh-TW" altLang="en-US" sz="5400" b="1" cap="all" dirty="0" smtClean="0">
-                <a:latin typeface="微軟正黑體" pitchFamily="34" charset="-120"/>
-                <a:ea typeface="微軟正黑體" pitchFamily="34" charset="-120"/>
-              </a:rPr>
-              <a:t>歡樂</a:t>
-            </a:r>
-            <a:endParaRPr lang="en-US" altLang="zh-TW" sz="5400" b="1" cap="all" dirty="0" smtClean="0">
-              <a:latin typeface="微軟正黑體" pitchFamily="34" charset="-120"/>
-              <a:ea typeface="微軟正黑體" pitchFamily="34" charset="-120"/>
-            </a:endParaRPr>
-          </a:p>
-          <a:p>
-            <a:pPr algn="ctr">
-              <a:buNone/>
-            </a:pPr>
-            <a:r>
-              <a:rPr lang="zh-TW" altLang="en-US" sz="5400" b="1" cap="all" dirty="0" smtClean="0">
-                <a:latin typeface="微軟正黑體" pitchFamily="34" charset="-120"/>
-                <a:ea typeface="微軟正黑體" pitchFamily="34" charset="-120"/>
-              </a:rPr>
-              <a:t>祈禱</a:t>
-            </a:r>
-            <a:r>
-              <a:rPr lang="zh-TW" altLang="en-US" sz="5400" b="1" cap="all" dirty="0">
-                <a:latin typeface="微軟正黑體" pitchFamily="34" charset="-120"/>
-                <a:ea typeface="微軟正黑體" pitchFamily="34" charset="-120"/>
-              </a:rPr>
-              <a:t>的必得</a:t>
-            </a:r>
-            <a:r>
-              <a:rPr lang="zh-TW" altLang="en-US" sz="5400" b="1" cap="all" dirty="0" smtClean="0">
-                <a:latin typeface="微軟正黑體" pitchFamily="34" charset="-120"/>
-                <a:ea typeface="微軟正黑體" pitchFamily="34" charset="-120"/>
-              </a:rPr>
-              <a:t>勝</a:t>
-            </a:r>
-            <a:endParaRPr lang="en-US" altLang="zh-TW" sz="5400" b="1" cap="all" dirty="0" smtClean="0">
-              <a:latin typeface="微軟正黑體" pitchFamily="34" charset="-120"/>
-              <a:ea typeface="微軟正黑體" pitchFamily="34" charset="-120"/>
-            </a:endParaRPr>
-          </a:p>
-          <a:p>
-            <a:pPr algn="ctr">
-              <a:buNone/>
-            </a:pPr>
-            <a:r>
-              <a:rPr lang="zh-TW" altLang="en-US" sz="5400" b="1" cap="all" dirty="0" smtClean="0">
+              <a:rPr lang="zh-TW" altLang="en-US" sz="4800" b="1" cap="all" dirty="0">
                 <a:latin typeface="微軟正黑體" pitchFamily="34" charset="-120"/>
                 <a:ea typeface="微軟正黑體" pitchFamily="34" charset="-120"/>
               </a:rPr>
               <a:t>我</a:t>
             </a:r>
             <a:r>
-              <a:rPr lang="zh-TW" altLang="en-US" sz="5400" b="1" cap="all" dirty="0">
+              <a:rPr lang="zh-TW" altLang="en-US" sz="4800" b="1" cap="all" dirty="0">
                 <a:latin typeface="微軟正黑體" pitchFamily="34" charset="-120"/>
                 <a:ea typeface="微軟正黑體" pitchFamily="34" charset="-120"/>
               </a:rPr>
               <a:t>以性命來</a:t>
             </a:r>
             <a:r>
-              <a:rPr lang="zh-TW" altLang="en-US" sz="5400" b="1" cap="all" dirty="0" smtClean="0">
+              <a:rPr lang="zh-TW" altLang="en-US" sz="4800" b="1" cap="all" dirty="0">
                 <a:latin typeface="微軟正黑體" pitchFamily="34" charset="-120"/>
                 <a:ea typeface="微軟正黑體" pitchFamily="34" charset="-120"/>
               </a:rPr>
               <a:t>做</a:t>
             </a:r>
             <a:r>
-              <a:rPr lang="zh-CN" altLang="en-US" sz="5400" b="1" cap="all" dirty="0" smtClean="0">
+              <a:rPr lang="zh-CN" altLang="en-US" sz="4800" b="1" cap="all" dirty="0">
                 <a:latin typeface="微軟正黑體" pitchFamily="34" charset="-120"/>
                 <a:ea typeface="微軟正黑體" pitchFamily="34" charset="-120"/>
               </a:rPr>
               <a:t>証</a:t>
             </a:r>
-            <a:endParaRPr lang="zh-TW" altLang="en-US" sz="5400" b="1" cap="all" dirty="0">
+            <a:endParaRPr lang="zh-TW" altLang="en-US" sz="4800" b="1" cap="all" dirty="0">
               <a:latin typeface="微軟正黑體" pitchFamily="34" charset="-120"/>
               <a:ea typeface="微軟正黑體" pitchFamily="34" charset="-120"/>
             </a:endParaRPr>

--- a/因主的名.pptx
+++ b/因主的名.pptx
@@ -5,10 +5,13 @@
     <p:sldMasterId id="2147483672" r:id="rId1"/>
   </p:sldMasterIdLst>
   <p:sldIdLst>
-    <p:sldId id="256" r:id="rId2"/>
-    <p:sldId id="257" r:id="rId3"/>
-    <p:sldId id="258" r:id="rId4"/>
-    <p:sldId id="259" r:id="rId5"/>
+    <p:sldId id="499" r:id="rId2"/>
+    <p:sldId id="500" r:id="rId3"/>
+    <p:sldId id="501" r:id="rId4"/>
+    <p:sldId id="502" r:id="rId5"/>
+    <p:sldId id="503" r:id="rId6"/>
+    <p:sldId id="504" r:id="rId7"/>
+    <p:sldId id="505" r:id="rId8"/>
   </p:sldIdLst>
   <p:sldSz cx="9144000" cy="5143500" type="screen16x9"/>
   <p:notesSz cx="6858000" cy="9144000"/>
@@ -107,6 +110,22 @@
       </a:defRPr>
     </a:lvl9pPr>
   </p:defaultTextStyle>
+  <p:extLst>
+    <p:ext uri="{EFAFB233-063F-42B5-8137-9DF3F51BA10A}">
+      <p15:sldGuideLst xmlns:p15="http://schemas.microsoft.com/office/powerpoint/2012/main">
+        <p15:guide id="1" orient="horz" pos="1620">
+          <p15:clr>
+            <a:srgbClr val="A4A3A4"/>
+          </p15:clr>
+        </p15:guide>
+        <p15:guide id="2" pos="2880">
+          <p15:clr>
+            <a:srgbClr val="A4A3A4"/>
+          </p15:clr>
+        </p15:guide>
+      </p15:sldGuideLst>
+    </p:ext>
+  </p:extLst>
 </p:presentation>
 </file>
 
@@ -148,10 +167,9 @@
           <a:lstStyle/>
           <a:p>
             <a:r>
-              <a:rPr lang="zh-TW" altLang="en-US" smtClean="0"/>
+              <a:rPr lang="zh-TW" altLang="en-US"/>
               <a:t>按一下以編輯母片標題樣式</a:t>
             </a:r>
-            <a:endParaRPr lang="zh-TW" altLang="en-US"/>
           </a:p>
         </p:txBody>
       </p:sp>
@@ -267,10 +285,9 @@
           </a:lstStyle>
           <a:p>
             <a:r>
-              <a:rPr lang="zh-TW" altLang="en-US" smtClean="0"/>
+              <a:rPr lang="zh-TW" altLang="en-US"/>
               <a:t>按一下以編輯母片副標題樣式</a:t>
             </a:r>
-            <a:endParaRPr lang="zh-TW" altLang="en-US"/>
           </a:p>
         </p:txBody>
       </p:sp>
@@ -292,7 +309,7 @@
             <a:fld id="{4FF3AE62-F810-43A7-A0C3-BE00E20AE505}" type="datetimeFigureOut">
               <a:rPr lang="zh-TW" altLang="en-US" smtClean="0"/>
               <a:pPr/>
-              <a:t>2019/9/28</a:t>
+              <a:t>2024/2/24</a:t>
             </a:fld>
             <a:endParaRPr lang="zh-TW" altLang="en-US"/>
           </a:p>
@@ -382,10 +399,9 @@
           <a:lstStyle/>
           <a:p>
             <a:r>
-              <a:rPr lang="zh-TW" altLang="en-US" smtClean="0"/>
+              <a:rPr lang="zh-TW" altLang="en-US"/>
               <a:t>按一下以編輯母片標題樣式</a:t>
             </a:r>
-            <a:endParaRPr lang="zh-TW" altLang="en-US"/>
           </a:p>
         </p:txBody>
       </p:sp>
@@ -406,38 +422,37 @@
           <a:p>
             <a:pPr lvl="0"/>
             <a:r>
-              <a:rPr lang="zh-TW" altLang="en-US" smtClean="0"/>
+              <a:rPr lang="zh-TW" altLang="en-US"/>
               <a:t>按一下以編輯母片文字樣式</a:t>
             </a:r>
           </a:p>
           <a:p>
             <a:pPr lvl="1"/>
             <a:r>
-              <a:rPr lang="zh-TW" altLang="en-US" smtClean="0"/>
+              <a:rPr lang="zh-TW" altLang="en-US"/>
               <a:t>第二層</a:t>
             </a:r>
           </a:p>
           <a:p>
             <a:pPr lvl="2"/>
             <a:r>
-              <a:rPr lang="zh-TW" altLang="en-US" smtClean="0"/>
+              <a:rPr lang="zh-TW" altLang="en-US"/>
               <a:t>第三層</a:t>
             </a:r>
           </a:p>
           <a:p>
             <a:pPr lvl="3"/>
             <a:r>
-              <a:rPr lang="zh-TW" altLang="en-US" smtClean="0"/>
+              <a:rPr lang="zh-TW" altLang="en-US"/>
               <a:t>第四層</a:t>
             </a:r>
           </a:p>
           <a:p>
             <a:pPr lvl="4"/>
             <a:r>
-              <a:rPr lang="zh-TW" altLang="en-US" smtClean="0"/>
+              <a:rPr lang="zh-TW" altLang="en-US"/>
               <a:t>第五層</a:t>
             </a:r>
-            <a:endParaRPr lang="zh-TW" altLang="en-US"/>
           </a:p>
         </p:txBody>
       </p:sp>
@@ -459,7 +474,7 @@
             <a:fld id="{4FF3AE62-F810-43A7-A0C3-BE00E20AE505}" type="datetimeFigureOut">
               <a:rPr lang="zh-TW" altLang="en-US" smtClean="0"/>
               <a:pPr/>
-              <a:t>2019/9/28</a:t>
+              <a:t>2024/2/24</a:t>
             </a:fld>
             <a:endParaRPr lang="zh-TW" altLang="en-US"/>
           </a:p>
@@ -554,10 +569,9 @@
           <a:lstStyle/>
           <a:p>
             <a:r>
-              <a:rPr lang="zh-TW" altLang="en-US" smtClean="0"/>
+              <a:rPr lang="zh-TW" altLang="en-US"/>
               <a:t>按一下以編輯母片標題樣式</a:t>
             </a:r>
-            <a:endParaRPr lang="zh-TW" altLang="en-US"/>
           </a:p>
         </p:txBody>
       </p:sp>
@@ -583,38 +597,37 @@
           <a:p>
             <a:pPr lvl="0"/>
             <a:r>
-              <a:rPr lang="zh-TW" altLang="en-US" smtClean="0"/>
+              <a:rPr lang="zh-TW" altLang="en-US"/>
               <a:t>按一下以編輯母片文字樣式</a:t>
             </a:r>
           </a:p>
           <a:p>
             <a:pPr lvl="1"/>
             <a:r>
-              <a:rPr lang="zh-TW" altLang="en-US" smtClean="0"/>
+              <a:rPr lang="zh-TW" altLang="en-US"/>
               <a:t>第二層</a:t>
             </a:r>
           </a:p>
           <a:p>
             <a:pPr lvl="2"/>
             <a:r>
-              <a:rPr lang="zh-TW" altLang="en-US" smtClean="0"/>
+              <a:rPr lang="zh-TW" altLang="en-US"/>
               <a:t>第三層</a:t>
             </a:r>
           </a:p>
           <a:p>
             <a:pPr lvl="3"/>
             <a:r>
-              <a:rPr lang="zh-TW" altLang="en-US" smtClean="0"/>
+              <a:rPr lang="zh-TW" altLang="en-US"/>
               <a:t>第四層</a:t>
             </a:r>
           </a:p>
           <a:p>
             <a:pPr lvl="4"/>
             <a:r>
-              <a:rPr lang="zh-TW" altLang="en-US" smtClean="0"/>
+              <a:rPr lang="zh-TW" altLang="en-US"/>
               <a:t>第五層</a:t>
             </a:r>
-            <a:endParaRPr lang="zh-TW" altLang="en-US"/>
           </a:p>
         </p:txBody>
       </p:sp>
@@ -636,7 +649,7 @@
             <a:fld id="{4FF3AE62-F810-43A7-A0C3-BE00E20AE505}" type="datetimeFigureOut">
               <a:rPr lang="zh-TW" altLang="en-US" smtClean="0"/>
               <a:pPr/>
-              <a:t>2019/9/28</a:t>
+              <a:t>2024/2/24</a:t>
             </a:fld>
             <a:endParaRPr lang="zh-TW" altLang="en-US"/>
           </a:p>
@@ -726,10 +739,9 @@
           <a:lstStyle/>
           <a:p>
             <a:r>
-              <a:rPr lang="zh-TW" altLang="en-US" smtClean="0"/>
+              <a:rPr lang="zh-TW" altLang="en-US"/>
               <a:t>按一下以編輯母片標題樣式</a:t>
             </a:r>
-            <a:endParaRPr lang="zh-TW" altLang="en-US"/>
           </a:p>
         </p:txBody>
       </p:sp>
@@ -750,38 +762,37 @@
           <a:p>
             <a:pPr lvl="0"/>
             <a:r>
-              <a:rPr lang="zh-TW" altLang="en-US" smtClean="0"/>
+              <a:rPr lang="zh-TW" altLang="en-US"/>
               <a:t>按一下以編輯母片文字樣式</a:t>
             </a:r>
           </a:p>
           <a:p>
             <a:pPr lvl="1"/>
             <a:r>
-              <a:rPr lang="zh-TW" altLang="en-US" smtClean="0"/>
+              <a:rPr lang="zh-TW" altLang="en-US"/>
               <a:t>第二層</a:t>
             </a:r>
           </a:p>
           <a:p>
             <a:pPr lvl="2"/>
             <a:r>
-              <a:rPr lang="zh-TW" altLang="en-US" smtClean="0"/>
+              <a:rPr lang="zh-TW" altLang="en-US"/>
               <a:t>第三層</a:t>
             </a:r>
           </a:p>
           <a:p>
             <a:pPr lvl="3"/>
             <a:r>
-              <a:rPr lang="zh-TW" altLang="en-US" smtClean="0"/>
+              <a:rPr lang="zh-TW" altLang="en-US"/>
               <a:t>第四層</a:t>
             </a:r>
           </a:p>
           <a:p>
             <a:pPr lvl="4"/>
             <a:r>
-              <a:rPr lang="zh-TW" altLang="en-US" smtClean="0"/>
+              <a:rPr lang="zh-TW" altLang="en-US"/>
               <a:t>第五層</a:t>
             </a:r>
-            <a:endParaRPr lang="zh-TW" altLang="en-US"/>
           </a:p>
         </p:txBody>
       </p:sp>
@@ -803,7 +814,7 @@
             <a:fld id="{4FF3AE62-F810-43A7-A0C3-BE00E20AE505}" type="datetimeFigureOut">
               <a:rPr lang="zh-TW" altLang="en-US" smtClean="0"/>
               <a:pPr/>
-              <a:t>2019/9/28</a:t>
+              <a:t>2024/2/24</a:t>
             </a:fld>
             <a:endParaRPr lang="zh-TW" altLang="en-US"/>
           </a:p>
@@ -902,10 +913,9 @@
           </a:lstStyle>
           <a:p>
             <a:r>
-              <a:rPr lang="zh-TW" altLang="en-US" smtClean="0"/>
+              <a:rPr lang="zh-TW" altLang="en-US"/>
               <a:t>按一下以編輯母片標題樣式</a:t>
             </a:r>
-            <a:endParaRPr lang="zh-TW" altLang="en-US"/>
           </a:p>
         </p:txBody>
       </p:sp>
@@ -1022,7 +1032,7 @@
           <a:p>
             <a:pPr lvl="0"/>
             <a:r>
-              <a:rPr lang="zh-TW" altLang="en-US" smtClean="0"/>
+              <a:rPr lang="zh-TW" altLang="en-US"/>
               <a:t>按一下以編輯母片文字樣式</a:t>
             </a:r>
           </a:p>
@@ -1046,7 +1056,7 @@
             <a:fld id="{4FF3AE62-F810-43A7-A0C3-BE00E20AE505}" type="datetimeFigureOut">
               <a:rPr lang="zh-TW" altLang="en-US" smtClean="0"/>
               <a:pPr/>
-              <a:t>2019/9/28</a:t>
+              <a:t>2024/2/24</a:t>
             </a:fld>
             <a:endParaRPr lang="zh-TW" altLang="en-US"/>
           </a:p>
@@ -1136,10 +1146,9 @@
           <a:lstStyle/>
           <a:p>
             <a:r>
-              <a:rPr lang="zh-TW" altLang="en-US" smtClean="0"/>
+              <a:rPr lang="zh-TW" altLang="en-US"/>
               <a:t>按一下以編輯母片標題樣式</a:t>
             </a:r>
-            <a:endParaRPr lang="zh-TW" altLang="en-US"/>
           </a:p>
         </p:txBody>
       </p:sp>
@@ -1193,38 +1202,37 @@
           <a:p>
             <a:pPr lvl="0"/>
             <a:r>
-              <a:rPr lang="zh-TW" altLang="en-US" smtClean="0"/>
+              <a:rPr lang="zh-TW" altLang="en-US"/>
               <a:t>按一下以編輯母片文字樣式</a:t>
             </a:r>
           </a:p>
           <a:p>
             <a:pPr lvl="1"/>
             <a:r>
-              <a:rPr lang="zh-TW" altLang="en-US" smtClean="0"/>
+              <a:rPr lang="zh-TW" altLang="en-US"/>
               <a:t>第二層</a:t>
             </a:r>
           </a:p>
           <a:p>
             <a:pPr lvl="2"/>
             <a:r>
-              <a:rPr lang="zh-TW" altLang="en-US" smtClean="0"/>
+              <a:rPr lang="zh-TW" altLang="en-US"/>
               <a:t>第三層</a:t>
             </a:r>
           </a:p>
           <a:p>
             <a:pPr lvl="3"/>
             <a:r>
-              <a:rPr lang="zh-TW" altLang="en-US" smtClean="0"/>
+              <a:rPr lang="zh-TW" altLang="en-US"/>
               <a:t>第四層</a:t>
             </a:r>
           </a:p>
           <a:p>
             <a:pPr lvl="4"/>
             <a:r>
-              <a:rPr lang="zh-TW" altLang="en-US" smtClean="0"/>
+              <a:rPr lang="zh-TW" altLang="en-US"/>
               <a:t>第五層</a:t>
             </a:r>
-            <a:endParaRPr lang="zh-TW" altLang="en-US"/>
           </a:p>
         </p:txBody>
       </p:sp>
@@ -1278,38 +1286,37 @@
           <a:p>
             <a:pPr lvl="0"/>
             <a:r>
-              <a:rPr lang="zh-TW" altLang="en-US" smtClean="0"/>
+              <a:rPr lang="zh-TW" altLang="en-US"/>
               <a:t>按一下以編輯母片文字樣式</a:t>
             </a:r>
           </a:p>
           <a:p>
             <a:pPr lvl="1"/>
             <a:r>
-              <a:rPr lang="zh-TW" altLang="en-US" smtClean="0"/>
+              <a:rPr lang="zh-TW" altLang="en-US"/>
               <a:t>第二層</a:t>
             </a:r>
           </a:p>
           <a:p>
             <a:pPr lvl="2"/>
             <a:r>
-              <a:rPr lang="zh-TW" altLang="en-US" smtClean="0"/>
+              <a:rPr lang="zh-TW" altLang="en-US"/>
               <a:t>第三層</a:t>
             </a:r>
           </a:p>
           <a:p>
             <a:pPr lvl="3"/>
             <a:r>
-              <a:rPr lang="zh-TW" altLang="en-US" smtClean="0"/>
+              <a:rPr lang="zh-TW" altLang="en-US"/>
               <a:t>第四層</a:t>
             </a:r>
           </a:p>
           <a:p>
             <a:pPr lvl="4"/>
             <a:r>
-              <a:rPr lang="zh-TW" altLang="en-US" smtClean="0"/>
+              <a:rPr lang="zh-TW" altLang="en-US"/>
               <a:t>第五層</a:t>
             </a:r>
-            <a:endParaRPr lang="zh-TW" altLang="en-US"/>
           </a:p>
         </p:txBody>
       </p:sp>
@@ -1331,7 +1338,7 @@
             <a:fld id="{4FF3AE62-F810-43A7-A0C3-BE00E20AE505}" type="datetimeFigureOut">
               <a:rPr lang="zh-TW" altLang="en-US" smtClean="0"/>
               <a:pPr/>
-              <a:t>2019/9/28</a:t>
+              <a:t>2024/2/24</a:t>
             </a:fld>
             <a:endParaRPr lang="zh-TW" altLang="en-US"/>
           </a:p>
@@ -1425,10 +1432,9 @@
           </a:lstStyle>
           <a:p>
             <a:r>
-              <a:rPr lang="zh-TW" altLang="en-US" smtClean="0"/>
+              <a:rPr lang="zh-TW" altLang="en-US"/>
               <a:t>按一下以編輯母片標題樣式</a:t>
             </a:r>
-            <a:endParaRPr lang="zh-TW" altLang="en-US"/>
           </a:p>
         </p:txBody>
       </p:sp>
@@ -1491,7 +1497,7 @@
           <a:p>
             <a:pPr lvl="0"/>
             <a:r>
-              <a:rPr lang="zh-TW" altLang="en-US" smtClean="0"/>
+              <a:rPr lang="zh-TW" altLang="en-US"/>
               <a:t>按一下以編輯母片文字樣式</a:t>
             </a:r>
           </a:p>
@@ -1547,38 +1553,37 @@
           <a:p>
             <a:pPr lvl="0"/>
             <a:r>
-              <a:rPr lang="zh-TW" altLang="en-US" smtClean="0"/>
+              <a:rPr lang="zh-TW" altLang="en-US"/>
               <a:t>按一下以編輯母片文字樣式</a:t>
             </a:r>
           </a:p>
           <a:p>
             <a:pPr lvl="1"/>
             <a:r>
-              <a:rPr lang="zh-TW" altLang="en-US" smtClean="0"/>
+              <a:rPr lang="zh-TW" altLang="en-US"/>
               <a:t>第二層</a:t>
             </a:r>
           </a:p>
           <a:p>
             <a:pPr lvl="2"/>
             <a:r>
-              <a:rPr lang="zh-TW" altLang="en-US" smtClean="0"/>
+              <a:rPr lang="zh-TW" altLang="en-US"/>
               <a:t>第三層</a:t>
             </a:r>
           </a:p>
           <a:p>
             <a:pPr lvl="3"/>
             <a:r>
-              <a:rPr lang="zh-TW" altLang="en-US" smtClean="0"/>
+              <a:rPr lang="zh-TW" altLang="en-US"/>
               <a:t>第四層</a:t>
             </a:r>
           </a:p>
           <a:p>
             <a:pPr lvl="4"/>
             <a:r>
-              <a:rPr lang="zh-TW" altLang="en-US" smtClean="0"/>
+              <a:rPr lang="zh-TW" altLang="en-US"/>
               <a:t>第五層</a:t>
             </a:r>
-            <a:endParaRPr lang="zh-TW" altLang="en-US"/>
           </a:p>
         </p:txBody>
       </p:sp>
@@ -1641,7 +1646,7 @@
           <a:p>
             <a:pPr lvl="0"/>
             <a:r>
-              <a:rPr lang="zh-TW" altLang="en-US" smtClean="0"/>
+              <a:rPr lang="zh-TW" altLang="en-US"/>
               <a:t>按一下以編輯母片文字樣式</a:t>
             </a:r>
           </a:p>
@@ -1697,38 +1702,37 @@
           <a:p>
             <a:pPr lvl="0"/>
             <a:r>
-              <a:rPr lang="zh-TW" altLang="en-US" smtClean="0"/>
+              <a:rPr lang="zh-TW" altLang="en-US"/>
               <a:t>按一下以編輯母片文字樣式</a:t>
             </a:r>
           </a:p>
           <a:p>
             <a:pPr lvl="1"/>
             <a:r>
-              <a:rPr lang="zh-TW" altLang="en-US" smtClean="0"/>
+              <a:rPr lang="zh-TW" altLang="en-US"/>
               <a:t>第二層</a:t>
             </a:r>
           </a:p>
           <a:p>
             <a:pPr lvl="2"/>
             <a:r>
-              <a:rPr lang="zh-TW" altLang="en-US" smtClean="0"/>
+              <a:rPr lang="zh-TW" altLang="en-US"/>
               <a:t>第三層</a:t>
             </a:r>
           </a:p>
           <a:p>
             <a:pPr lvl="3"/>
             <a:r>
-              <a:rPr lang="zh-TW" altLang="en-US" smtClean="0"/>
+              <a:rPr lang="zh-TW" altLang="en-US"/>
               <a:t>第四層</a:t>
             </a:r>
           </a:p>
           <a:p>
             <a:pPr lvl="4"/>
             <a:r>
-              <a:rPr lang="zh-TW" altLang="en-US" smtClean="0"/>
+              <a:rPr lang="zh-TW" altLang="en-US"/>
               <a:t>第五層</a:t>
             </a:r>
-            <a:endParaRPr lang="zh-TW" altLang="en-US"/>
           </a:p>
         </p:txBody>
       </p:sp>
@@ -1750,7 +1754,7 @@
             <a:fld id="{4FF3AE62-F810-43A7-A0C3-BE00E20AE505}" type="datetimeFigureOut">
               <a:rPr lang="zh-TW" altLang="en-US" smtClean="0"/>
               <a:pPr/>
-              <a:t>2019/9/28</a:t>
+              <a:t>2024/2/24</a:t>
             </a:fld>
             <a:endParaRPr lang="zh-TW" altLang="en-US"/>
           </a:p>
@@ -1840,10 +1844,9 @@
           <a:lstStyle/>
           <a:p>
             <a:r>
-              <a:rPr lang="zh-TW" altLang="en-US" smtClean="0"/>
+              <a:rPr lang="zh-TW" altLang="en-US"/>
               <a:t>按一下以編輯母片標題樣式</a:t>
             </a:r>
-            <a:endParaRPr lang="zh-TW" altLang="en-US"/>
           </a:p>
         </p:txBody>
       </p:sp>
@@ -1865,7 +1868,7 @@
             <a:fld id="{4FF3AE62-F810-43A7-A0C3-BE00E20AE505}" type="datetimeFigureOut">
               <a:rPr lang="zh-TW" altLang="en-US" smtClean="0"/>
               <a:pPr/>
-              <a:t>2019/9/28</a:t>
+              <a:t>2024/2/24</a:t>
             </a:fld>
             <a:endParaRPr lang="zh-TW" altLang="en-US"/>
           </a:p>
@@ -1957,7 +1960,7 @@
             <a:fld id="{4FF3AE62-F810-43A7-A0C3-BE00E20AE505}" type="datetimeFigureOut">
               <a:rPr lang="zh-TW" altLang="en-US" smtClean="0"/>
               <a:pPr/>
-              <a:t>2019/9/28</a:t>
+              <a:t>2024/2/24</a:t>
             </a:fld>
             <a:endParaRPr lang="zh-TW" altLang="en-US"/>
           </a:p>
@@ -2056,10 +2059,9 @@
           </a:lstStyle>
           <a:p>
             <a:r>
-              <a:rPr lang="zh-TW" altLang="en-US" smtClean="0"/>
+              <a:rPr lang="zh-TW" altLang="en-US"/>
               <a:t>按一下以編輯母片標題樣式</a:t>
             </a:r>
-            <a:endParaRPr lang="zh-TW" altLang="en-US"/>
           </a:p>
         </p:txBody>
       </p:sp>
@@ -2113,38 +2115,37 @@
           <a:p>
             <a:pPr lvl="0"/>
             <a:r>
-              <a:rPr lang="zh-TW" altLang="en-US" smtClean="0"/>
+              <a:rPr lang="zh-TW" altLang="en-US"/>
               <a:t>按一下以編輯母片文字樣式</a:t>
             </a:r>
           </a:p>
           <a:p>
             <a:pPr lvl="1"/>
             <a:r>
-              <a:rPr lang="zh-TW" altLang="en-US" smtClean="0"/>
+              <a:rPr lang="zh-TW" altLang="en-US"/>
               <a:t>第二層</a:t>
             </a:r>
           </a:p>
           <a:p>
             <a:pPr lvl="2"/>
             <a:r>
-              <a:rPr lang="zh-TW" altLang="en-US" smtClean="0"/>
+              <a:rPr lang="zh-TW" altLang="en-US"/>
               <a:t>第三層</a:t>
             </a:r>
           </a:p>
           <a:p>
             <a:pPr lvl="3"/>
             <a:r>
-              <a:rPr lang="zh-TW" altLang="en-US" smtClean="0"/>
+              <a:rPr lang="zh-TW" altLang="en-US"/>
               <a:t>第四層</a:t>
             </a:r>
           </a:p>
           <a:p>
             <a:pPr lvl="4"/>
             <a:r>
-              <a:rPr lang="zh-TW" altLang="en-US" smtClean="0"/>
+              <a:rPr lang="zh-TW" altLang="en-US"/>
               <a:t>第五層</a:t>
             </a:r>
-            <a:endParaRPr lang="zh-TW" altLang="en-US"/>
           </a:p>
         </p:txBody>
       </p:sp>
@@ -2207,7 +2208,7 @@
           <a:p>
             <a:pPr lvl="0"/>
             <a:r>
-              <a:rPr lang="zh-TW" altLang="en-US" smtClean="0"/>
+              <a:rPr lang="zh-TW" altLang="en-US"/>
               <a:t>按一下以編輯母片文字樣式</a:t>
             </a:r>
           </a:p>
@@ -2231,7 +2232,7 @@
             <a:fld id="{4FF3AE62-F810-43A7-A0C3-BE00E20AE505}" type="datetimeFigureOut">
               <a:rPr lang="zh-TW" altLang="en-US" smtClean="0"/>
               <a:pPr/>
-              <a:t>2019/9/28</a:t>
+              <a:t>2024/2/24</a:t>
             </a:fld>
             <a:endParaRPr lang="zh-TW" altLang="en-US"/>
           </a:p>
@@ -2330,10 +2331,9 @@
           </a:lstStyle>
           <a:p>
             <a:r>
-              <a:rPr lang="zh-TW" altLang="en-US" smtClean="0"/>
+              <a:rPr lang="zh-TW" altLang="en-US"/>
               <a:t>按一下以編輯母片標題樣式</a:t>
             </a:r>
-            <a:endParaRPr lang="zh-TW" altLang="en-US"/>
           </a:p>
         </p:txBody>
       </p:sp>
@@ -2395,10 +2395,9 @@
           </a:lstStyle>
           <a:p>
             <a:r>
-              <a:rPr lang="zh-TW" altLang="en-US" smtClean="0"/>
+              <a:rPr lang="zh-TW" altLang="en-US"/>
               <a:t>按一下圖示以新增圖片</a:t>
             </a:r>
-            <a:endParaRPr lang="zh-TW" altLang="en-US"/>
           </a:p>
         </p:txBody>
       </p:sp>
@@ -2461,7 +2460,7 @@
           <a:p>
             <a:pPr lvl="0"/>
             <a:r>
-              <a:rPr lang="zh-TW" altLang="en-US" smtClean="0"/>
+              <a:rPr lang="zh-TW" altLang="en-US"/>
               <a:t>按一下以編輯母片文字樣式</a:t>
             </a:r>
           </a:p>
@@ -2485,7 +2484,7 @@
             <a:fld id="{4FF3AE62-F810-43A7-A0C3-BE00E20AE505}" type="datetimeFigureOut">
               <a:rPr lang="zh-TW" altLang="en-US" smtClean="0"/>
               <a:pPr/>
-              <a:t>2019/9/28</a:t>
+              <a:t>2024/2/24</a:t>
             </a:fld>
             <a:endParaRPr lang="zh-TW" altLang="en-US"/>
           </a:p>
@@ -2595,10 +2594,9 @@
           <a:lstStyle/>
           <a:p>
             <a:r>
-              <a:rPr lang="zh-TW" altLang="en-US" smtClean="0"/>
+              <a:rPr lang="zh-TW" altLang="en-US"/>
               <a:t>按一下以編輯母片標題樣式</a:t>
             </a:r>
-            <a:endParaRPr lang="zh-TW" altLang="en-US"/>
           </a:p>
         </p:txBody>
       </p:sp>
@@ -2629,38 +2627,37 @@
           <a:p>
             <a:pPr lvl="0"/>
             <a:r>
-              <a:rPr lang="zh-TW" altLang="en-US" smtClean="0"/>
+              <a:rPr lang="zh-TW" altLang="en-US"/>
               <a:t>按一下以編輯母片文字樣式</a:t>
             </a:r>
           </a:p>
           <a:p>
             <a:pPr lvl="1"/>
             <a:r>
-              <a:rPr lang="zh-TW" altLang="en-US" smtClean="0"/>
+              <a:rPr lang="zh-TW" altLang="en-US"/>
               <a:t>第二層</a:t>
             </a:r>
           </a:p>
           <a:p>
             <a:pPr lvl="2"/>
             <a:r>
-              <a:rPr lang="zh-TW" altLang="en-US" smtClean="0"/>
+              <a:rPr lang="zh-TW" altLang="en-US"/>
               <a:t>第三層</a:t>
             </a:r>
           </a:p>
           <a:p>
             <a:pPr lvl="3"/>
             <a:r>
-              <a:rPr lang="zh-TW" altLang="en-US" smtClean="0"/>
+              <a:rPr lang="zh-TW" altLang="en-US"/>
               <a:t>第四層</a:t>
             </a:r>
           </a:p>
           <a:p>
             <a:pPr lvl="4"/>
             <a:r>
-              <a:rPr lang="zh-TW" altLang="en-US" smtClean="0"/>
+              <a:rPr lang="zh-TW" altLang="en-US"/>
               <a:t>第五層</a:t>
             </a:r>
-            <a:endParaRPr lang="zh-TW" altLang="en-US"/>
           </a:p>
         </p:txBody>
       </p:sp>
@@ -2700,7 +2697,7 @@
             <a:fld id="{4FF3AE62-F810-43A7-A0C3-BE00E20AE505}" type="datetimeFigureOut">
               <a:rPr lang="zh-TW" altLang="en-US" smtClean="0"/>
               <a:pPr/>
-              <a:t>2019/9/28</a:t>
+              <a:t>2024/2/24</a:t>
             </a:fld>
             <a:endParaRPr lang="zh-TW" altLang="en-US"/>
           </a:p>
@@ -3073,7 +3070,7 @@
       </p:grpSpPr>
       <p:sp>
         <p:nvSpPr>
-          <p:cNvPr id="2" name="標題 1"/>
+          <p:cNvPr id="4" name="標題 3"/>
           <p:cNvSpPr>
             <a:spLocks noGrp="1"/>
           </p:cNvSpPr>
@@ -3081,159 +3078,46 @@
             <p:ph type="title"/>
           </p:nvPr>
         </p:nvSpPr>
-        <p:spPr/>
+        <p:spPr>
+          <a:xfrm>
+            <a:off x="0" y="1995686"/>
+            <a:ext cx="9144000" cy="857250"/>
+          </a:xfrm>
+        </p:spPr>
         <p:txBody>
           <a:bodyPr>
-            <a:normAutofit/>
+            <a:noAutofit/>
           </a:bodyPr>
           <a:lstStyle/>
           <a:p>
             <a:r>
-              <a:rPr lang="zh-CN" altLang="en-US" sz="4000" b="1" cap="all" dirty="0">
+              <a:rPr lang="zh-CN" altLang="en-US" sz="5400" b="1" i="1" dirty="0">
+                <a:solidFill>
+                  <a:srgbClr val="000066"/>
+                </a:solidFill>
+                <a:effectLst>
+                  <a:outerShdw blurRad="38100" dist="38100" dir="2700000" algn="tl">
+                    <a:srgbClr val="000000">
+                      <a:alpha val="43137"/>
+                    </a:srgbClr>
+                  </a:outerShdw>
+                </a:effectLst>
                 <a:latin typeface="微軟正黑體" pitchFamily="34" charset="-120"/>
                 <a:ea typeface="微軟正黑體" pitchFamily="34" charset="-120"/>
               </a:rPr>
-              <a:t>因主的</a:t>
-            </a:r>
-            <a:r>
-              <a:rPr lang="zh-CN" altLang="en-US" sz="4000" b="1" cap="all" dirty="0" smtClean="0">
-                <a:latin typeface="微軟正黑體" pitchFamily="34" charset="-120"/>
-                <a:ea typeface="微軟正黑體" pitchFamily="34" charset="-120"/>
-              </a:rPr>
-              <a:t>名</a:t>
-            </a:r>
-            <a:endParaRPr lang="zh-TW" altLang="en-US" sz="4000" dirty="0">
-              <a:latin typeface="微軟正黑體" pitchFamily="34" charset="-120"/>
-              <a:ea typeface="微軟正黑體" pitchFamily="34" charset="-120"/>
-            </a:endParaRPr>
-          </a:p>
-        </p:txBody>
-      </p:sp>
-      <p:sp>
-        <p:nvSpPr>
-          <p:cNvPr id="3" name="內容版面配置區 2"/>
-          <p:cNvSpPr>
-            <a:spLocks noGrp="1"/>
-          </p:cNvSpPr>
-          <p:nvPr>
-            <p:ph idx="1"/>
-          </p:nvPr>
-        </p:nvSpPr>
-        <p:spPr/>
-        <p:txBody>
-          <a:bodyPr anchor="ctr">
-            <a:noAutofit/>
-          </a:bodyPr>
-          <a:lstStyle/>
-          <a:p>
-            <a:pPr algn="ctr">
-              <a:buNone/>
-            </a:pPr>
-            <a:r>
-              <a:rPr lang="zh-CN" altLang="en-US" sz="4800" b="1" cap="all" dirty="0" smtClean="0">
-                <a:latin typeface="微軟正黑體" pitchFamily="34" charset="-120"/>
-                <a:ea typeface="微軟正黑體" pitchFamily="34" charset="-120"/>
-              </a:rPr>
-              <a:t>造物主今</a:t>
-            </a:r>
-            <a:r>
-              <a:rPr lang="zh-CN" altLang="en-US" sz="4800" b="1" cap="all" dirty="0">
-                <a:latin typeface="微軟正黑體" pitchFamily="34" charset="-120"/>
-                <a:ea typeface="微軟正黑體" pitchFamily="34" charset="-120"/>
-              </a:rPr>
-              <a:t>高唱祢</a:t>
-            </a:r>
-            <a:r>
-              <a:rPr lang="zh-CN" altLang="en-US" sz="4800" b="1" cap="all" dirty="0" smtClean="0">
-                <a:latin typeface="微軟正黑體" pitchFamily="34" charset="-120"/>
-                <a:ea typeface="微軟正黑體" pitchFamily="34" charset="-120"/>
-              </a:rPr>
-              <a:t>名字</a:t>
-            </a:r>
-            <a:endParaRPr lang="en-US" altLang="zh-CN" sz="4800" b="1" cap="all" dirty="0" smtClean="0">
-              <a:latin typeface="微軟正黑體" pitchFamily="34" charset="-120"/>
-              <a:ea typeface="微軟正黑體" pitchFamily="34" charset="-120"/>
-            </a:endParaRPr>
-          </a:p>
-          <a:p>
-            <a:pPr algn="ctr">
-              <a:buNone/>
-            </a:pPr>
-            <a:r>
-              <a:rPr lang="zh-TW" altLang="en-US" sz="4800" b="1" cap="all" dirty="0" smtClean="0">
-                <a:latin typeface="微軟正黑體" pitchFamily="34" charset="-120"/>
-                <a:ea typeface="微軟正黑體" pitchFamily="34" charset="-120"/>
-              </a:rPr>
-              <a:t>和平之君</a:t>
-            </a:r>
-            <a:r>
-              <a:rPr lang="zh-CN" altLang="en-US" sz="4800" b="1" cap="all" dirty="0" smtClean="0">
-                <a:latin typeface="微軟正黑體" pitchFamily="34" charset="-120"/>
-                <a:ea typeface="微軟正黑體" pitchFamily="34" charset="-120"/>
-              </a:rPr>
-              <a:t>得勝者</a:t>
-            </a:r>
-            <a:endParaRPr lang="en-US" altLang="zh-CN" sz="4800" b="1" cap="all" dirty="0" smtClean="0">
-              <a:latin typeface="微軟正黑體" pitchFamily="34" charset="-120"/>
-              <a:ea typeface="微軟正黑體" pitchFamily="34" charset="-120"/>
-            </a:endParaRPr>
-          </a:p>
-          <a:p>
-            <a:pPr algn="ctr">
-              <a:buNone/>
-            </a:pPr>
-            <a:r>
-              <a:rPr lang="zh-CN" altLang="en-US" sz="4800" b="1" cap="all" dirty="0" smtClean="0">
-                <a:latin typeface="微軟正黑體" pitchFamily="34" charset="-120"/>
-                <a:ea typeface="微軟正黑體" pitchFamily="34" charset="-120"/>
-              </a:rPr>
-              <a:t>地上</a:t>
-            </a:r>
-            <a:r>
-              <a:rPr lang="zh-CN" altLang="en-US" sz="4800" b="1" cap="all" dirty="0">
-                <a:latin typeface="微軟正黑體" pitchFamily="34" charset="-120"/>
-                <a:ea typeface="微軟正黑體" pitchFamily="34" charset="-120"/>
-              </a:rPr>
-              <a:t>古今的</a:t>
-            </a:r>
-            <a:r>
-              <a:rPr lang="zh-CN" altLang="en-US" sz="4800" b="1" cap="all" dirty="0" smtClean="0">
-                <a:latin typeface="微軟正黑體" pitchFamily="34" charset="-120"/>
-                <a:ea typeface="微軟正黑體" pitchFamily="34" charset="-120"/>
-              </a:rPr>
-              <a:t>君王</a:t>
-            </a:r>
-            <a:endParaRPr lang="en-US" altLang="zh-CN" sz="4800" b="1" cap="all" dirty="0" smtClean="0">
-              <a:latin typeface="微軟正黑體" pitchFamily="34" charset="-120"/>
-              <a:ea typeface="微軟正黑體" pitchFamily="34" charset="-120"/>
-            </a:endParaRPr>
-          </a:p>
-          <a:p>
-            <a:pPr algn="ctr">
-              <a:buNone/>
-            </a:pPr>
-            <a:r>
-              <a:rPr lang="zh-CN" altLang="en-US" sz="4800" b="1" cap="all" dirty="0" smtClean="0">
-                <a:latin typeface="微軟正黑體" pitchFamily="34" charset="-120"/>
-                <a:ea typeface="微軟正黑體" pitchFamily="34" charset="-120"/>
-              </a:rPr>
-              <a:t>也</a:t>
-            </a:r>
-            <a:r>
-              <a:rPr lang="zh-CN" altLang="en-US" sz="4800" b="1" cap="all" dirty="0">
-                <a:latin typeface="微軟正黑體" pitchFamily="34" charset="-120"/>
-                <a:ea typeface="微軟正黑體" pitchFamily="34" charset="-120"/>
-              </a:rPr>
-              <a:t>折服於祢</a:t>
-            </a:r>
-            <a:r>
-              <a:rPr lang="zh-CN" altLang="en-US" sz="4800" b="1" cap="all" dirty="0" smtClean="0">
-                <a:latin typeface="微軟正黑體" pitchFamily="34" charset="-120"/>
-                <a:ea typeface="微軟正黑體" pitchFamily="34" charset="-120"/>
-              </a:rPr>
-              <a:t>面前</a:t>
-            </a:r>
-            <a:endParaRPr lang="zh-TW" altLang="en-US" sz="4800" b="1" cap="all" dirty="0">
+              <a:t>因主的名</a:t>
+            </a:r>
+            <a:endParaRPr lang="zh-TW" altLang="en-US" sz="5400" b="1" i="1" dirty="0">
+              <a:solidFill>
+                <a:srgbClr val="000066"/>
+              </a:solidFill>
+              <a:effectLst>
+                <a:outerShdw blurRad="38100" dist="38100" dir="2700000" algn="tl">
+                  <a:srgbClr val="000000">
+                    <a:alpha val="43137"/>
+                  </a:srgbClr>
+                </a:outerShdw>
+              </a:effectLst>
               <a:latin typeface="微軟正黑體" pitchFamily="34" charset="-120"/>
               <a:ea typeface="微軟正黑體" pitchFamily="34" charset="-120"/>
             </a:endParaRPr>
@@ -3245,13 +3129,6 @@
   <p:clrMapOvr>
     <a:masterClrMapping/>
   </p:clrMapOvr>
-  <p:timing>
-    <p:tnLst>
-      <p:par>
-        <p:cTn id="1" dur="indefinite" restart="never" nodeType="tmRoot"/>
-      </p:par>
-    </p:tnLst>
-  </p:timing>
 </p:sld>
 </file>
 
@@ -3274,36 +3151,75 @@
       </p:grpSpPr>
       <p:sp>
         <p:nvSpPr>
-          <p:cNvPr id="2" name="標題 1"/>
-          <p:cNvSpPr>
-            <a:spLocks noGrp="1"/>
-          </p:cNvSpPr>
-          <p:nvPr>
-            <p:ph type="title"/>
-          </p:nvPr>
-        </p:nvSpPr>
-        <p:spPr/>
-        <p:txBody>
-          <a:bodyPr>
+          <p:cNvPr id="5" name="內容版面配置區 4"/>
+          <p:cNvSpPr>
+            <a:spLocks noGrp="1"/>
+          </p:cNvSpPr>
+          <p:nvPr>
+            <p:ph idx="1"/>
+          </p:nvPr>
+        </p:nvSpPr>
+        <p:spPr>
+          <a:xfrm>
+            <a:off x="0" y="1563638"/>
+            <a:ext cx="9144000" cy="1803647"/>
+          </a:xfrm>
+        </p:spPr>
+        <p:txBody>
+          <a:bodyPr anchor="ctr">
             <a:normAutofit/>
           </a:bodyPr>
           <a:lstStyle/>
           <a:p>
-            <a:r>
-              <a:rPr lang="zh-CN" altLang="en-US" sz="4000" b="1" cap="all" dirty="0">
+            <a:pPr algn="ctr">
+              <a:buNone/>
+            </a:pPr>
+            <a:r>
+              <a:rPr lang="zh-CN" altLang="en-US" sz="4800" b="1" dirty="0">
+                <a:solidFill>
+                  <a:srgbClr val="000066"/>
+                </a:solidFill>
                 <a:latin typeface="微軟正黑體" pitchFamily="34" charset="-120"/>
                 <a:ea typeface="微軟正黑體" pitchFamily="34" charset="-120"/>
               </a:rPr>
-              <a:t>因主的</a:t>
-            </a:r>
-            <a:r>
-              <a:rPr lang="zh-CN" altLang="en-US" sz="4000" b="1" cap="all" dirty="0">
+              <a:t>造物主今高唱祢名字</a:t>
+            </a:r>
+            <a:endParaRPr lang="en-US" altLang="zh-CN" sz="4800" b="1" dirty="0">
+              <a:solidFill>
+                <a:srgbClr val="000066"/>
+              </a:solidFill>
+              <a:latin typeface="微軟正黑體" pitchFamily="34" charset="-120"/>
+              <a:ea typeface="微軟正黑體" pitchFamily="34" charset="-120"/>
+            </a:endParaRPr>
+          </a:p>
+          <a:p>
+            <a:pPr algn="ctr">
+              <a:buNone/>
+            </a:pPr>
+            <a:r>
+              <a:rPr lang="zh-TW" altLang="en-US" sz="4800" b="1" dirty="0">
+                <a:solidFill>
+                  <a:srgbClr val="000066"/>
+                </a:solidFill>
                 <a:latin typeface="微軟正黑體" pitchFamily="34" charset="-120"/>
                 <a:ea typeface="微軟正黑體" pitchFamily="34" charset="-120"/>
               </a:rPr>
-              <a:t>名</a:t>
-            </a:r>
-            <a:endParaRPr lang="zh-TW" altLang="en-US" sz="4000" b="1" cap="all" dirty="0">
+              <a:t>和平之君</a:t>
+            </a:r>
+            <a:r>
+              <a:rPr lang="zh-CN" altLang="en-US" sz="4800" b="1" dirty="0">
+                <a:solidFill>
+                  <a:srgbClr val="000066"/>
+                </a:solidFill>
+                <a:latin typeface="微軟正黑體" pitchFamily="34" charset="-120"/>
+                <a:ea typeface="微軟正黑體" pitchFamily="34" charset="-120"/>
+              </a:rPr>
+              <a:t>得勝者</a:t>
+            </a:r>
+            <a:endParaRPr lang="en-US" altLang="zh-CN" sz="4800" b="1" dirty="0">
+              <a:solidFill>
+                <a:srgbClr val="000066"/>
+              </a:solidFill>
               <a:latin typeface="微軟正黑體" pitchFamily="34" charset="-120"/>
               <a:ea typeface="微軟正黑體" pitchFamily="34" charset="-120"/>
             </a:endParaRPr>
@@ -3312,145 +3228,62 @@
       </p:sp>
       <p:sp>
         <p:nvSpPr>
-          <p:cNvPr id="3" name="內容版面配置區 2"/>
-          <p:cNvSpPr>
-            <a:spLocks noGrp="1"/>
-          </p:cNvSpPr>
-          <p:nvPr>
-            <p:ph idx="1"/>
-          </p:nvPr>
-        </p:nvSpPr>
-        <p:spPr/>
-        <p:txBody>
-          <a:bodyPr anchor="ctr">
-            <a:noAutofit/>
+          <p:cNvPr id="3" name="TextBox 2"/>
+          <p:cNvSpPr txBox="1"/>
+          <p:nvPr/>
+        </p:nvSpPr>
+        <p:spPr>
+          <a:xfrm>
+            <a:off x="0" y="3867894"/>
+            <a:ext cx="9144000" cy="523220"/>
+          </a:xfrm>
+          <a:prstGeom prst="rect">
+            <a:avLst/>
+          </a:prstGeom>
+          <a:noFill/>
+        </p:spPr>
+        <p:txBody>
+          <a:bodyPr wrap="square" rtlCol="0">
+            <a:spAutoFit/>
           </a:bodyPr>
           <a:lstStyle/>
           <a:p>
-            <a:pPr algn="ctr">
-              <a:buNone/>
-            </a:pPr>
-            <a:r>
-              <a:rPr lang="zh-TW" altLang="en-US" sz="4800" b="1" cap="all" dirty="0">
-                <a:latin typeface="微軟正黑體" pitchFamily="34" charset="-120"/>
-                <a:ea typeface="微軟正黑體" pitchFamily="34" charset="-120"/>
+            <a:pPr algn="ctr"/>
+            <a:r>
+              <a:rPr lang="en-US" sz="2800" b="1" dirty="0">
+                <a:solidFill>
+                  <a:srgbClr val="000066"/>
+                </a:solidFill>
+                <a:latin typeface="Microsoft JhengHei" panose="020B0604030504040204" pitchFamily="34" charset="-120"/>
+                <a:ea typeface="Microsoft JhengHei" panose="020B0604030504040204" pitchFamily="34" charset="-120"/>
               </a:rPr>
-              <a:t>造物主今</a:t>
-            </a:r>
-            <a:r>
-              <a:rPr lang="zh-TW" altLang="en-US" sz="4800" b="1" cap="all" dirty="0">
-                <a:latin typeface="微軟正黑體" pitchFamily="34" charset="-120"/>
-                <a:ea typeface="微軟正黑體" pitchFamily="34" charset="-120"/>
+              <a:t>( </a:t>
+            </a:r>
+            <a:r>
+              <a:rPr lang="zh-CN" altLang="en-US" sz="2800" b="1" dirty="0">
+                <a:solidFill>
+                  <a:srgbClr val="000066"/>
+                </a:solidFill>
+                <a:latin typeface="Microsoft JhengHei" panose="020B0604030504040204" pitchFamily="34" charset="-120"/>
+                <a:ea typeface="Microsoft JhengHei" panose="020B0604030504040204" pitchFamily="34" charset="-120"/>
               </a:rPr>
-              <a:t>高唱祢</a:t>
-            </a:r>
-            <a:r>
-              <a:rPr lang="zh-TW" altLang="en-US" sz="4800" b="1" cap="all" dirty="0">
-                <a:latin typeface="微軟正黑體" pitchFamily="34" charset="-120"/>
-                <a:ea typeface="微軟正黑體" pitchFamily="34" charset="-120"/>
+              <a:t>正歌</a:t>
+            </a:r>
+            <a:r>
+              <a:rPr lang="en-US" sz="2800" b="1" dirty="0">
+                <a:solidFill>
+                  <a:srgbClr val="000066"/>
+                </a:solidFill>
+                <a:latin typeface="Microsoft JhengHei" panose="020B0604030504040204" pitchFamily="34" charset="-120"/>
+                <a:ea typeface="Microsoft JhengHei" panose="020B0604030504040204" pitchFamily="34" charset="-120"/>
               </a:rPr>
-              <a:t>名字</a:t>
-            </a:r>
-            <a:endParaRPr lang="en-US" altLang="zh-TW" sz="4800" b="1" cap="all" dirty="0">
-              <a:latin typeface="微軟正黑體" pitchFamily="34" charset="-120"/>
-              <a:ea typeface="微軟正黑體" pitchFamily="34" charset="-120"/>
-            </a:endParaRPr>
-          </a:p>
-          <a:p>
-            <a:pPr algn="ctr">
-              <a:buNone/>
-            </a:pPr>
-            <a:r>
-              <a:rPr lang="zh-CN" altLang="en-US" sz="4800" b="1" cap="all" dirty="0">
-                <a:latin typeface="微軟正黑體" pitchFamily="34" charset="-120"/>
-                <a:ea typeface="微軟正黑體" pitchFamily="34" charset="-120"/>
-              </a:rPr>
-              <a:t>全能</a:t>
-            </a:r>
-            <a:r>
-              <a:rPr lang="zh-TW" altLang="en-US" sz="4800" b="1" cap="all" dirty="0">
-                <a:latin typeface="微軟正黑體" pitchFamily="34" charset="-120"/>
-                <a:ea typeface="微軟正黑體" pitchFamily="34" charset="-120"/>
-              </a:rPr>
-              <a:t>之</a:t>
-            </a:r>
-            <a:r>
-              <a:rPr lang="zh-CN" altLang="en-US" sz="4800" b="1" cap="all" dirty="0">
-                <a:latin typeface="微軟正黑體" pitchFamily="34" charset="-120"/>
-                <a:ea typeface="微軟正黑體" pitchFamily="34" charset="-120"/>
-              </a:rPr>
-              <a:t>主</a:t>
-            </a:r>
-            <a:r>
-              <a:rPr lang="zh-TW" altLang="en-US" sz="4800" b="1" cap="all" dirty="0">
-                <a:latin typeface="微軟正黑體" pitchFamily="34" charset="-120"/>
-                <a:ea typeface="微軟正黑體" pitchFamily="34" charset="-120"/>
-              </a:rPr>
-              <a:t>安慰者</a:t>
-            </a:r>
-            <a:endParaRPr lang="en-US" altLang="zh-TW" sz="4800" b="1" cap="all" dirty="0">
-              <a:latin typeface="微軟正黑體" pitchFamily="34" charset="-120"/>
-              <a:ea typeface="微軟正黑體" pitchFamily="34" charset="-120"/>
-            </a:endParaRPr>
-          </a:p>
-          <a:p>
-            <a:pPr algn="ctr">
-              <a:buNone/>
-            </a:pPr>
-            <a:r>
-              <a:rPr lang="zh-TW" altLang="en-US" sz="4800" b="1" cap="all" dirty="0">
-                <a:latin typeface="微軟正黑體" pitchFamily="34" charset="-120"/>
-                <a:ea typeface="微軟正黑體" pitchFamily="34" charset="-120"/>
-              </a:rPr>
-              <a:t>全</a:t>
-            </a:r>
-            <a:r>
-              <a:rPr lang="zh-TW" altLang="en-US" sz="4800" b="1" cap="all" dirty="0">
-                <a:latin typeface="微軟正黑體" pitchFamily="34" charset="-120"/>
-                <a:ea typeface="微軟正黑體" pitchFamily="34" charset="-120"/>
-              </a:rPr>
-              <a:t>憑主恩典</a:t>
-            </a:r>
-            <a:r>
-              <a:rPr lang="zh-TW" altLang="en-US" sz="4800" b="1" cap="all" dirty="0">
-                <a:latin typeface="微軟正黑體" pitchFamily="34" charset="-120"/>
-                <a:ea typeface="微軟正黑體" pitchFamily="34" charset="-120"/>
-              </a:rPr>
-              <a:t>憐憫</a:t>
-            </a:r>
-            <a:endParaRPr lang="en-US" altLang="zh-TW" sz="4800" b="1" cap="all" dirty="0">
-              <a:latin typeface="微軟正黑體" pitchFamily="34" charset="-120"/>
-              <a:ea typeface="微軟正黑體" pitchFamily="34" charset="-120"/>
-            </a:endParaRPr>
-          </a:p>
-          <a:p>
-            <a:pPr algn="ctr">
-              <a:buNone/>
-            </a:pPr>
-            <a:r>
-              <a:rPr lang="zh-TW" altLang="en-US" sz="4800" b="1" cap="all" dirty="0">
-                <a:latin typeface="微軟正黑體" pitchFamily="34" charset="-120"/>
-                <a:ea typeface="微軟正黑體" pitchFamily="34" charset="-120"/>
-              </a:rPr>
-              <a:t>令</a:t>
-            </a:r>
-            <a:r>
-              <a:rPr lang="zh-TW" altLang="en-US" sz="4800" b="1" cap="all" dirty="0">
-                <a:latin typeface="微軟正黑體" pitchFamily="34" charset="-120"/>
-                <a:ea typeface="微軟正黑體" pitchFamily="34" charset="-120"/>
-              </a:rPr>
-              <a:t>我滿心</a:t>
-            </a:r>
-            <a:r>
-              <a:rPr lang="zh-TW" altLang="en-US" sz="4800" b="1" cap="all" dirty="0">
-                <a:latin typeface="微軟正黑體" pitchFamily="34" charset="-120"/>
-                <a:ea typeface="微軟正黑體" pitchFamily="34" charset="-120"/>
-              </a:rPr>
-              <a:t>溫暖</a:t>
-            </a:r>
-            <a:endParaRPr lang="zh-TW" altLang="en-US" sz="4800" b="1" cap="all" dirty="0">
-              <a:latin typeface="微軟正黑體" pitchFamily="34" charset="-120"/>
-              <a:ea typeface="微軟正黑體" pitchFamily="34" charset="-120"/>
+              <a:t> )</a:t>
+            </a:r>
+            <a:endParaRPr lang="vi-VN" sz="2800" b="1" dirty="0">
+              <a:solidFill>
+                <a:srgbClr val="000066"/>
+              </a:solidFill>
+              <a:ea typeface="Microsoft JhengHei" panose="020B0604030504040204" pitchFamily="34" charset="-120"/>
             </a:endParaRPr>
           </a:p>
         </p:txBody>
@@ -3460,13 +3293,6 @@
   <p:clrMapOvr>
     <a:masterClrMapping/>
   </p:clrMapOvr>
-  <p:timing>
-    <p:tnLst>
-      <p:par>
-        <p:cTn id="1" dur="indefinite" restart="never" nodeType="tmRoot"/>
-      </p:par>
-    </p:tnLst>
-  </p:timing>
 </p:sld>
 </file>
 
@@ -3475,7 +3301,13 @@
   <p:cSld>
     <p:spTree>
       <p:nvGrpSpPr>
-        <p:cNvPr id="1" name=""/>
+        <p:cNvPr id="1" name="">
+          <a:extLst>
+            <a:ext uri="{FF2B5EF4-FFF2-40B4-BE49-F238E27FC236}">
+              <a16:creationId xmlns:a16="http://schemas.microsoft.com/office/drawing/2014/main" id="{23A4605F-0BB3-014A-08A8-A8BA979FB826}"/>
+            </a:ext>
+          </a:extLst>
+        </p:cNvPr>
         <p:cNvGrpSpPr/>
         <p:nvPr/>
       </p:nvGrpSpPr>
@@ -3489,36 +3321,71 @@
       </p:grpSpPr>
       <p:sp>
         <p:nvSpPr>
-          <p:cNvPr id="2" name="標題 1"/>
-          <p:cNvSpPr>
-            <a:spLocks noGrp="1"/>
-          </p:cNvSpPr>
-          <p:nvPr>
-            <p:ph type="title"/>
-          </p:nvPr>
-        </p:nvSpPr>
-        <p:spPr/>
-        <p:txBody>
-          <a:bodyPr>
+          <p:cNvPr id="5" name="內容版面配置區 4">
+            <a:extLst>
+              <a:ext uri="{FF2B5EF4-FFF2-40B4-BE49-F238E27FC236}">
+                <a16:creationId xmlns:a16="http://schemas.microsoft.com/office/drawing/2014/main" id="{C263792B-C31A-04CA-0C92-29FF3EFC63ED}"/>
+              </a:ext>
+            </a:extLst>
+          </p:cNvPr>
+          <p:cNvSpPr>
+            <a:spLocks noGrp="1"/>
+          </p:cNvSpPr>
+          <p:nvPr>
+            <p:ph idx="1"/>
+          </p:nvPr>
+        </p:nvSpPr>
+        <p:spPr>
+          <a:xfrm>
+            <a:off x="0" y="1563638"/>
+            <a:ext cx="9144000" cy="1803647"/>
+          </a:xfrm>
+        </p:spPr>
+        <p:txBody>
+          <a:bodyPr anchor="ctr">
             <a:normAutofit/>
           </a:bodyPr>
           <a:lstStyle/>
           <a:p>
-            <a:r>
-              <a:rPr lang="zh-CN" altLang="en-US" sz="4000" b="1" cap="all" dirty="0">
+            <a:pPr algn="ctr">
+              <a:buNone/>
+            </a:pPr>
+            <a:r>
+              <a:rPr lang="zh-CN" altLang="en-US" sz="4800" b="1" dirty="0">
+                <a:solidFill>
+                  <a:srgbClr val="000066"/>
+                </a:solidFill>
                 <a:latin typeface="微軟正黑體" pitchFamily="34" charset="-120"/>
                 <a:ea typeface="微軟正黑體" pitchFamily="34" charset="-120"/>
               </a:rPr>
-              <a:t>因主的</a:t>
-            </a:r>
-            <a:r>
-              <a:rPr lang="zh-CN" altLang="en-US" sz="4000" b="1" cap="all" dirty="0">
+              <a:t>地上古今的君王</a:t>
+            </a:r>
+            <a:endParaRPr lang="en-US" altLang="zh-CN" sz="4800" b="1" dirty="0">
+              <a:solidFill>
+                <a:srgbClr val="000066"/>
+              </a:solidFill>
+              <a:latin typeface="微軟正黑體" pitchFamily="34" charset="-120"/>
+              <a:ea typeface="微軟正黑體" pitchFamily="34" charset="-120"/>
+            </a:endParaRPr>
+          </a:p>
+          <a:p>
+            <a:pPr algn="ctr">
+              <a:buNone/>
+            </a:pPr>
+            <a:r>
+              <a:rPr lang="zh-CN" altLang="en-US" sz="4800" b="1" dirty="0">
+                <a:solidFill>
+                  <a:srgbClr val="000066"/>
+                </a:solidFill>
                 <a:latin typeface="微軟正黑體" pitchFamily="34" charset="-120"/>
                 <a:ea typeface="微軟正黑體" pitchFamily="34" charset="-120"/>
               </a:rPr>
-              <a:t>名</a:t>
-            </a:r>
-            <a:endParaRPr lang="zh-TW" altLang="en-US" sz="4000" b="1" cap="all" dirty="0">
+              <a:t>也折服於祢面前</a:t>
+            </a:r>
+            <a:endParaRPr lang="zh-TW" altLang="en-US" sz="4800" b="1" dirty="0">
+              <a:solidFill>
+                <a:srgbClr val="000066"/>
+              </a:solidFill>
               <a:latin typeface="微軟正黑體" pitchFamily="34" charset="-120"/>
               <a:ea typeface="微軟正黑體" pitchFamily="34" charset="-120"/>
             </a:endParaRPr>
@@ -3527,147 +3394,82 @@
       </p:sp>
       <p:sp>
         <p:nvSpPr>
-          <p:cNvPr id="3" name="內容版面配置區 2"/>
-          <p:cNvSpPr>
-            <a:spLocks noGrp="1"/>
-          </p:cNvSpPr>
-          <p:nvPr>
-            <p:ph idx="1"/>
-          </p:nvPr>
-        </p:nvSpPr>
-        <p:spPr/>
-        <p:txBody>
-          <a:bodyPr anchor="ctr">
-            <a:noAutofit/>
+          <p:cNvPr id="3" name="TextBox 2">
+            <a:extLst>
+              <a:ext uri="{FF2B5EF4-FFF2-40B4-BE49-F238E27FC236}">
+                <a16:creationId xmlns:a16="http://schemas.microsoft.com/office/drawing/2014/main" id="{6B3AF8C6-AD65-A364-0F0B-F76404D8C053}"/>
+              </a:ext>
+            </a:extLst>
+          </p:cNvPr>
+          <p:cNvSpPr txBox="1"/>
+          <p:nvPr/>
+        </p:nvSpPr>
+        <p:spPr>
+          <a:xfrm>
+            <a:off x="0" y="3867894"/>
+            <a:ext cx="9144000" cy="523220"/>
+          </a:xfrm>
+          <a:prstGeom prst="rect">
+            <a:avLst/>
+          </a:prstGeom>
+          <a:noFill/>
+        </p:spPr>
+        <p:txBody>
+          <a:bodyPr wrap="square" rtlCol="0">
+            <a:spAutoFit/>
           </a:bodyPr>
           <a:lstStyle/>
           <a:p>
-            <a:pPr algn="ctr">
-              <a:buNone/>
-            </a:pPr>
-            <a:r>
-              <a:rPr lang="zh-TW" altLang="en-US" sz="4800" b="1" cap="all" dirty="0">
-                <a:latin typeface="微軟正黑體" pitchFamily="34" charset="-120"/>
-                <a:ea typeface="微軟正黑體" pitchFamily="34" charset="-120"/>
+            <a:pPr algn="ctr"/>
+            <a:r>
+              <a:rPr lang="en-US" sz="2800" b="1" dirty="0">
+                <a:solidFill>
+                  <a:srgbClr val="000066"/>
+                </a:solidFill>
+                <a:latin typeface="Microsoft JhengHei" panose="020B0604030504040204" pitchFamily="34" charset="-120"/>
+                <a:ea typeface="Microsoft JhengHei" panose="020B0604030504040204" pitchFamily="34" charset="-120"/>
               </a:rPr>
-              <a:t>全因主的聖</a:t>
-            </a:r>
-            <a:r>
-              <a:rPr lang="zh-TW" altLang="en-US" sz="4800" b="1" cap="all" dirty="0">
-                <a:latin typeface="微軟正黑體" pitchFamily="34" charset="-120"/>
-                <a:ea typeface="微軟正黑體" pitchFamily="34" charset="-120"/>
+              <a:t>( </a:t>
+            </a:r>
+            <a:r>
+              <a:rPr lang="zh-CN" altLang="en-US" sz="2800" b="1" dirty="0">
+                <a:solidFill>
+                  <a:srgbClr val="000066"/>
+                </a:solidFill>
+                <a:latin typeface="Microsoft JhengHei" panose="020B0604030504040204" pitchFamily="34" charset="-120"/>
+                <a:ea typeface="Microsoft JhengHei" panose="020B0604030504040204" pitchFamily="34" charset="-120"/>
               </a:rPr>
-              <a:t>名</a:t>
-            </a:r>
-            <a:endParaRPr lang="en-US" altLang="zh-TW" sz="4800" b="1" cap="all" dirty="0">
-              <a:latin typeface="微軟正黑體" pitchFamily="34" charset="-120"/>
-              <a:ea typeface="微軟正黑體" pitchFamily="34" charset="-120"/>
+              <a:t>正歌</a:t>
+            </a:r>
+            <a:r>
+              <a:rPr lang="en-US" sz="2800" b="1" dirty="0">
+                <a:solidFill>
+                  <a:srgbClr val="000066"/>
+                </a:solidFill>
+                <a:latin typeface="Microsoft JhengHei" panose="020B0604030504040204" pitchFamily="34" charset="-120"/>
+                <a:ea typeface="Microsoft JhengHei" panose="020B0604030504040204" pitchFamily="34" charset="-120"/>
+              </a:rPr>
+              <a:t> )</a:t>
+            </a:r>
+            <a:endParaRPr lang="vi-VN" sz="2800" b="1" dirty="0">
+              <a:solidFill>
+                <a:srgbClr val="000066"/>
+              </a:solidFill>
+              <a:ea typeface="Microsoft JhengHei" panose="020B0604030504040204" pitchFamily="34" charset="-120"/>
             </a:endParaRPr>
           </a:p>
-          <a:p>
-            <a:pPr algn="ctr">
-              <a:buNone/>
-            </a:pPr>
-            <a:r>
-              <a:rPr lang="zh-TW" altLang="en-US" sz="4800" b="1" cap="all" dirty="0">
-                <a:latin typeface="微軟正黑體" pitchFamily="34" charset="-120"/>
-                <a:ea typeface="微軟正黑體" pitchFamily="34" charset="-120"/>
-              </a:rPr>
-              <a:t>勞苦</a:t>
-            </a:r>
-            <a:r>
-              <a:rPr lang="zh-TW" altLang="en-US" sz="4800" b="1" cap="all" dirty="0">
-                <a:latin typeface="微軟正黑體" pitchFamily="34" charset="-120"/>
-                <a:ea typeface="微軟正黑體" pitchFamily="34" charset="-120"/>
-              </a:rPr>
-              <a:t>可得</a:t>
-            </a:r>
-            <a:r>
-              <a:rPr lang="zh-TW" altLang="en-US" sz="4800" b="1" cap="all" dirty="0">
-                <a:latin typeface="微軟正黑體" pitchFamily="34" charset="-120"/>
-                <a:ea typeface="微軟正黑體" pitchFamily="34" charset="-120"/>
-              </a:rPr>
-              <a:t>安靜</a:t>
-            </a:r>
-            <a:endParaRPr lang="en-US" altLang="zh-TW" sz="4800" b="1" cap="all" dirty="0">
-              <a:latin typeface="微軟正黑體" pitchFamily="34" charset="-120"/>
-              <a:ea typeface="微軟正黑體" pitchFamily="34" charset="-120"/>
-            </a:endParaRPr>
-          </a:p>
-          <a:p>
-            <a:pPr algn="ctr">
-              <a:buNone/>
-            </a:pPr>
-            <a:r>
-              <a:rPr lang="zh-TW" altLang="en-US" sz="4800" b="1" cap="all" dirty="0">
-                <a:latin typeface="微軟正黑體" pitchFamily="34" charset="-120"/>
-                <a:ea typeface="微軟正黑體" pitchFamily="34" charset="-120"/>
-              </a:rPr>
-              <a:t>行走</a:t>
-            </a:r>
-            <a:r>
-              <a:rPr lang="zh-TW" altLang="en-US" sz="4800" b="1" cap="all" dirty="0">
-                <a:latin typeface="微軟正黑體" pitchFamily="34" charset="-120"/>
-                <a:ea typeface="微軟正黑體" pitchFamily="34" charset="-120"/>
-              </a:rPr>
-              <a:t>於</a:t>
-            </a:r>
-            <a:r>
-              <a:rPr lang="zh-TW" altLang="en-US" sz="4800" b="1" cap="all" dirty="0">
-                <a:latin typeface="微軟正黑體" pitchFamily="34" charset="-120"/>
-                <a:ea typeface="微軟正黑體" pitchFamily="34" charset="-120"/>
-              </a:rPr>
-              <a:t>孤單</a:t>
-            </a:r>
-            <a:endParaRPr lang="en-US" altLang="zh-TW" sz="4800" b="1" cap="all" dirty="0">
-              <a:latin typeface="微軟正黑體" pitchFamily="34" charset="-120"/>
-              <a:ea typeface="微軟正黑體" pitchFamily="34" charset="-120"/>
-            </a:endParaRPr>
-          </a:p>
-          <a:p>
-            <a:pPr algn="ctr">
-              <a:buNone/>
-            </a:pPr>
-            <a:r>
-              <a:rPr lang="zh-TW" altLang="en-US" sz="4800" b="1" cap="all" dirty="0">
-                <a:latin typeface="微軟正黑體" pitchFamily="34" charset="-120"/>
-                <a:ea typeface="微軟正黑體" pitchFamily="34" charset="-120"/>
-              </a:rPr>
-              <a:t>困惑</a:t>
-            </a:r>
-            <a:r>
-              <a:rPr lang="zh-TW" altLang="en-US" sz="4800" b="1" cap="all" dirty="0">
-                <a:latin typeface="微軟正黑體" pitchFamily="34" charset="-120"/>
-                <a:ea typeface="微軟正黑體" pitchFamily="34" charset="-120"/>
-              </a:rPr>
-              <a:t>裡面有主</a:t>
-            </a:r>
-            <a:r>
-              <a:rPr lang="zh-TW" altLang="en-US" sz="4800" b="1" cap="all" dirty="0">
-                <a:latin typeface="微軟正黑體" pitchFamily="34" charset="-120"/>
-                <a:ea typeface="微軟正黑體" pitchFamily="34" charset="-120"/>
-              </a:rPr>
-              <a:t>傾聽</a:t>
-            </a:r>
-            <a:endParaRPr lang="zh-TW" altLang="en-US" sz="4800" b="1" cap="all" dirty="0">
-              <a:latin typeface="微軟正黑體" pitchFamily="34" charset="-120"/>
-              <a:ea typeface="微軟正黑體" pitchFamily="34" charset="-120"/>
-            </a:endParaRPr>
-          </a:p>
         </p:txBody>
       </p:sp>
     </p:spTree>
+    <p:extLst>
+      <p:ext uri="{BB962C8B-B14F-4D97-AF65-F5344CB8AC3E}">
+        <p14:creationId xmlns:p14="http://schemas.microsoft.com/office/powerpoint/2010/main" val="1017619929"/>
+      </p:ext>
+    </p:extLst>
   </p:cSld>
   <p:clrMapOvr>
     <a:masterClrMapping/>
   </p:clrMapOvr>
-  <p:timing>
-    <p:tnLst>
-      <p:par>
-        <p:cTn id="1" dur="indefinite" restart="never" nodeType="tmRoot"/>
-      </p:par>
-    </p:tnLst>
-  </p:timing>
 </p:sld>
 </file>
 
@@ -3676,7 +3478,13 @@
   <p:cSld>
     <p:spTree>
       <p:nvGrpSpPr>
-        <p:cNvPr id="1" name=""/>
+        <p:cNvPr id="1" name="">
+          <a:extLst>
+            <a:ext uri="{FF2B5EF4-FFF2-40B4-BE49-F238E27FC236}">
+              <a16:creationId xmlns:a16="http://schemas.microsoft.com/office/drawing/2014/main" id="{C99911E5-C1C1-3B53-B1C7-EB389265B95C}"/>
+            </a:ext>
+          </a:extLst>
+        </p:cNvPr>
         <p:cNvGrpSpPr/>
         <p:nvPr/>
       </p:nvGrpSpPr>
@@ -3690,36 +3498,101 @@
       </p:grpSpPr>
       <p:sp>
         <p:nvSpPr>
-          <p:cNvPr id="2" name="標題 1"/>
-          <p:cNvSpPr>
-            <a:spLocks noGrp="1"/>
-          </p:cNvSpPr>
-          <p:nvPr>
-            <p:ph type="title"/>
-          </p:nvPr>
-        </p:nvSpPr>
-        <p:spPr/>
-        <p:txBody>
-          <a:bodyPr>
+          <p:cNvPr id="5" name="內容版面配置區 4">
+            <a:extLst>
+              <a:ext uri="{FF2B5EF4-FFF2-40B4-BE49-F238E27FC236}">
+                <a16:creationId xmlns:a16="http://schemas.microsoft.com/office/drawing/2014/main" id="{AAFC13D8-5D2B-3DFD-C62A-49ABDC58E5A2}"/>
+              </a:ext>
+            </a:extLst>
+          </p:cNvPr>
+          <p:cNvSpPr>
+            <a:spLocks noGrp="1"/>
+          </p:cNvSpPr>
+          <p:nvPr>
+            <p:ph idx="1"/>
+          </p:nvPr>
+        </p:nvSpPr>
+        <p:spPr>
+          <a:xfrm>
+            <a:off x="0" y="1563638"/>
+            <a:ext cx="9144000" cy="1803647"/>
+          </a:xfrm>
+        </p:spPr>
+        <p:txBody>
+          <a:bodyPr anchor="ctr">
             <a:normAutofit/>
           </a:bodyPr>
           <a:lstStyle/>
           <a:p>
-            <a:r>
-              <a:rPr lang="zh-CN" altLang="en-US" sz="4000" b="1" cap="all" dirty="0">
+            <a:pPr algn="ctr">
+              <a:buNone/>
+            </a:pPr>
+            <a:r>
+              <a:rPr lang="zh-TW" altLang="en-US" sz="4800" b="1" dirty="0">
+                <a:solidFill>
+                  <a:srgbClr val="000066"/>
+                </a:solidFill>
                 <a:latin typeface="微軟正黑體" pitchFamily="34" charset="-120"/>
                 <a:ea typeface="微軟正黑體" pitchFamily="34" charset="-120"/>
               </a:rPr>
-              <a:t>因主的</a:t>
-            </a:r>
-            <a:r>
-              <a:rPr lang="zh-CN" altLang="en-US" sz="4000" b="1" cap="all" dirty="0">
+              <a:t>造物主今高唱祢名字</a:t>
+            </a:r>
+            <a:endParaRPr lang="en-US" altLang="zh-TW" sz="4800" b="1" dirty="0">
+              <a:solidFill>
+                <a:srgbClr val="000066"/>
+              </a:solidFill>
+              <a:latin typeface="微軟正黑體" pitchFamily="34" charset="-120"/>
+              <a:ea typeface="微軟正黑體" pitchFamily="34" charset="-120"/>
+            </a:endParaRPr>
+          </a:p>
+          <a:p>
+            <a:pPr algn="ctr">
+              <a:buNone/>
+            </a:pPr>
+            <a:r>
+              <a:rPr lang="zh-CN" altLang="en-US" sz="4800" b="1" dirty="0">
+                <a:solidFill>
+                  <a:srgbClr val="000066"/>
+                </a:solidFill>
                 <a:latin typeface="微軟正黑體" pitchFamily="34" charset="-120"/>
                 <a:ea typeface="微軟正黑體" pitchFamily="34" charset="-120"/>
               </a:rPr>
-              <a:t>名</a:t>
-            </a:r>
-            <a:endParaRPr lang="zh-TW" altLang="en-US" sz="4000" b="1" cap="all" dirty="0">
+              <a:t>全能</a:t>
+            </a:r>
+            <a:r>
+              <a:rPr lang="zh-TW" altLang="en-US" sz="4800" b="1" dirty="0">
+                <a:solidFill>
+                  <a:srgbClr val="000066"/>
+                </a:solidFill>
+                <a:latin typeface="微軟正黑體" pitchFamily="34" charset="-120"/>
+                <a:ea typeface="微軟正黑體" pitchFamily="34" charset="-120"/>
+              </a:rPr>
+              <a:t>之</a:t>
+            </a:r>
+            <a:r>
+              <a:rPr lang="zh-CN" altLang="en-US" sz="4800" b="1" dirty="0">
+                <a:solidFill>
+                  <a:srgbClr val="000066"/>
+                </a:solidFill>
+                <a:latin typeface="微軟正黑體" pitchFamily="34" charset="-120"/>
+                <a:ea typeface="微軟正黑體" pitchFamily="34" charset="-120"/>
+              </a:rPr>
+              <a:t>主</a:t>
+            </a:r>
+            <a:r>
+              <a:rPr lang="zh-TW" altLang="en-US" sz="4800" b="1" dirty="0">
+                <a:solidFill>
+                  <a:srgbClr val="000066"/>
+                </a:solidFill>
+                <a:latin typeface="微軟正黑體" pitchFamily="34" charset="-120"/>
+                <a:ea typeface="微軟正黑體" pitchFamily="34" charset="-120"/>
+              </a:rPr>
+              <a:t>安慰者</a:t>
+            </a:r>
+            <a:endParaRPr lang="en-US" altLang="zh-TW" sz="4800" b="1" dirty="0">
+              <a:solidFill>
+                <a:srgbClr val="000066"/>
+              </a:solidFill>
               <a:latin typeface="微軟正黑體" pitchFamily="34" charset="-120"/>
               <a:ea typeface="微軟正黑體" pitchFamily="34" charset="-120"/>
             </a:endParaRPr>
@@ -3728,7 +3601,117 @@
       </p:sp>
       <p:sp>
         <p:nvSpPr>
-          <p:cNvPr id="3" name="內容版面配置區 2"/>
+          <p:cNvPr id="3" name="TextBox 2">
+            <a:extLst>
+              <a:ext uri="{FF2B5EF4-FFF2-40B4-BE49-F238E27FC236}">
+                <a16:creationId xmlns:a16="http://schemas.microsoft.com/office/drawing/2014/main" id="{A4BC9009-6152-2990-8C22-E9C12D4A4A07}"/>
+              </a:ext>
+            </a:extLst>
+          </p:cNvPr>
+          <p:cNvSpPr txBox="1"/>
+          <p:nvPr/>
+        </p:nvSpPr>
+        <p:spPr>
+          <a:xfrm>
+            <a:off x="0" y="3867894"/>
+            <a:ext cx="9144000" cy="523220"/>
+          </a:xfrm>
+          <a:prstGeom prst="rect">
+            <a:avLst/>
+          </a:prstGeom>
+          <a:noFill/>
+        </p:spPr>
+        <p:txBody>
+          <a:bodyPr wrap="square" rtlCol="0">
+            <a:spAutoFit/>
+          </a:bodyPr>
+          <a:lstStyle/>
+          <a:p>
+            <a:pPr algn="ctr"/>
+            <a:r>
+              <a:rPr lang="en-US" sz="2800" b="1" dirty="0">
+                <a:solidFill>
+                  <a:srgbClr val="000066"/>
+                </a:solidFill>
+                <a:latin typeface="Microsoft JhengHei" panose="020B0604030504040204" pitchFamily="34" charset="-120"/>
+                <a:ea typeface="Microsoft JhengHei" panose="020B0604030504040204" pitchFamily="34" charset="-120"/>
+              </a:rPr>
+              <a:t>( </a:t>
+            </a:r>
+            <a:r>
+              <a:rPr lang="zh-CN" altLang="en-US" sz="2800" b="1" dirty="0">
+                <a:solidFill>
+                  <a:srgbClr val="000066"/>
+                </a:solidFill>
+                <a:latin typeface="Microsoft JhengHei" panose="020B0604030504040204" pitchFamily="34" charset="-120"/>
+                <a:ea typeface="Microsoft JhengHei" panose="020B0604030504040204" pitchFamily="34" charset="-120"/>
+              </a:rPr>
+              <a:t>正歌</a:t>
+            </a:r>
+            <a:r>
+              <a:rPr lang="en-US" sz="2800" b="1" dirty="0">
+                <a:solidFill>
+                  <a:srgbClr val="000066"/>
+                </a:solidFill>
+                <a:latin typeface="Microsoft JhengHei" panose="020B0604030504040204" pitchFamily="34" charset="-120"/>
+                <a:ea typeface="Microsoft JhengHei" panose="020B0604030504040204" pitchFamily="34" charset="-120"/>
+              </a:rPr>
+              <a:t> )</a:t>
+            </a:r>
+            <a:endParaRPr lang="vi-VN" sz="2800" b="1" dirty="0">
+              <a:solidFill>
+                <a:srgbClr val="000066"/>
+              </a:solidFill>
+              <a:ea typeface="Microsoft JhengHei" panose="020B0604030504040204" pitchFamily="34" charset="-120"/>
+            </a:endParaRPr>
+          </a:p>
+        </p:txBody>
+      </p:sp>
+    </p:spTree>
+    <p:extLst>
+      <p:ext uri="{BB962C8B-B14F-4D97-AF65-F5344CB8AC3E}">
+        <p14:creationId xmlns:p14="http://schemas.microsoft.com/office/powerpoint/2010/main" val="2453816579"/>
+      </p:ext>
+    </p:extLst>
+  </p:cSld>
+  <p:clrMapOvr>
+    <a:masterClrMapping/>
+  </p:clrMapOvr>
+</p:sld>
+</file>
+
+<file path=ppt/slides/slide5.xml><?xml version="1.0" encoding="utf-8"?>
+<p:sld xmlns:a="http://schemas.openxmlformats.org/drawingml/2006/main" xmlns:r="http://schemas.openxmlformats.org/officeDocument/2006/relationships" xmlns:p="http://schemas.openxmlformats.org/presentationml/2006/main">
+  <p:cSld>
+    <p:spTree>
+      <p:nvGrpSpPr>
+        <p:cNvPr id="1" name="">
+          <a:extLst>
+            <a:ext uri="{FF2B5EF4-FFF2-40B4-BE49-F238E27FC236}">
+              <a16:creationId xmlns:a16="http://schemas.microsoft.com/office/drawing/2014/main" id="{B4116793-D9A3-28B0-6FC6-112207C16C72}"/>
+            </a:ext>
+          </a:extLst>
+        </p:cNvPr>
+        <p:cNvGrpSpPr/>
+        <p:nvPr/>
+      </p:nvGrpSpPr>
+      <p:grpSpPr>
+        <a:xfrm>
+          <a:off x="0" y="0"/>
+          <a:ext cx="0" cy="0"/>
+          <a:chOff x="0" y="0"/>
+          <a:chExt cx="0" cy="0"/>
+        </a:xfrm>
+      </p:grpSpPr>
+      <p:sp>
+        <p:nvSpPr>
+          <p:cNvPr id="5" name="內容版面配置區 4">
+            <a:extLst>
+              <a:ext uri="{FF2B5EF4-FFF2-40B4-BE49-F238E27FC236}">
+                <a16:creationId xmlns:a16="http://schemas.microsoft.com/office/drawing/2014/main" id="{AAA1B131-A0EF-4B6A-86BD-19BA9025FA15}"/>
+              </a:ext>
+            </a:extLst>
+          </p:cNvPr>
           <p:cNvSpPr>
             <a:spLocks noGrp="1"/>
           </p:cNvSpPr>
@@ -3736,10 +3719,15 @@
             <p:ph idx="1"/>
           </p:nvPr>
         </p:nvSpPr>
-        <p:spPr/>
+        <p:spPr>
+          <a:xfrm>
+            <a:off x="0" y="1563638"/>
+            <a:ext cx="9144000" cy="1803647"/>
+          </a:xfrm>
+        </p:spPr>
         <p:txBody>
           <a:bodyPr anchor="ctr">
-            <a:noAutofit/>
+            <a:normAutofit/>
           </a:bodyPr>
           <a:lstStyle/>
           <a:p>
@@ -3747,20 +3735,189 @@
               <a:buNone/>
             </a:pPr>
             <a:r>
-              <a:rPr lang="zh-TW" altLang="en-US" sz="4800" b="1" cap="all" dirty="0">
+              <a:rPr lang="zh-TW" altLang="en-US" sz="4800" b="1" dirty="0">
+                <a:solidFill>
+                  <a:srgbClr val="000066"/>
+                </a:solidFill>
                 <a:latin typeface="微軟正黑體" pitchFamily="34" charset="-120"/>
                 <a:ea typeface="微軟正黑體" pitchFamily="34" charset="-120"/>
               </a:rPr>
-              <a:t>全因主的聖</a:t>
-            </a:r>
-            <a:r>
-              <a:rPr lang="zh-TW" altLang="en-US" sz="4800" b="1" cap="all" dirty="0">
+              <a:t>全憑主恩典憐憫</a:t>
+            </a:r>
+            <a:endParaRPr lang="en-US" altLang="zh-TW" sz="4800" b="1" dirty="0">
+              <a:solidFill>
+                <a:srgbClr val="000066"/>
+              </a:solidFill>
+              <a:latin typeface="微軟正黑體" pitchFamily="34" charset="-120"/>
+              <a:ea typeface="微軟正黑體" pitchFamily="34" charset="-120"/>
+            </a:endParaRPr>
+          </a:p>
+          <a:p>
+            <a:pPr algn="ctr">
+              <a:buNone/>
+            </a:pPr>
+            <a:r>
+              <a:rPr lang="zh-TW" altLang="en-US" sz="4800" b="1" dirty="0">
+                <a:solidFill>
+                  <a:srgbClr val="000066"/>
+                </a:solidFill>
                 <a:latin typeface="微軟正黑體" pitchFamily="34" charset="-120"/>
                 <a:ea typeface="微軟正黑體" pitchFamily="34" charset="-120"/>
               </a:rPr>
-              <a:t>名</a:t>
-            </a:r>
-            <a:endParaRPr lang="en-US" altLang="zh-TW" sz="4800" b="1" cap="all" dirty="0">
+              <a:t>令我滿心溫暖</a:t>
+            </a:r>
+          </a:p>
+        </p:txBody>
+      </p:sp>
+      <p:sp>
+        <p:nvSpPr>
+          <p:cNvPr id="3" name="TextBox 2">
+            <a:extLst>
+              <a:ext uri="{FF2B5EF4-FFF2-40B4-BE49-F238E27FC236}">
+                <a16:creationId xmlns:a16="http://schemas.microsoft.com/office/drawing/2014/main" id="{DD2C6233-871C-5B15-D2BC-0BAB23A7C64B}"/>
+              </a:ext>
+            </a:extLst>
+          </p:cNvPr>
+          <p:cNvSpPr txBox="1"/>
+          <p:nvPr/>
+        </p:nvSpPr>
+        <p:spPr>
+          <a:xfrm>
+            <a:off x="0" y="3867894"/>
+            <a:ext cx="9144000" cy="523220"/>
+          </a:xfrm>
+          <a:prstGeom prst="rect">
+            <a:avLst/>
+          </a:prstGeom>
+          <a:noFill/>
+        </p:spPr>
+        <p:txBody>
+          <a:bodyPr wrap="square" rtlCol="0">
+            <a:spAutoFit/>
+          </a:bodyPr>
+          <a:lstStyle/>
+          <a:p>
+            <a:pPr algn="ctr"/>
+            <a:r>
+              <a:rPr lang="en-US" sz="2800" b="1" dirty="0">
+                <a:solidFill>
+                  <a:srgbClr val="000066"/>
+                </a:solidFill>
+                <a:latin typeface="Microsoft JhengHei" panose="020B0604030504040204" pitchFamily="34" charset="-120"/>
+                <a:ea typeface="Microsoft JhengHei" panose="020B0604030504040204" pitchFamily="34" charset="-120"/>
+              </a:rPr>
+              <a:t>( </a:t>
+            </a:r>
+            <a:r>
+              <a:rPr lang="zh-CN" altLang="en-US" sz="2800" b="1" dirty="0">
+                <a:solidFill>
+                  <a:srgbClr val="000066"/>
+                </a:solidFill>
+                <a:latin typeface="Microsoft JhengHei" panose="020B0604030504040204" pitchFamily="34" charset="-120"/>
+                <a:ea typeface="Microsoft JhengHei" panose="020B0604030504040204" pitchFamily="34" charset="-120"/>
+              </a:rPr>
+              <a:t>正歌</a:t>
+            </a:r>
+            <a:r>
+              <a:rPr lang="en-US" sz="2800" b="1" dirty="0">
+                <a:solidFill>
+                  <a:srgbClr val="000066"/>
+                </a:solidFill>
+                <a:latin typeface="Microsoft JhengHei" panose="020B0604030504040204" pitchFamily="34" charset="-120"/>
+                <a:ea typeface="Microsoft JhengHei" panose="020B0604030504040204" pitchFamily="34" charset="-120"/>
+              </a:rPr>
+              <a:t> )</a:t>
+            </a:r>
+            <a:endParaRPr lang="vi-VN" sz="2800" b="1" dirty="0">
+              <a:solidFill>
+                <a:srgbClr val="000066"/>
+              </a:solidFill>
+              <a:ea typeface="Microsoft JhengHei" panose="020B0604030504040204" pitchFamily="34" charset="-120"/>
+            </a:endParaRPr>
+          </a:p>
+        </p:txBody>
+      </p:sp>
+    </p:spTree>
+    <p:extLst>
+      <p:ext uri="{BB962C8B-B14F-4D97-AF65-F5344CB8AC3E}">
+        <p14:creationId xmlns:p14="http://schemas.microsoft.com/office/powerpoint/2010/main" val="2554584568"/>
+      </p:ext>
+    </p:extLst>
+  </p:cSld>
+  <p:clrMapOvr>
+    <a:masterClrMapping/>
+  </p:clrMapOvr>
+</p:sld>
+</file>
+
+<file path=ppt/slides/slide6.xml><?xml version="1.0" encoding="utf-8"?>
+<p:sld xmlns:a="http://schemas.openxmlformats.org/drawingml/2006/main" xmlns:r="http://schemas.openxmlformats.org/officeDocument/2006/relationships" xmlns:p="http://schemas.openxmlformats.org/presentationml/2006/main">
+  <p:cSld>
+    <p:spTree>
+      <p:nvGrpSpPr>
+        <p:cNvPr id="1" name="">
+          <a:extLst>
+            <a:ext uri="{FF2B5EF4-FFF2-40B4-BE49-F238E27FC236}">
+              <a16:creationId xmlns:a16="http://schemas.microsoft.com/office/drawing/2014/main" id="{3EF18D36-484A-F904-1939-7B3CCD2E43BD}"/>
+            </a:ext>
+          </a:extLst>
+        </p:cNvPr>
+        <p:cNvGrpSpPr/>
+        <p:nvPr/>
+      </p:nvGrpSpPr>
+      <p:grpSpPr>
+        <a:xfrm>
+          <a:off x="0" y="0"/>
+          <a:ext cx="0" cy="0"/>
+          <a:chOff x="0" y="0"/>
+          <a:chExt cx="0" cy="0"/>
+        </a:xfrm>
+      </p:grpSpPr>
+      <p:sp>
+        <p:nvSpPr>
+          <p:cNvPr id="5" name="內容版面配置區 4">
+            <a:extLst>
+              <a:ext uri="{FF2B5EF4-FFF2-40B4-BE49-F238E27FC236}">
+                <a16:creationId xmlns:a16="http://schemas.microsoft.com/office/drawing/2014/main" id="{DECE4AC5-137B-707B-3A60-C275EB3227E7}"/>
+              </a:ext>
+            </a:extLst>
+          </p:cNvPr>
+          <p:cNvSpPr>
+            <a:spLocks noGrp="1"/>
+          </p:cNvSpPr>
+          <p:nvPr>
+            <p:ph idx="1"/>
+          </p:nvPr>
+        </p:nvSpPr>
+        <p:spPr>
+          <a:xfrm>
+            <a:off x="0" y="1563638"/>
+            <a:ext cx="9144000" cy="1803647"/>
+          </a:xfrm>
+        </p:spPr>
+        <p:txBody>
+          <a:bodyPr anchor="ctr">
+            <a:normAutofit/>
+          </a:bodyPr>
+          <a:lstStyle/>
+          <a:p>
+            <a:pPr algn="ctr">
+              <a:buNone/>
+            </a:pPr>
+            <a:r>
+              <a:rPr lang="zh-TW" altLang="en-US" sz="4800" b="1" dirty="0">
+                <a:solidFill>
+                  <a:srgbClr val="000066"/>
+                </a:solidFill>
+                <a:latin typeface="微軟正黑體" pitchFamily="34" charset="-120"/>
+                <a:ea typeface="微軟正黑體" pitchFamily="34" charset="-120"/>
+              </a:rPr>
+              <a:t>全因主的聖名  勞苦可得安靜</a:t>
+            </a:r>
+            <a:endParaRPr lang="en-US" altLang="zh-TW" sz="4800" b="1" dirty="0">
+              <a:solidFill>
+                <a:srgbClr val="000066"/>
+              </a:solidFill>
               <a:latin typeface="微軟正黑體" pitchFamily="34" charset="-120"/>
               <a:ea typeface="微軟正黑體" pitchFamily="34" charset="-120"/>
             </a:endParaRPr>
@@ -3770,119 +3927,303 @@
               <a:buNone/>
             </a:pPr>
             <a:r>
-              <a:rPr lang="zh-CN" altLang="en-US" sz="4800" b="1" cap="all" dirty="0">
+              <a:rPr lang="zh-TW" altLang="en-US" sz="4800" b="1" dirty="0">
+                <a:solidFill>
+                  <a:srgbClr val="000066"/>
+                </a:solidFill>
+                <a:latin typeface="微軟正黑體" pitchFamily="34" charset="-120"/>
+                <a:ea typeface="微軟正黑體" pitchFamily="34" charset="-120"/>
+              </a:rPr>
+              <a:t>行走於孤單  困惑裡面有主傾聽</a:t>
+            </a:r>
+          </a:p>
+        </p:txBody>
+      </p:sp>
+      <p:sp>
+        <p:nvSpPr>
+          <p:cNvPr id="3" name="TextBox 2">
+            <a:extLst>
+              <a:ext uri="{FF2B5EF4-FFF2-40B4-BE49-F238E27FC236}">
+                <a16:creationId xmlns:a16="http://schemas.microsoft.com/office/drawing/2014/main" id="{4EB6ECBE-F217-7AA7-4F03-B9B03E4FB6CA}"/>
+              </a:ext>
+            </a:extLst>
+          </p:cNvPr>
+          <p:cNvSpPr txBox="1"/>
+          <p:nvPr/>
+        </p:nvSpPr>
+        <p:spPr>
+          <a:xfrm>
+            <a:off x="0" y="3867894"/>
+            <a:ext cx="9144000" cy="523220"/>
+          </a:xfrm>
+          <a:prstGeom prst="rect">
+            <a:avLst/>
+          </a:prstGeom>
+          <a:noFill/>
+        </p:spPr>
+        <p:txBody>
+          <a:bodyPr wrap="square" rtlCol="0">
+            <a:spAutoFit/>
+          </a:bodyPr>
+          <a:lstStyle/>
+          <a:p>
+            <a:pPr algn="ctr"/>
+            <a:r>
+              <a:rPr lang="en-US" sz="2800" b="1" dirty="0">
+                <a:solidFill>
+                  <a:srgbClr val="000066"/>
+                </a:solidFill>
+                <a:latin typeface="Microsoft JhengHei" panose="020B0604030504040204" pitchFamily="34" charset="-120"/>
+                <a:ea typeface="Microsoft JhengHei" panose="020B0604030504040204" pitchFamily="34" charset="-120"/>
+              </a:rPr>
+              <a:t>( </a:t>
+            </a:r>
+            <a:r>
+              <a:rPr lang="zh-CN" altLang="en-US" sz="2800" b="1" dirty="0">
+                <a:solidFill>
+                  <a:srgbClr val="000066"/>
+                </a:solidFill>
+                <a:latin typeface="Microsoft JhengHei" panose="020B0604030504040204" pitchFamily="34" charset="-120"/>
+                <a:ea typeface="Microsoft JhengHei" panose="020B0604030504040204" pitchFamily="34" charset="-120"/>
+              </a:rPr>
+              <a:t>副歌</a:t>
+            </a:r>
+            <a:r>
+              <a:rPr lang="en-US" sz="2800" b="1" dirty="0">
+                <a:solidFill>
+                  <a:srgbClr val="000066"/>
+                </a:solidFill>
+                <a:latin typeface="Microsoft JhengHei" panose="020B0604030504040204" pitchFamily="34" charset="-120"/>
+                <a:ea typeface="Microsoft JhengHei" panose="020B0604030504040204" pitchFamily="34" charset="-120"/>
+              </a:rPr>
+              <a:t> )</a:t>
+            </a:r>
+            <a:endParaRPr lang="vi-VN" sz="2800" b="1" dirty="0">
+              <a:solidFill>
+                <a:srgbClr val="000066"/>
+              </a:solidFill>
+              <a:ea typeface="Microsoft JhengHei" panose="020B0604030504040204" pitchFamily="34" charset="-120"/>
+            </a:endParaRPr>
+          </a:p>
+        </p:txBody>
+      </p:sp>
+    </p:spTree>
+    <p:extLst>
+      <p:ext uri="{BB962C8B-B14F-4D97-AF65-F5344CB8AC3E}">
+        <p14:creationId xmlns:p14="http://schemas.microsoft.com/office/powerpoint/2010/main" val="1422518628"/>
+      </p:ext>
+    </p:extLst>
+  </p:cSld>
+  <p:clrMapOvr>
+    <a:masterClrMapping/>
+  </p:clrMapOvr>
+</p:sld>
+</file>
+
+<file path=ppt/slides/slide7.xml><?xml version="1.0" encoding="utf-8"?>
+<p:sld xmlns:a="http://schemas.openxmlformats.org/drawingml/2006/main" xmlns:r="http://schemas.openxmlformats.org/officeDocument/2006/relationships" xmlns:p="http://schemas.openxmlformats.org/presentationml/2006/main">
+  <p:cSld>
+    <p:spTree>
+      <p:nvGrpSpPr>
+        <p:cNvPr id="1" name="">
+          <a:extLst>
+            <a:ext uri="{FF2B5EF4-FFF2-40B4-BE49-F238E27FC236}">
+              <a16:creationId xmlns:a16="http://schemas.microsoft.com/office/drawing/2014/main" id="{4C85DD14-D49F-2E6F-D12B-23099F8715CE}"/>
+            </a:ext>
+          </a:extLst>
+        </p:cNvPr>
+        <p:cNvGrpSpPr/>
+        <p:nvPr/>
+      </p:nvGrpSpPr>
+      <p:grpSpPr>
+        <a:xfrm>
+          <a:off x="0" y="0"/>
+          <a:ext cx="0" cy="0"/>
+          <a:chOff x="0" y="0"/>
+          <a:chExt cx="0" cy="0"/>
+        </a:xfrm>
+      </p:grpSpPr>
+      <p:sp>
+        <p:nvSpPr>
+          <p:cNvPr id="5" name="內容版面配置區 4">
+            <a:extLst>
+              <a:ext uri="{FF2B5EF4-FFF2-40B4-BE49-F238E27FC236}">
+                <a16:creationId xmlns:a16="http://schemas.microsoft.com/office/drawing/2014/main" id="{258530DA-411C-4D52-7C8F-59049A315A83}"/>
+              </a:ext>
+            </a:extLst>
+          </p:cNvPr>
+          <p:cNvSpPr>
+            <a:spLocks noGrp="1"/>
+          </p:cNvSpPr>
+          <p:nvPr>
+            <p:ph idx="1"/>
+          </p:nvPr>
+        </p:nvSpPr>
+        <p:spPr>
+          <a:xfrm>
+            <a:off x="0" y="1563638"/>
+            <a:ext cx="9144000" cy="1803647"/>
+          </a:xfrm>
+        </p:spPr>
+        <p:txBody>
+          <a:bodyPr anchor="ctr">
+            <a:normAutofit/>
+          </a:bodyPr>
+          <a:lstStyle/>
+          <a:p>
+            <a:pPr algn="ctr">
+              <a:buNone/>
+            </a:pPr>
+            <a:r>
+              <a:rPr lang="zh-TW" altLang="en-US" sz="4800" b="1" dirty="0">
+                <a:solidFill>
+                  <a:srgbClr val="000066"/>
+                </a:solidFill>
+                <a:latin typeface="微軟正黑體" pitchFamily="34" charset="-120"/>
+                <a:ea typeface="微軟正黑體" pitchFamily="34" charset="-120"/>
+              </a:rPr>
+              <a:t>全因主的聖名  </a:t>
+            </a:r>
+            <a:r>
+              <a:rPr lang="zh-CN" altLang="en-US" sz="4800" b="1" dirty="0">
+                <a:solidFill>
+                  <a:srgbClr val="000066"/>
+                </a:solidFill>
                 <a:latin typeface="微軟正黑體" pitchFamily="34" charset="-120"/>
                 <a:ea typeface="微軟正黑體" pitchFamily="34" charset="-120"/>
               </a:rPr>
               <a:t>愁</a:t>
             </a:r>
             <a:r>
-              <a:rPr lang="zh-TW" altLang="en-US" sz="4800" b="1" cap="all" dirty="0">
+              <a:rPr lang="zh-TW" altLang="en-US" sz="4800" b="1" dirty="0">
+                <a:solidFill>
+                  <a:srgbClr val="000066"/>
+                </a:solidFill>
                 <a:latin typeface="微軟正黑體" pitchFamily="34" charset="-120"/>
                 <a:ea typeface="微軟正黑體" pitchFamily="34" charset="-120"/>
               </a:rPr>
-              <a:t>心</a:t>
-            </a:r>
-            <a:r>
-              <a:rPr lang="zh-TW" altLang="en-US" sz="4800" b="1" cap="all" dirty="0">
+              <a:t>心可得歡樂</a:t>
+            </a:r>
+            <a:endParaRPr lang="en-US" altLang="zh-TW" sz="4800" b="1" dirty="0">
+              <a:solidFill>
+                <a:srgbClr val="000066"/>
+              </a:solidFill>
+              <a:latin typeface="微軟正黑體" pitchFamily="34" charset="-120"/>
+              <a:ea typeface="微軟正黑體" pitchFamily="34" charset="-120"/>
+            </a:endParaRPr>
+          </a:p>
+          <a:p>
+            <a:pPr algn="ctr">
+              <a:buNone/>
+            </a:pPr>
+            <a:r>
+              <a:rPr lang="zh-TW" altLang="en-US" sz="4800" b="1" dirty="0">
+                <a:solidFill>
+                  <a:srgbClr val="000066"/>
+                </a:solidFill>
                 <a:latin typeface="微軟正黑體" pitchFamily="34" charset="-120"/>
                 <a:ea typeface="微軟正黑體" pitchFamily="34" charset="-120"/>
               </a:rPr>
-              <a:t>可得</a:t>
-            </a:r>
-            <a:r>
-              <a:rPr lang="zh-TW" altLang="en-US" sz="4800" b="1" cap="all" dirty="0">
-                <a:latin typeface="微軟正黑體" pitchFamily="34" charset="-120"/>
-                <a:ea typeface="微軟正黑體" pitchFamily="34" charset="-120"/>
-              </a:rPr>
-              <a:t>歡樂</a:t>
-            </a:r>
-            <a:endParaRPr lang="en-US" altLang="zh-TW" sz="4800" b="1" cap="all" dirty="0">
-              <a:latin typeface="微軟正黑體" pitchFamily="34" charset="-120"/>
-              <a:ea typeface="微軟正黑體" pitchFamily="34" charset="-120"/>
-            </a:endParaRPr>
-          </a:p>
-          <a:p>
-            <a:pPr algn="ctr">
-              <a:buNone/>
-            </a:pPr>
-            <a:r>
-              <a:rPr lang="zh-TW" altLang="en-US" sz="4800" b="1" cap="all" dirty="0">
-                <a:latin typeface="微軟正黑體" pitchFamily="34" charset="-120"/>
-                <a:ea typeface="微軟正黑體" pitchFamily="34" charset="-120"/>
-              </a:rPr>
-              <a:t>祈禱</a:t>
-            </a:r>
-            <a:r>
-              <a:rPr lang="zh-TW" altLang="en-US" sz="4800" b="1" cap="all" dirty="0">
-                <a:latin typeface="微軟正黑體" pitchFamily="34" charset="-120"/>
-                <a:ea typeface="微軟正黑體" pitchFamily="34" charset="-120"/>
-              </a:rPr>
-              <a:t>的必得</a:t>
-            </a:r>
-            <a:r>
-              <a:rPr lang="zh-TW" altLang="en-US" sz="4800" b="1" cap="all" dirty="0">
-                <a:latin typeface="微軟正黑體" pitchFamily="34" charset="-120"/>
-                <a:ea typeface="微軟正黑體" pitchFamily="34" charset="-120"/>
-              </a:rPr>
-              <a:t>勝</a:t>
-            </a:r>
-            <a:endParaRPr lang="en-US" altLang="zh-TW" sz="4800" b="1" cap="all" dirty="0">
-              <a:latin typeface="微軟正黑體" pitchFamily="34" charset="-120"/>
-              <a:ea typeface="微軟正黑體" pitchFamily="34" charset="-120"/>
-            </a:endParaRPr>
-          </a:p>
-          <a:p>
-            <a:pPr algn="ctr">
-              <a:buNone/>
-            </a:pPr>
-            <a:r>
-              <a:rPr lang="zh-TW" altLang="en-US" sz="4800" b="1" cap="all" dirty="0">
-                <a:latin typeface="微軟正黑體" pitchFamily="34" charset="-120"/>
-                <a:ea typeface="微軟正黑體" pitchFamily="34" charset="-120"/>
-              </a:rPr>
-              <a:t>我</a:t>
-            </a:r>
-            <a:r>
-              <a:rPr lang="zh-TW" altLang="en-US" sz="4800" b="1" cap="all" dirty="0">
-                <a:latin typeface="微軟正黑體" pitchFamily="34" charset="-120"/>
-                <a:ea typeface="微軟正黑體" pitchFamily="34" charset="-120"/>
-              </a:rPr>
-              <a:t>以性命來</a:t>
-            </a:r>
-            <a:r>
-              <a:rPr lang="zh-TW" altLang="en-US" sz="4800" b="1" cap="all" dirty="0">
-                <a:latin typeface="微軟正黑體" pitchFamily="34" charset="-120"/>
-                <a:ea typeface="微軟正黑體" pitchFamily="34" charset="-120"/>
-              </a:rPr>
-              <a:t>做</a:t>
-            </a:r>
-            <a:r>
-              <a:rPr lang="zh-CN" altLang="en-US" sz="4800" b="1" cap="all" dirty="0">
+              <a:t>祈禱的必得勝  我以性命來做</a:t>
+            </a:r>
+            <a:r>
+              <a:rPr lang="zh-CN" altLang="en-US" sz="4800" b="1" dirty="0">
+                <a:solidFill>
+                  <a:srgbClr val="000066"/>
+                </a:solidFill>
                 <a:latin typeface="微軟正黑體" pitchFamily="34" charset="-120"/>
                 <a:ea typeface="微軟正黑體" pitchFamily="34" charset="-120"/>
               </a:rPr>
               <a:t>証</a:t>
             </a:r>
-            <a:endParaRPr lang="zh-TW" altLang="en-US" sz="4800" b="1" cap="all" dirty="0">
+            <a:endParaRPr lang="zh-TW" altLang="en-US" sz="4800" b="1" dirty="0">
+              <a:solidFill>
+                <a:srgbClr val="000066"/>
+              </a:solidFill>
               <a:latin typeface="微軟正黑體" pitchFamily="34" charset="-120"/>
               <a:ea typeface="微軟正黑體" pitchFamily="34" charset="-120"/>
             </a:endParaRPr>
           </a:p>
         </p:txBody>
       </p:sp>
+      <p:sp>
+        <p:nvSpPr>
+          <p:cNvPr id="3" name="TextBox 2">
+            <a:extLst>
+              <a:ext uri="{FF2B5EF4-FFF2-40B4-BE49-F238E27FC236}">
+                <a16:creationId xmlns:a16="http://schemas.microsoft.com/office/drawing/2014/main" id="{7DD08048-862D-DA97-CCBA-B231A8C032BB}"/>
+              </a:ext>
+            </a:extLst>
+          </p:cNvPr>
+          <p:cNvSpPr txBox="1"/>
+          <p:nvPr/>
+        </p:nvSpPr>
+        <p:spPr>
+          <a:xfrm>
+            <a:off x="0" y="3867894"/>
+            <a:ext cx="9144000" cy="523220"/>
+          </a:xfrm>
+          <a:prstGeom prst="rect">
+            <a:avLst/>
+          </a:prstGeom>
+          <a:noFill/>
+        </p:spPr>
+        <p:txBody>
+          <a:bodyPr wrap="square" rtlCol="0">
+            <a:spAutoFit/>
+          </a:bodyPr>
+          <a:lstStyle/>
+          <a:p>
+            <a:pPr algn="ctr"/>
+            <a:r>
+              <a:rPr lang="en-US" sz="2800" b="1" dirty="0">
+                <a:solidFill>
+                  <a:srgbClr val="000066"/>
+                </a:solidFill>
+                <a:latin typeface="Microsoft JhengHei" panose="020B0604030504040204" pitchFamily="34" charset="-120"/>
+                <a:ea typeface="Microsoft JhengHei" panose="020B0604030504040204" pitchFamily="34" charset="-120"/>
+              </a:rPr>
+              <a:t>( </a:t>
+            </a:r>
+            <a:r>
+              <a:rPr lang="zh-CN" altLang="en-US" sz="2800" b="1" dirty="0">
+                <a:solidFill>
+                  <a:srgbClr val="000066"/>
+                </a:solidFill>
+                <a:latin typeface="Microsoft JhengHei" panose="020B0604030504040204" pitchFamily="34" charset="-120"/>
+                <a:ea typeface="Microsoft JhengHei" panose="020B0604030504040204" pitchFamily="34" charset="-120"/>
+              </a:rPr>
+              <a:t>副歌</a:t>
+            </a:r>
+            <a:r>
+              <a:rPr lang="en-US" sz="2800" b="1" dirty="0">
+                <a:solidFill>
+                  <a:srgbClr val="000066"/>
+                </a:solidFill>
+                <a:latin typeface="Microsoft JhengHei" panose="020B0604030504040204" pitchFamily="34" charset="-120"/>
+                <a:ea typeface="Microsoft JhengHei" panose="020B0604030504040204" pitchFamily="34" charset="-120"/>
+              </a:rPr>
+              <a:t> )</a:t>
+            </a:r>
+            <a:endParaRPr lang="vi-VN" sz="2800" b="1" dirty="0">
+              <a:solidFill>
+                <a:srgbClr val="000066"/>
+              </a:solidFill>
+              <a:ea typeface="Microsoft JhengHei" panose="020B0604030504040204" pitchFamily="34" charset="-120"/>
+            </a:endParaRPr>
+          </a:p>
+        </p:txBody>
+      </p:sp>
     </p:spTree>
+    <p:extLst>
+      <p:ext uri="{BB962C8B-B14F-4D97-AF65-F5344CB8AC3E}">
+        <p14:creationId xmlns:p14="http://schemas.microsoft.com/office/powerpoint/2010/main" val="2502485709"/>
+      </p:ext>
+    </p:extLst>
   </p:cSld>
   <p:clrMapOvr>
     <a:masterClrMapping/>
   </p:clrMapOvr>
-  <p:timing>
-    <p:tnLst>
-      <p:par>
-        <p:cTn id="1" dur="indefinite" restart="never" nodeType="tmRoot"/>
-      </p:par>
-    </p:tnLst>
-  </p:timing>
 </p:sld>
 </file>
 
